--- a/A2-ER_modeling-WaterUtility.pptx
+++ b/A2-ER_modeling-WaterUtility.pptx
@@ -5,10 +5,10 @@
     <p:sldMasterId id="2147483654" r:id="rId1"/>
   </p:sldMasterIdLst>
   <p:notesMasterIdLst>
-    <p:notesMasterId r:id="rId40"/>
+    <p:notesMasterId r:id="rId29"/>
   </p:notesMasterIdLst>
   <p:handoutMasterIdLst>
-    <p:handoutMasterId r:id="rId41"/>
+    <p:handoutMasterId r:id="rId30"/>
   </p:handoutMasterIdLst>
   <p:sldIdLst>
     <p:sldId id="365" r:id="rId2"/>
@@ -25,30 +25,19 @@
     <p:sldId id="379" r:id="rId13"/>
     <p:sldId id="380" r:id="rId14"/>
     <p:sldId id="381" r:id="rId15"/>
-    <p:sldId id="382" r:id="rId16"/>
-    <p:sldId id="384" r:id="rId17"/>
-    <p:sldId id="413" r:id="rId18"/>
-    <p:sldId id="388" r:id="rId19"/>
-    <p:sldId id="389" r:id="rId20"/>
-    <p:sldId id="391" r:id="rId21"/>
-    <p:sldId id="392" r:id="rId22"/>
-    <p:sldId id="393" r:id="rId23"/>
-    <p:sldId id="394" r:id="rId24"/>
-    <p:sldId id="395" r:id="rId25"/>
-    <p:sldId id="396" r:id="rId26"/>
-    <p:sldId id="397" r:id="rId27"/>
-    <p:sldId id="398" r:id="rId28"/>
-    <p:sldId id="399" r:id="rId29"/>
-    <p:sldId id="411" r:id="rId30"/>
-    <p:sldId id="400" r:id="rId31"/>
-    <p:sldId id="401" r:id="rId32"/>
-    <p:sldId id="402" r:id="rId33"/>
-    <p:sldId id="403" r:id="rId34"/>
-    <p:sldId id="404" r:id="rId35"/>
-    <p:sldId id="416" r:id="rId36"/>
-    <p:sldId id="405" r:id="rId37"/>
-    <p:sldId id="407" r:id="rId38"/>
-    <p:sldId id="406" r:id="rId39"/>
+    <p:sldId id="413" r:id="rId16"/>
+    <p:sldId id="388" r:id="rId17"/>
+    <p:sldId id="389" r:id="rId18"/>
+    <p:sldId id="391" r:id="rId19"/>
+    <p:sldId id="392" r:id="rId20"/>
+    <p:sldId id="393" r:id="rId21"/>
+    <p:sldId id="394" r:id="rId22"/>
+    <p:sldId id="395" r:id="rId23"/>
+    <p:sldId id="397" r:id="rId24"/>
+    <p:sldId id="398" r:id="rId25"/>
+    <p:sldId id="399" r:id="rId26"/>
+    <p:sldId id="407" r:id="rId27"/>
+    <p:sldId id="406" r:id="rId28"/>
   </p:sldIdLst>
   <p:sldSz cx="9144000" cy="6858000" type="screen4x3"/>
   <p:notesSz cx="7010400" cy="9296400"/>
@@ -278,7 +267,7 @@
                 <a:ea typeface="Arial Unicode MS" panose="020B0604020202020204" pitchFamily="34" charset="-128"/>
                 <a:cs typeface="Arial Unicode MS" panose="020B0604020202020204" pitchFamily="34" charset="-128"/>
               </a:rPr>
-              <a:t>4/12/2019</a:t>
+              <a:t>5/26/2019</a:t>
             </a:fld>
             <a:endParaRPr lang="en-US" dirty="0">
               <a:latin typeface="Arial Unicode MS" panose="020B0604020202020204" pitchFamily="34" charset="-128"/>
@@ -1005,7 +994,7 @@
           <a:p>
             <a:fld id="{E9385586-C094-4874-A3EB-1898CF456001}" type="datetimeFigureOut">
               <a:rPr lang="en-US" smtClean="0"/>
-              <a:t>4/12/2019</a:t>
+              <a:t>5/26/2019</a:t>
             </a:fld>
             <a:endParaRPr lang="en-US"/>
           </a:p>
@@ -1174,7 +1163,7 @@
           <a:p>
             <a:fld id="{E9385586-C094-4874-A3EB-1898CF456001}" type="datetimeFigureOut">
               <a:rPr lang="en-US" smtClean="0"/>
-              <a:t>4/12/2019</a:t>
+              <a:t>5/26/2019</a:t>
             </a:fld>
             <a:endParaRPr lang="en-US"/>
           </a:p>
@@ -1353,7 +1342,7 @@
           <a:p>
             <a:fld id="{E9385586-C094-4874-A3EB-1898CF456001}" type="datetimeFigureOut">
               <a:rPr lang="en-US" smtClean="0"/>
-              <a:t>4/12/2019</a:t>
+              <a:t>5/26/2019</a:t>
             </a:fld>
             <a:endParaRPr lang="en-US"/>
           </a:p>
@@ -1553,7 +1542,7 @@
           <a:p>
             <a:fld id="{E9385586-C094-4874-A3EB-1898CF456001}" type="datetimeFigureOut">
               <a:rPr lang="en-US" smtClean="0"/>
-              <a:t>4/12/2019</a:t>
+              <a:t>5/26/2019</a:t>
             </a:fld>
             <a:endParaRPr lang="en-US"/>
           </a:p>
@@ -1798,7 +1787,7 @@
           <a:p>
             <a:fld id="{E9385586-C094-4874-A3EB-1898CF456001}" type="datetimeFigureOut">
               <a:rPr lang="en-US" smtClean="0"/>
-              <a:t>4/12/2019</a:t>
+              <a:t>5/26/2019</a:t>
             </a:fld>
             <a:endParaRPr lang="en-US"/>
           </a:p>
@@ -2028,7 +2017,7 @@
           <a:p>
             <a:fld id="{E9385586-C094-4874-A3EB-1898CF456001}" type="datetimeFigureOut">
               <a:rPr lang="en-US" smtClean="0"/>
-              <a:t>4/12/2019</a:t>
+              <a:t>5/26/2019</a:t>
             </a:fld>
             <a:endParaRPr lang="en-US"/>
           </a:p>
@@ -2393,7 +2382,7 @@
           <a:p>
             <a:fld id="{E9385586-C094-4874-A3EB-1898CF456001}" type="datetimeFigureOut">
               <a:rPr lang="en-US" smtClean="0"/>
-              <a:t>4/12/2019</a:t>
+              <a:t>5/26/2019</a:t>
             </a:fld>
             <a:endParaRPr lang="en-US"/>
           </a:p>
@@ -2511,7 +2500,7 @@
           <a:p>
             <a:fld id="{E9385586-C094-4874-A3EB-1898CF456001}" type="datetimeFigureOut">
               <a:rPr lang="en-US" smtClean="0"/>
-              <a:t>4/12/2019</a:t>
+              <a:t>5/26/2019</a:t>
             </a:fld>
             <a:endParaRPr lang="en-US"/>
           </a:p>
@@ -2606,7 +2595,7 @@
           <a:p>
             <a:fld id="{E9385586-C094-4874-A3EB-1898CF456001}" type="datetimeFigureOut">
               <a:rPr lang="en-US" smtClean="0"/>
-              <a:t>4/12/2019</a:t>
+              <a:t>5/26/2019</a:t>
             </a:fld>
             <a:endParaRPr lang="en-US"/>
           </a:p>
@@ -2882,7 +2871,7 @@
           <a:p>
             <a:fld id="{E9385586-C094-4874-A3EB-1898CF456001}" type="datetimeFigureOut">
               <a:rPr lang="en-US" smtClean="0"/>
-              <a:t>4/12/2019</a:t>
+              <a:t>5/26/2019</a:t>
             </a:fld>
             <a:endParaRPr lang="en-US"/>
           </a:p>
@@ -3135,7 +3124,7 @@
           <a:p>
             <a:fld id="{E9385586-C094-4874-A3EB-1898CF456001}" type="datetimeFigureOut">
               <a:rPr lang="en-US" smtClean="0"/>
-              <a:t>4/12/2019</a:t>
+              <a:t>5/26/2019</a:t>
             </a:fld>
             <a:endParaRPr lang="en-US"/>
           </a:p>
@@ -3351,7 +3340,7 @@
             <a:fld id="{E9385586-C094-4874-A3EB-1898CF456001}" type="datetimeFigureOut">
               <a:rPr lang="en-US" smtClean="0"/>
               <a:pPr/>
-              <a:t>4/12/2019</a:t>
+              <a:t>5/26/2019</a:t>
             </a:fld>
             <a:endParaRPr lang="en-US" dirty="0"/>
           </a:p>
@@ -4403,7 +4392,37 @@
                 <a:cs typeface="Arial Unicode MS" panose="020B0604020202020204" pitchFamily="34" charset="-128"/>
                 <a:sym typeface="Iowan Old Style Roman"/>
               </a:rPr>
-              <a:t>Customer has number, name, billing address, type, applicable rate, collection of meters.</a:t>
+              <a:t>Customer has </a:t>
+            </a:r>
+            <a:r>
+              <a:rPr lang="en-US" sz="2100" dirty="0">
+                <a:solidFill>
+                  <a:schemeClr val="tx1"/>
+                </a:solidFill>
+                <a:uFill>
+                  <a:solidFill/>
+                </a:uFill>
+                <a:latin typeface="Arial Unicode MS" panose="020B0604020202020204" pitchFamily="34" charset="-128"/>
+                <a:ea typeface="Arial Unicode MS" panose="020B0604020202020204" pitchFamily="34" charset="-128"/>
+                <a:cs typeface="Arial Unicode MS" panose="020B0604020202020204" pitchFamily="34" charset="-128"/>
+                <a:sym typeface="Iowan Old Style Roman"/>
+              </a:rPr>
+              <a:t>id</a:t>
+            </a:r>
+            <a:r>
+              <a:rPr sz="2100" dirty="0">
+                <a:solidFill>
+                  <a:schemeClr val="tx1"/>
+                </a:solidFill>
+                <a:uFill>
+                  <a:solidFill/>
+                </a:uFill>
+                <a:latin typeface="Arial Unicode MS" panose="020B0604020202020204" pitchFamily="34" charset="-128"/>
+                <a:ea typeface="Arial Unicode MS" panose="020B0604020202020204" pitchFamily="34" charset="-128"/>
+                <a:cs typeface="Arial Unicode MS" panose="020B0604020202020204" pitchFamily="34" charset="-128"/>
+                <a:sym typeface="Iowan Old Style Roman"/>
+              </a:rPr>
+              <a:t>, name, billing address, type, applicable rate, collection of meters.</a:t>
             </a:r>
           </a:p>
           <a:p>
@@ -4615,7 +4634,7 @@
         </p:nvSpPr>
         <p:spPr>
           <a:xfrm>
-            <a:off x="4130258" y="1658765"/>
+            <a:off x="2253750" y="1670682"/>
             <a:ext cx="889427" cy="346965"/>
           </a:xfrm>
           <a:prstGeom prst="rect">
@@ -5391,29 +5410,32 @@
       </p:sp>
       <p:pic>
         <p:nvPicPr>
-          <p:cNvPr id="118" name="Screen Shot 2014-02-19 at 3.53.34 PM.png"/>
-          <p:cNvPicPr/>
+          <p:cNvPr id="2" name="Picture 1">
+            <a:extLst>
+              <a:ext uri="{FF2B5EF4-FFF2-40B4-BE49-F238E27FC236}">
+                <a16:creationId xmlns:a16="http://schemas.microsoft.com/office/drawing/2014/main" id="{4E7747A8-1CD8-4995-AED3-EB051B7DC03D}"/>
+              </a:ext>
+            </a:extLst>
+          </p:cNvPr>
+          <p:cNvPicPr>
+            <a:picLocks noChangeAspect="1"/>
+          </p:cNvPicPr>
           <p:nvPr/>
         </p:nvPicPr>
         <p:blipFill>
-          <a:blip r:embed="rId2">
-            <a:extLst/>
-          </a:blip>
+          <a:blip r:embed="rId2"/>
           <a:stretch>
             <a:fillRect/>
           </a:stretch>
         </p:blipFill>
         <p:spPr>
           <a:xfrm>
-            <a:off x="573217" y="1514717"/>
-            <a:ext cx="7765106" cy="4488445"/>
+            <a:off x="1335819" y="864252"/>
+            <a:ext cx="6774078" cy="5902308"/>
           </a:xfrm>
           <a:prstGeom prst="rect">
             <a:avLst/>
           </a:prstGeom>
-          <a:ln w="12700">
-            <a:miter lim="400000"/>
-          </a:ln>
         </p:spPr>
       </p:pic>
     </p:spTree>
@@ -5522,7 +5544,7 @@
         <p:spPr>
           <a:xfrm>
             <a:off x="469900" y="1282700"/>
-            <a:ext cx="7590195" cy="2451953"/>
+            <a:ext cx="7590195" cy="2941831"/>
           </a:xfrm>
           <a:prstGeom prst="rect">
             <a:avLst/>
@@ -5590,6 +5612,21 @@
               </a:defRPr>
             </a:pPr>
             <a:r>
+              <a:rPr lang="en-US" sz="2600" dirty="0">
+                <a:solidFill>
+                  <a:schemeClr val="tx1"/>
+                </a:solidFill>
+                <a:uFill>
+                  <a:solidFill/>
+                </a:uFill>
+                <a:latin typeface="Arial Unicode MS" panose="020B0604020202020204" pitchFamily="34" charset="-128"/>
+                <a:ea typeface="Arial Unicode MS" panose="020B0604020202020204" pitchFamily="34" charset="-128"/>
+                <a:cs typeface="Arial Unicode MS" panose="020B0604020202020204" pitchFamily="34" charset="-128"/>
+                <a:sym typeface="Iowan Old Style Roman"/>
+              </a:rPr>
+              <a:t>R</a:t>
+            </a:r>
+            <a:r>
               <a:rPr sz="2600" dirty="0">
                 <a:solidFill>
                   <a:schemeClr val="tx1"/>
@@ -5602,8 +5639,35 @@
                 <a:cs typeface="Arial Unicode MS" panose="020B0604020202020204" pitchFamily="34" charset="-128"/>
                 <a:sym typeface="Iowan Old Style Roman"/>
               </a:rPr>
-              <a:t>However, several refinements can be made</a:t>
-            </a:r>
+              <a:t>efinements </a:t>
+            </a:r>
+            <a:r>
+              <a:rPr lang="en-US" sz="2600" dirty="0">
+                <a:solidFill>
+                  <a:schemeClr val="tx1"/>
+                </a:solidFill>
+                <a:uFill>
+                  <a:solidFill/>
+                </a:uFill>
+                <a:latin typeface="Arial Unicode MS" panose="020B0604020202020204" pitchFamily="34" charset="-128"/>
+                <a:ea typeface="Arial Unicode MS" panose="020B0604020202020204" pitchFamily="34" charset="-128"/>
+                <a:cs typeface="Arial Unicode MS" panose="020B0604020202020204" pitchFamily="34" charset="-128"/>
+                <a:sym typeface="Iowan Old Style Roman"/>
+              </a:rPr>
+              <a:t>are common</a:t>
+            </a:r>
+            <a:endParaRPr sz="2600" dirty="0">
+              <a:solidFill>
+                <a:schemeClr val="tx1"/>
+              </a:solidFill>
+              <a:uFill>
+                <a:solidFill/>
+              </a:uFill>
+              <a:latin typeface="Arial Unicode MS" panose="020B0604020202020204" pitchFamily="34" charset="-128"/>
+              <a:ea typeface="Arial Unicode MS" panose="020B0604020202020204" pitchFamily="34" charset="-128"/>
+              <a:cs typeface="Arial Unicode MS" panose="020B0604020202020204" pitchFamily="34" charset="-128"/>
+              <a:sym typeface="Iowan Old Style Roman"/>
+            </a:endParaRPr>
           </a:p>
           <a:p>
             <a:pPr marL="342900" lvl="0" indent="-304800">
@@ -5622,6 +5686,21 @@
               </a:defRPr>
             </a:pPr>
             <a:r>
+              <a:rPr lang="en-US" sz="2600" dirty="0">
+                <a:solidFill>
+                  <a:schemeClr val="tx1"/>
+                </a:solidFill>
+                <a:uFill>
+                  <a:solidFill/>
+                </a:uFill>
+                <a:latin typeface="Arial Unicode MS" panose="020B0604020202020204" pitchFamily="34" charset="-128"/>
+                <a:ea typeface="Arial Unicode MS" panose="020B0604020202020204" pitchFamily="34" charset="-128"/>
+                <a:cs typeface="Arial Unicode MS" panose="020B0604020202020204" pitchFamily="34" charset="-128"/>
+                <a:sym typeface="Iowan Old Style Roman"/>
+              </a:rPr>
+              <a:t>Example</a:t>
+            </a:r>
+            <a:r>
               <a:rPr sz="2600" dirty="0">
                 <a:solidFill>
                   <a:schemeClr val="tx1"/>
@@ -5634,7 +5713,37 @@
                 <a:cs typeface="Arial Unicode MS" panose="020B0604020202020204" pitchFamily="34" charset="-128"/>
                 <a:sym typeface="Iowan Old Style Roman"/>
               </a:rPr>
-              <a:t>Typical list of refinements:</a:t>
+              <a:t> of refinements:</a:t>
+            </a:r>
+          </a:p>
+          <a:p>
+            <a:pPr marL="685800" lvl="1" indent="-304800">
+              <a:spcBef>
+                <a:spcPts val="700"/>
+              </a:spcBef>
+              <a:buSzPct val="100000"/>
+              <a:buChar char="•"/>
+              <a:defRPr sz="1800">
+                <a:solidFill>
+                  <a:srgbClr val="000000"/>
+                </a:solidFill>
+                <a:uFillTx/>
+              </a:defRPr>
+            </a:pPr>
+            <a:r>
+              <a:rPr lang="en-US" sz="2600" dirty="0">
+                <a:solidFill>
+                  <a:schemeClr val="tx1"/>
+                </a:solidFill>
+                <a:uFill>
+                  <a:solidFill/>
+                </a:uFill>
+                <a:latin typeface="Arial Unicode MS" panose="020B0604020202020204" pitchFamily="34" charset="-128"/>
+                <a:ea typeface="Arial Unicode MS" panose="020B0604020202020204" pitchFamily="34" charset="-128"/>
+                <a:cs typeface="Arial Unicode MS" panose="020B0604020202020204" pitchFamily="34" charset="-128"/>
+                <a:sym typeface="Iowan Old Style Roman"/>
+              </a:rPr>
+              <a:t>Data types becoming ENUM entries</a:t>
             </a:r>
           </a:p>
           <a:p>
@@ -5929,437 +6038,6 @@
       </p:grpSpPr>
       <p:sp>
         <p:nvSpPr>
-          <p:cNvPr id="124" name="Shape 124"/>
-          <p:cNvSpPr>
-            <a:spLocks noGrp="1"/>
-          </p:cNvSpPr>
-          <p:nvPr>
-            <p:ph type="sldNum" sz="quarter" idx="4294967295"/>
-          </p:nvPr>
-        </p:nvSpPr>
-        <p:spPr>
-          <a:xfrm>
-            <a:off x="7010400" y="6248400"/>
-            <a:ext cx="2133600" cy="227013"/>
-          </a:xfrm>
-          <a:prstGeom prst="rect">
-            <a:avLst/>
-          </a:prstGeom>
-          <a:extLst>
-            <a:ext uri="{C572A759-6A51-4108-AA02-DFA0A04FC94B}">
-              <ma14:wrappingTextBoxFlag xmlns="" xmlns:ma14="http://schemas.microsoft.com/office/mac/drawingml/2011/main" val="1"/>
-            </a:ext>
-          </a:extLst>
-        </p:spPr>
-        <p:txBody>
-          <a:bodyPr/>
-          <a:lstStyle/>
-          <a:p>
-            <a:pPr lvl="0">
-              <a:defRPr sz="1800">
-                <a:uFillTx/>
-              </a:defRPr>
-            </a:pPr>
-            <a:fld id="{86CB4B4D-7CA3-9044-876B-883B54F8677D}" type="slidenum">
-              <a:rPr sz="1000">
-                <a:solidFill>
-                  <a:schemeClr val="tx1"/>
-                </a:solidFill>
-                <a:uFill>
-                  <a:solidFill/>
-                </a:uFill>
-              </a:rPr>
-              <a:t>15</a:t>
-            </a:fld>
-            <a:endParaRPr sz="1000">
-              <a:solidFill>
-                <a:schemeClr val="tx1"/>
-              </a:solidFill>
-              <a:uFill>
-                <a:solidFill/>
-              </a:uFill>
-            </a:endParaRPr>
-          </a:p>
-        </p:txBody>
-      </p:sp>
-      <p:sp>
-        <p:nvSpPr>
-          <p:cNvPr id="125" name="Shape 125"/>
-          <p:cNvSpPr/>
-          <p:nvPr/>
-        </p:nvSpPr>
-        <p:spPr>
-          <a:xfrm>
-            <a:off x="386308" y="147496"/>
-            <a:ext cx="7757379" cy="553998"/>
-          </a:xfrm>
-          <a:prstGeom prst="rect">
-            <a:avLst/>
-          </a:prstGeom>
-          <a:ln w="12700">
-            <a:miter lim="400000"/>
-          </a:ln>
-          <a:extLst>
-            <a:ext uri="{C572A759-6A51-4108-AA02-DFA0A04FC94B}">
-              <ma14:wrappingTextBoxFlag xmlns="" xmlns:ma14="http://schemas.microsoft.com/office/mac/drawingml/2011/main" val="1"/>
-            </a:ext>
-          </a:extLst>
-        </p:spPr>
-        <p:txBody>
-          <a:bodyPr lIns="45719" rIns="45719">
-            <a:spAutoFit/>
-          </a:bodyPr>
-          <a:lstStyle>
-            <a:lvl1pPr>
-              <a:defRPr sz="3000" b="1">
-                <a:uFill>
-                  <a:solidFill>
-                    <a:srgbClr val="FFFFFF"/>
-                  </a:solidFill>
-                </a:uFill>
-              </a:defRPr>
-            </a:lvl1pPr>
-          </a:lstStyle>
-          <a:p>
-            <a:pPr lvl="0">
-              <a:defRPr sz="1800" b="0">
-                <a:solidFill>
-                  <a:srgbClr val="000000"/>
-                </a:solidFill>
-                <a:uFillTx/>
-              </a:defRPr>
-            </a:pPr>
-            <a:r>
-              <a:rPr sz="3000" b="1" dirty="0">
-                <a:solidFill>
-                  <a:srgbClr val="57068C"/>
-                </a:solidFill>
-                <a:uFill>
-                  <a:solidFill>
-                    <a:srgbClr val="FFFFFF"/>
-                  </a:solidFill>
-                </a:uFill>
-                <a:latin typeface="Arial Unicode MS" panose="020B0604020202020204" pitchFamily="34" charset="-128"/>
-                <a:ea typeface="Arial Unicode MS" panose="020B0604020202020204" pitchFamily="34" charset="-128"/>
-                <a:cs typeface="Arial Unicode MS" panose="020B0604020202020204" pitchFamily="34" charset="-128"/>
-              </a:rPr>
-              <a:t>Attributes -&gt; Entities</a:t>
-            </a:r>
-          </a:p>
-        </p:txBody>
-      </p:sp>
-      <p:sp>
-        <p:nvSpPr>
-          <p:cNvPr id="126" name="Shape 126"/>
-          <p:cNvSpPr/>
-          <p:nvPr/>
-        </p:nvSpPr>
-        <p:spPr>
-          <a:xfrm>
-            <a:off x="469900" y="1282700"/>
-            <a:ext cx="7590195" cy="892552"/>
-          </a:xfrm>
-          <a:prstGeom prst="rect">
-            <a:avLst/>
-          </a:prstGeom>
-          <a:ln w="12700">
-            <a:miter lim="400000"/>
-          </a:ln>
-          <a:extLst>
-            <a:ext uri="{C572A759-6A51-4108-AA02-DFA0A04FC94B}">
-              <ma14:wrappingTextBoxFlag xmlns="" xmlns:ma14="http://schemas.microsoft.com/office/mac/drawingml/2011/main" val="1"/>
-            </a:ext>
-          </a:extLst>
-        </p:spPr>
-        <p:txBody>
-          <a:bodyPr lIns="45719" rIns="45719">
-            <a:spAutoFit/>
-          </a:bodyPr>
-          <a:lstStyle>
-            <a:lvl1pPr marL="342900" indent="-304800">
-              <a:spcBef>
-                <a:spcPts val="700"/>
-              </a:spcBef>
-              <a:buSzPct val="50000"/>
-              <a:buBlip>
-                <a:blip r:embed="rId2"/>
-              </a:buBlip>
-              <a:defRPr sz="2600">
-                <a:solidFill>
-                  <a:srgbClr val="01106D"/>
-                </a:solidFill>
-                <a:latin typeface="Iowan Old Style Roman"/>
-                <a:ea typeface="Iowan Old Style Roman"/>
-                <a:cs typeface="Iowan Old Style Roman"/>
-                <a:sym typeface="Iowan Old Style Roman"/>
-              </a:defRPr>
-            </a:lvl1pPr>
-          </a:lstStyle>
-          <a:p>
-            <a:pPr lvl="0">
-              <a:defRPr sz="1800">
-                <a:solidFill>
-                  <a:srgbClr val="000000"/>
-                </a:solidFill>
-                <a:uFillTx/>
-              </a:defRPr>
-            </a:pPr>
-            <a:r>
-              <a:rPr sz="2600" dirty="0">
-                <a:solidFill>
-                  <a:schemeClr val="tx1"/>
-                </a:solidFill>
-                <a:uFill>
-                  <a:solidFill/>
-                </a:uFill>
-                <a:latin typeface="Arial Unicode MS" panose="020B0604020202020204" pitchFamily="34" charset="-128"/>
-                <a:ea typeface="Arial Unicode MS" panose="020B0604020202020204" pitchFamily="34" charset="-128"/>
-                <a:cs typeface="Arial Unicode MS" panose="020B0604020202020204" pitchFamily="34" charset="-128"/>
-              </a:rPr>
-              <a:t>Readings are done by employees. What if we know something about them (e.g. name, title)?</a:t>
-            </a:r>
-          </a:p>
-        </p:txBody>
-      </p:sp>
-      <p:pic>
-        <p:nvPicPr>
-          <p:cNvPr id="127" name="pasted-image.pdf"/>
-          <p:cNvPicPr/>
-          <p:nvPr/>
-        </p:nvPicPr>
-        <p:blipFill>
-          <a:blip r:embed="rId3">
-            <a:extLst/>
-          </a:blip>
-          <a:stretch>
-            <a:fillRect/>
-          </a:stretch>
-        </p:blipFill>
-        <p:spPr>
-          <a:xfrm>
-            <a:off x="1416050" y="2666364"/>
-            <a:ext cx="5245031" cy="3536838"/>
-          </a:xfrm>
-          <a:prstGeom prst="rect">
-            <a:avLst/>
-          </a:prstGeom>
-          <a:ln w="12700">
-            <a:miter lim="400000"/>
-          </a:ln>
-        </p:spPr>
-      </p:pic>
-    </p:spTree>
-    <p:extLst>
-      <p:ext uri="{BB962C8B-B14F-4D97-AF65-F5344CB8AC3E}">
-        <p14:creationId xmlns:p14="http://schemas.microsoft.com/office/powerpoint/2010/main" val="1303260127"/>
-      </p:ext>
-    </p:extLst>
-  </p:cSld>
-  <p:clrMapOvr>
-    <a:masterClrMapping/>
-  </p:clrMapOvr>
-  <p:transition spd="med"/>
-</p:sld>
-</file>
-
-<file path=ppt/slides/slide16.xml><?xml version="1.0" encoding="utf-8"?>
-<p:sld xmlns:a="http://schemas.openxmlformats.org/drawingml/2006/main" xmlns:r="http://schemas.openxmlformats.org/officeDocument/2006/relationships" xmlns:p="http://schemas.openxmlformats.org/presentationml/2006/main">
-  <p:cSld>
-    <p:spTree>
-      <p:nvGrpSpPr>
-        <p:cNvPr id="1" name=""/>
-        <p:cNvGrpSpPr/>
-        <p:nvPr/>
-      </p:nvGrpSpPr>
-      <p:grpSpPr>
-        <a:xfrm>
-          <a:off x="0" y="0"/>
-          <a:ext cx="0" cy="0"/>
-          <a:chOff x="0" y="0"/>
-          <a:chExt cx="0" cy="0"/>
-        </a:xfrm>
-      </p:grpSpPr>
-      <p:sp>
-        <p:nvSpPr>
-          <p:cNvPr id="138" name="Shape 138"/>
-          <p:cNvSpPr>
-            <a:spLocks noGrp="1"/>
-          </p:cNvSpPr>
-          <p:nvPr>
-            <p:ph type="sldNum" sz="quarter" idx="4294967295"/>
-          </p:nvPr>
-        </p:nvSpPr>
-        <p:spPr>
-          <a:xfrm>
-            <a:off x="7010400" y="6248400"/>
-            <a:ext cx="2133600" cy="227013"/>
-          </a:xfrm>
-          <a:prstGeom prst="rect">
-            <a:avLst/>
-          </a:prstGeom>
-          <a:extLst>
-            <a:ext uri="{C572A759-6A51-4108-AA02-DFA0A04FC94B}">
-              <ma14:wrappingTextBoxFlag xmlns="" xmlns:ma14="http://schemas.microsoft.com/office/mac/drawingml/2011/main" val="1"/>
-            </a:ext>
-          </a:extLst>
-        </p:spPr>
-        <p:txBody>
-          <a:bodyPr/>
-          <a:lstStyle/>
-          <a:p>
-            <a:pPr lvl="0">
-              <a:defRPr sz="1800">
-                <a:uFillTx/>
-              </a:defRPr>
-            </a:pPr>
-            <a:fld id="{86CB4B4D-7CA3-9044-876B-883B54F8677D}" type="slidenum">
-              <a:rPr sz="1000">
-                <a:solidFill>
-                  <a:schemeClr val="tx1"/>
-                </a:solidFill>
-                <a:uFill>
-                  <a:solidFill/>
-                </a:uFill>
-              </a:rPr>
-              <a:t>16</a:t>
-            </a:fld>
-            <a:endParaRPr sz="1000">
-              <a:solidFill>
-                <a:schemeClr val="tx1"/>
-              </a:solidFill>
-              <a:uFill>
-                <a:solidFill/>
-              </a:uFill>
-            </a:endParaRPr>
-          </a:p>
-        </p:txBody>
-      </p:sp>
-      <p:sp>
-        <p:nvSpPr>
-          <p:cNvPr id="139" name="Shape 139"/>
-          <p:cNvSpPr/>
-          <p:nvPr/>
-        </p:nvSpPr>
-        <p:spPr>
-          <a:xfrm>
-            <a:off x="386308" y="147496"/>
-            <a:ext cx="7757379" cy="553998"/>
-          </a:xfrm>
-          <a:prstGeom prst="rect">
-            <a:avLst/>
-          </a:prstGeom>
-          <a:ln w="12700">
-            <a:miter lim="400000"/>
-          </a:ln>
-          <a:extLst>
-            <a:ext uri="{C572A759-6A51-4108-AA02-DFA0A04FC94B}">
-              <ma14:wrappingTextBoxFlag xmlns="" xmlns:ma14="http://schemas.microsoft.com/office/mac/drawingml/2011/main" val="1"/>
-            </a:ext>
-          </a:extLst>
-        </p:spPr>
-        <p:txBody>
-          <a:bodyPr lIns="45719" rIns="45719">
-            <a:spAutoFit/>
-          </a:bodyPr>
-          <a:lstStyle>
-            <a:lvl1pPr>
-              <a:defRPr sz="3000" b="1">
-                <a:uFill>
-                  <a:solidFill>
-                    <a:srgbClr val="FFFFFF"/>
-                  </a:solidFill>
-                </a:uFill>
-              </a:defRPr>
-            </a:lvl1pPr>
-          </a:lstStyle>
-          <a:p>
-            <a:pPr lvl="0">
-              <a:defRPr sz="1800" b="0">
-                <a:solidFill>
-                  <a:srgbClr val="000000"/>
-                </a:solidFill>
-                <a:uFillTx/>
-              </a:defRPr>
-            </a:pPr>
-            <a:r>
-              <a:rPr sz="3000" b="1" dirty="0">
-                <a:solidFill>
-                  <a:srgbClr val="57068C"/>
-                </a:solidFill>
-                <a:uFill>
-                  <a:solidFill>
-                    <a:srgbClr val="FFFFFF"/>
-                  </a:solidFill>
-                </a:uFill>
-                <a:latin typeface="Arial Unicode MS" panose="020B0604020202020204" pitchFamily="34" charset="-128"/>
-                <a:ea typeface="Arial Unicode MS" panose="020B0604020202020204" pitchFamily="34" charset="-128"/>
-                <a:cs typeface="Arial Unicode MS" panose="020B0604020202020204" pitchFamily="34" charset="-128"/>
-              </a:rPr>
-              <a:t>Final ERD</a:t>
-            </a:r>
-          </a:p>
-        </p:txBody>
-      </p:sp>
-      <p:pic>
-        <p:nvPicPr>
-          <p:cNvPr id="140" name="Screen Shot 2014-02-19 at 3.58.47 PM.png"/>
-          <p:cNvPicPr/>
-          <p:nvPr/>
-        </p:nvPicPr>
-        <p:blipFill>
-          <a:blip r:embed="rId2">
-            <a:extLst/>
-          </a:blip>
-          <a:stretch>
-            <a:fillRect/>
-          </a:stretch>
-        </p:blipFill>
-        <p:spPr>
-          <a:xfrm>
-            <a:off x="1219884" y="1091671"/>
-            <a:ext cx="6704232" cy="4969933"/>
-          </a:xfrm>
-          <a:prstGeom prst="rect">
-            <a:avLst/>
-          </a:prstGeom>
-          <a:ln w="12700">
-            <a:miter lim="400000"/>
-          </a:ln>
-        </p:spPr>
-      </p:pic>
-    </p:spTree>
-    <p:extLst>
-      <p:ext uri="{BB962C8B-B14F-4D97-AF65-F5344CB8AC3E}">
-        <p14:creationId xmlns:p14="http://schemas.microsoft.com/office/powerpoint/2010/main" val="1082833969"/>
-      </p:ext>
-    </p:extLst>
-  </p:cSld>
-  <p:clrMapOvr>
-    <a:masterClrMapping/>
-  </p:clrMapOvr>
-  <p:transition spd="med"/>
-</p:sld>
-</file>
-
-<file path=ppt/slides/slide17.xml><?xml version="1.0" encoding="utf-8"?>
-<p:sld xmlns:a="http://schemas.openxmlformats.org/drawingml/2006/main" xmlns:r="http://schemas.openxmlformats.org/officeDocument/2006/relationships" xmlns:p="http://schemas.openxmlformats.org/presentationml/2006/main">
-  <p:cSld>
-    <p:spTree>
-      <p:nvGrpSpPr>
-        <p:cNvPr id="1" name=""/>
-        <p:cNvGrpSpPr/>
-        <p:nvPr/>
-      </p:nvGrpSpPr>
-      <p:grpSpPr>
-        <a:xfrm>
-          <a:off x="0" y="0"/>
-          <a:ext cx="0" cy="0"/>
-          <a:chOff x="0" y="0"/>
-          <a:chExt cx="0" cy="0"/>
-        </a:xfrm>
-      </p:grpSpPr>
-      <p:sp>
-        <p:nvSpPr>
           <p:cNvPr id="2" name="Title 1"/>
           <p:cNvSpPr>
             <a:spLocks noGrp="1"/>
@@ -6402,7 +6080,7 @@
 </p:sld>
 </file>
 
-<file path=ppt/slides/slide18.xml><?xml version="1.0" encoding="utf-8"?>
+<file path=ppt/slides/slide16.xml><?xml version="1.0" encoding="utf-8"?>
 <p:sld xmlns:a="http://schemas.openxmlformats.org/drawingml/2006/main" xmlns:r="http://schemas.openxmlformats.org/officeDocument/2006/relationships" xmlns:p="http://schemas.openxmlformats.org/presentationml/2006/main">
   <p:cSld>
     <p:spTree>
@@ -6812,7 +6490,7 @@
 </p:sld>
 </file>
 
-<file path=ppt/slides/slide19.xml><?xml version="1.0" encoding="utf-8"?>
+<file path=ppt/slides/slide17.xml><?xml version="1.0" encoding="utf-8"?>
 <p:sld xmlns:a="http://schemas.openxmlformats.org/drawingml/2006/main" xmlns:r="http://schemas.openxmlformats.org/officeDocument/2006/relationships" xmlns:p="http://schemas.openxmlformats.org/presentationml/2006/main">
   <p:cSld>
     <p:spTree>
@@ -6897,29 +6575,32 @@
       </p:sp>
       <p:pic>
         <p:nvPicPr>
-          <p:cNvPr id="131" name="Screen Shot 2014-02-19 at 3.58.47 PM.png"/>
-          <p:cNvPicPr/>
+          <p:cNvPr id="2" name="Picture 1">
+            <a:extLst>
+              <a:ext uri="{FF2B5EF4-FFF2-40B4-BE49-F238E27FC236}">
+                <a16:creationId xmlns:a16="http://schemas.microsoft.com/office/drawing/2014/main" id="{FBAB0D1E-06BA-4C41-8DE7-B3062F031A93}"/>
+              </a:ext>
+            </a:extLst>
+          </p:cNvPr>
+          <p:cNvPicPr>
+            <a:picLocks noChangeAspect="1"/>
+          </p:cNvPicPr>
           <p:nvPr/>
         </p:nvPicPr>
         <p:blipFill>
-          <a:blip r:embed="rId2">
-            <a:extLst/>
-          </a:blip>
+          <a:blip r:embed="rId2"/>
           <a:stretch>
             <a:fillRect/>
           </a:stretch>
         </p:blipFill>
         <p:spPr>
           <a:xfrm>
-            <a:off x="1219884" y="1258562"/>
-            <a:ext cx="6704232" cy="4969932"/>
+            <a:off x="1528635" y="946756"/>
+            <a:ext cx="6615052" cy="5763748"/>
           </a:xfrm>
           <a:prstGeom prst="rect">
             <a:avLst/>
           </a:prstGeom>
-          <a:ln w="12700">
-            <a:miter lim="400000"/>
-          </a:ln>
         </p:spPr>
       </p:pic>
     </p:spTree>
@@ -6936,323 +6617,7 @@
 </p:sld>
 </file>
 
-<file path=ppt/slides/slide2.xml><?xml version="1.0" encoding="utf-8"?>
-<p:sld xmlns:a="http://schemas.openxmlformats.org/drawingml/2006/main" xmlns:r="http://schemas.openxmlformats.org/officeDocument/2006/relationships" xmlns:p="http://schemas.openxmlformats.org/presentationml/2006/main">
-  <p:cSld>
-    <p:spTree>
-      <p:nvGrpSpPr>
-        <p:cNvPr id="1" name=""/>
-        <p:cNvGrpSpPr/>
-        <p:nvPr/>
-      </p:nvGrpSpPr>
-      <p:grpSpPr>
-        <a:xfrm>
-          <a:off x="0" y="0"/>
-          <a:ext cx="0" cy="0"/>
-          <a:chOff x="0" y="0"/>
-          <a:chExt cx="0" cy="0"/>
-        </a:xfrm>
-      </p:grpSpPr>
-      <p:sp>
-        <p:nvSpPr>
-          <p:cNvPr id="30" name="Shape 30"/>
-          <p:cNvSpPr/>
-          <p:nvPr/>
-        </p:nvSpPr>
-        <p:spPr>
-          <a:xfrm>
-            <a:off x="391751" y="158160"/>
-            <a:ext cx="7757379" cy="553998"/>
-          </a:xfrm>
-          <a:prstGeom prst="rect">
-            <a:avLst/>
-          </a:prstGeom>
-          <a:ln w="12700">
-            <a:miter lim="400000"/>
-          </a:ln>
-          <a:extLst>
-            <a:ext uri="{C572A759-6A51-4108-AA02-DFA0A04FC94B}">
-              <ma14:wrappingTextBoxFlag xmlns="" xmlns:ma14="http://schemas.microsoft.com/office/mac/drawingml/2011/main" val="1"/>
-            </a:ext>
-          </a:extLst>
-        </p:spPr>
-        <p:txBody>
-          <a:bodyPr lIns="45719" rIns="45719">
-            <a:spAutoFit/>
-          </a:bodyPr>
-          <a:lstStyle>
-            <a:lvl1pPr>
-              <a:defRPr sz="3000" b="1">
-                <a:uFill>
-                  <a:solidFill>
-                    <a:srgbClr val="FFFFFF"/>
-                  </a:solidFill>
-                </a:uFill>
-              </a:defRPr>
-            </a:lvl1pPr>
-          </a:lstStyle>
-          <a:p>
-            <a:pPr lvl="0">
-              <a:defRPr sz="1800" b="0">
-                <a:solidFill>
-                  <a:srgbClr val="000000"/>
-                </a:solidFill>
-                <a:uFillTx/>
-              </a:defRPr>
-            </a:pPr>
-            <a:r>
-              <a:rPr lang="en-US" sz="3000" b="1" dirty="0">
-                <a:solidFill>
-                  <a:srgbClr val="57068C"/>
-                </a:solidFill>
-                <a:uFill>
-                  <a:solidFill>
-                    <a:srgbClr val="FFFFFF"/>
-                  </a:solidFill>
-                </a:uFill>
-                <a:latin typeface="Arial Unicode MS" panose="020B0604020202020204" pitchFamily="34" charset="-128"/>
-                <a:ea typeface="Arial Unicode MS" panose="020B0604020202020204" pitchFamily="34" charset="-128"/>
-                <a:cs typeface="Arial Unicode MS" panose="020B0604020202020204" pitchFamily="34" charset="-128"/>
-              </a:rPr>
-              <a:t>Questions</a:t>
-            </a:r>
-            <a:r>
-              <a:rPr lang="en-US" sz="3000" b="1" dirty="0">
-                <a:solidFill>
-                  <a:schemeClr val="tx1"/>
-                </a:solidFill>
-                <a:uFill>
-                  <a:solidFill>
-                    <a:srgbClr val="FFFFFF"/>
-                  </a:solidFill>
-                </a:uFill>
-                <a:latin typeface="Arial Unicode MS" panose="020B0604020202020204" pitchFamily="34" charset="-128"/>
-                <a:ea typeface="Arial Unicode MS" panose="020B0604020202020204" pitchFamily="34" charset="-128"/>
-                <a:cs typeface="Arial Unicode MS" panose="020B0604020202020204" pitchFamily="34" charset="-128"/>
-              </a:rPr>
-              <a:t> </a:t>
-            </a:r>
-            <a:endParaRPr sz="3000" b="1" dirty="0">
-              <a:solidFill>
-                <a:schemeClr val="tx1"/>
-              </a:solidFill>
-              <a:uFill>
-                <a:solidFill>
-                  <a:srgbClr val="FFFFFF"/>
-                </a:solidFill>
-              </a:uFill>
-              <a:latin typeface="Arial Unicode MS" panose="020B0604020202020204" pitchFamily="34" charset="-128"/>
-              <a:ea typeface="Arial Unicode MS" panose="020B0604020202020204" pitchFamily="34" charset="-128"/>
-              <a:cs typeface="Arial Unicode MS" panose="020B0604020202020204" pitchFamily="34" charset="-128"/>
-            </a:endParaRPr>
-          </a:p>
-        </p:txBody>
-      </p:sp>
-      <p:sp>
-        <p:nvSpPr>
-          <p:cNvPr id="31" name="Shape 31"/>
-          <p:cNvSpPr/>
-          <p:nvPr/>
-        </p:nvSpPr>
-        <p:spPr>
-          <a:xfrm>
-            <a:off x="338007" y="1242377"/>
-            <a:ext cx="8478871" cy="3375283"/>
-          </a:xfrm>
-          <a:prstGeom prst="rect">
-            <a:avLst/>
-          </a:prstGeom>
-          <a:ln w="12700">
-            <a:miter lim="400000"/>
-          </a:ln>
-          <a:extLst>
-            <a:ext uri="{C572A759-6A51-4108-AA02-DFA0A04FC94B}">
-              <ma14:wrappingTextBoxFlag xmlns="" xmlns:ma14="http://schemas.microsoft.com/office/mac/drawingml/2011/main" val="1"/>
-            </a:ext>
-          </a:extLst>
-        </p:spPr>
-        <p:txBody>
-          <a:bodyPr lIns="0" tIns="0" rIns="0" bIns="0">
-            <a:spAutoFit/>
-          </a:bodyPr>
-          <a:lstStyle/>
-          <a:p>
-            <a:pPr marL="260838" lvl="0" indent="-222738">
-              <a:spcBef>
-                <a:spcPts val="700"/>
-              </a:spcBef>
-              <a:buSzPct val="50000"/>
-              <a:buBlip>
-                <a:blip r:embed="rId3"/>
-              </a:buBlip>
-              <a:defRPr sz="1800">
-                <a:solidFill>
-                  <a:srgbClr val="000000"/>
-                </a:solidFill>
-                <a:uFillTx/>
-              </a:defRPr>
-            </a:pPr>
-            <a:r>
-              <a:rPr lang="en-US" sz="2800" dirty="0">
-                <a:solidFill>
-                  <a:schemeClr val="tx1"/>
-                </a:solidFill>
-                <a:uFill>
-                  <a:solidFill/>
-                </a:uFill>
-                <a:latin typeface="Arial Unicode MS" panose="020B0604020202020204" pitchFamily="34" charset="-128"/>
-                <a:ea typeface="Arial Unicode MS" panose="020B0604020202020204" pitchFamily="34" charset="-128"/>
-                <a:cs typeface="Arial Unicode MS" panose="020B0604020202020204" pitchFamily="34" charset="-128"/>
-                <a:sym typeface="Iowan Old Style Roman"/>
-              </a:rPr>
-              <a:t>How can we create an ER diagram from scratch?</a:t>
-            </a:r>
-          </a:p>
-          <a:p>
-            <a:pPr marL="260838" lvl="0" indent="-222738">
-              <a:spcBef>
-                <a:spcPts val="700"/>
-              </a:spcBef>
-              <a:buSzPct val="50000"/>
-              <a:buBlip>
-                <a:blip r:embed="rId3"/>
-              </a:buBlip>
-              <a:defRPr sz="1800">
-                <a:solidFill>
-                  <a:srgbClr val="000000"/>
-                </a:solidFill>
-                <a:uFillTx/>
-              </a:defRPr>
-            </a:pPr>
-            <a:endParaRPr lang="en-US" sz="2800" dirty="0">
-              <a:solidFill>
-                <a:schemeClr val="tx1"/>
-              </a:solidFill>
-              <a:latin typeface="Arial Unicode MS" panose="020B0604020202020204" pitchFamily="34" charset="-128"/>
-              <a:ea typeface="Arial Unicode MS" panose="020B0604020202020204" pitchFamily="34" charset="-128"/>
-              <a:cs typeface="Arial Unicode MS" panose="020B0604020202020204" pitchFamily="34" charset="-128"/>
-              <a:sym typeface="Iowan Old Style Roman"/>
-            </a:endParaRPr>
-          </a:p>
-          <a:p>
-            <a:pPr marL="260838" lvl="0" indent="-222738">
-              <a:spcBef>
-                <a:spcPts val="700"/>
-              </a:spcBef>
-              <a:buSzPct val="50000"/>
-              <a:buBlip>
-                <a:blip r:embed="rId3"/>
-              </a:buBlip>
-              <a:defRPr sz="1800">
-                <a:solidFill>
-                  <a:srgbClr val="000000"/>
-                </a:solidFill>
-                <a:uFillTx/>
-              </a:defRPr>
-            </a:pPr>
-            <a:r>
-              <a:rPr lang="en-US" sz="2800" dirty="0">
-                <a:solidFill>
-                  <a:schemeClr val="tx1"/>
-                </a:solidFill>
-                <a:uFill>
-                  <a:solidFill/>
-                </a:uFill>
-                <a:latin typeface="Arial Unicode MS" panose="020B0604020202020204" pitchFamily="34" charset="-128"/>
-                <a:ea typeface="Arial Unicode MS" panose="020B0604020202020204" pitchFamily="34" charset="-128"/>
-                <a:cs typeface="Arial Unicode MS" panose="020B0604020202020204" pitchFamily="34" charset="-128"/>
-                <a:sym typeface="Iowan Old Style Roman"/>
-              </a:rPr>
-              <a:t>How can we go from an ER diagram to a design for a database?</a:t>
-            </a:r>
-          </a:p>
-          <a:p>
-            <a:pPr marL="260838" lvl="0" indent="-222738">
-              <a:spcBef>
-                <a:spcPts val="700"/>
-              </a:spcBef>
-              <a:buSzPct val="50000"/>
-              <a:buBlip>
-                <a:blip r:embed="rId3"/>
-              </a:buBlip>
-              <a:defRPr sz="1800">
-                <a:solidFill>
-                  <a:srgbClr val="000000"/>
-                </a:solidFill>
-                <a:uFillTx/>
-              </a:defRPr>
-            </a:pPr>
-            <a:endParaRPr lang="en-US" sz="2800" dirty="0">
-              <a:solidFill>
-                <a:schemeClr val="tx1"/>
-              </a:solidFill>
-              <a:latin typeface="Arial Unicode MS" panose="020B0604020202020204" pitchFamily="34" charset="-128"/>
-              <a:ea typeface="Arial Unicode MS" panose="020B0604020202020204" pitchFamily="34" charset="-128"/>
-              <a:cs typeface="Arial Unicode MS" panose="020B0604020202020204" pitchFamily="34" charset="-128"/>
-              <a:sym typeface="Iowan Old Style Roman"/>
-            </a:endParaRPr>
-          </a:p>
-          <a:p>
-            <a:pPr marL="260838" lvl="0" indent="-222738">
-              <a:spcBef>
-                <a:spcPts val="700"/>
-              </a:spcBef>
-              <a:buSzPct val="50000"/>
-              <a:buBlip>
-                <a:blip r:embed="rId3"/>
-              </a:buBlip>
-              <a:defRPr sz="1800">
-                <a:solidFill>
-                  <a:srgbClr val="000000"/>
-                </a:solidFill>
-                <a:uFillTx/>
-              </a:defRPr>
-            </a:pPr>
-            <a:r>
-              <a:rPr lang="en-US" sz="2800" dirty="0">
-                <a:solidFill>
-                  <a:schemeClr val="tx1"/>
-                </a:solidFill>
-                <a:uFill>
-                  <a:solidFill/>
-                </a:uFill>
-                <a:latin typeface="Arial Unicode MS" panose="020B0604020202020204" pitchFamily="34" charset="-128"/>
-                <a:ea typeface="Arial Unicode MS" panose="020B0604020202020204" pitchFamily="34" charset="-128"/>
-                <a:cs typeface="Arial Unicode MS" panose="020B0604020202020204" pitchFamily="34" charset="-128"/>
-                <a:sym typeface="Iowan Old Style Roman"/>
-              </a:rPr>
-              <a:t>How can we use SQL to create the database in a relational database?</a:t>
-            </a:r>
-            <a:endParaRPr sz="2800" dirty="0">
-              <a:solidFill>
-                <a:schemeClr val="tx1"/>
-              </a:solidFill>
-              <a:uFill>
-                <a:solidFill/>
-              </a:uFill>
-              <a:latin typeface="Arial Unicode MS" panose="020B0604020202020204" pitchFamily="34" charset="-128"/>
-              <a:ea typeface="Arial Unicode MS" panose="020B0604020202020204" pitchFamily="34" charset="-128"/>
-              <a:cs typeface="Arial Unicode MS" panose="020B0604020202020204" pitchFamily="34" charset="-128"/>
-              <a:sym typeface="Iowan Old Style Roman"/>
-            </a:endParaRPr>
-          </a:p>
-        </p:txBody>
-      </p:sp>
-    </p:spTree>
-    <p:extLst>
-      <p:ext uri="{BB962C8B-B14F-4D97-AF65-F5344CB8AC3E}">
-        <p14:creationId xmlns:p14="http://schemas.microsoft.com/office/powerpoint/2010/main" val="3296694269"/>
-      </p:ext>
-    </p:extLst>
-  </p:cSld>
-  <p:clrMapOvr>
-    <a:masterClrMapping/>
-  </p:clrMapOvr>
-  <p:transition spd="med"/>
-</p:sld>
-</file>
-
-<file path=ppt/slides/slide20.xml><?xml version="1.0" encoding="utf-8"?>
+<file path=ppt/slides/slide18.xml><?xml version="1.0" encoding="utf-8"?>
 <p:sld xmlns:a="http://schemas.openxmlformats.org/drawingml/2006/main" xmlns:r="http://schemas.openxmlformats.org/officeDocument/2006/relationships" xmlns:p="http://schemas.openxmlformats.org/presentationml/2006/main">
   <p:cSld>
     <p:spTree>
@@ -7538,7 +6903,7 @@
 </p:sld>
 </file>
 
-<file path=ppt/slides/slide21.xml><?xml version="1.0" encoding="utf-8"?>
+<file path=ppt/slides/slide19.xml><?xml version="1.0" encoding="utf-8"?>
 <p:sld xmlns:a="http://schemas.openxmlformats.org/drawingml/2006/main" xmlns:r="http://schemas.openxmlformats.org/officeDocument/2006/relationships" xmlns:p="http://schemas.openxmlformats.org/presentationml/2006/main">
   <p:cSld>
     <p:spTree>
@@ -7555,6 +6920,36 @@
           <a:chExt cx="0" cy="0"/>
         </a:xfrm>
       </p:grpSpPr>
+      <p:pic>
+        <p:nvPicPr>
+          <p:cNvPr id="2" name="Picture 1">
+            <a:extLst>
+              <a:ext uri="{FF2B5EF4-FFF2-40B4-BE49-F238E27FC236}">
+                <a16:creationId xmlns:a16="http://schemas.microsoft.com/office/drawing/2014/main" id="{7AF882D1-B946-4F74-BE29-586EED26B274}"/>
+              </a:ext>
+            </a:extLst>
+          </p:cNvPr>
+          <p:cNvPicPr>
+            <a:picLocks noChangeAspect="1"/>
+          </p:cNvPicPr>
+          <p:nvPr/>
+        </p:nvPicPr>
+        <p:blipFill>
+          <a:blip r:embed="rId2"/>
+          <a:stretch>
+            <a:fillRect/>
+          </a:stretch>
+        </p:blipFill>
+        <p:spPr>
+          <a:xfrm>
+            <a:off x="4648075" y="679732"/>
+            <a:ext cx="2282398" cy="2157449"/>
+          </a:xfrm>
+          <a:prstGeom prst="rect">
+            <a:avLst/>
+          </a:prstGeom>
+        </p:spPr>
+      </p:pic>
       <p:sp>
         <p:nvSpPr>
           <p:cNvPr id="142" name="Shape 142"/>
@@ -7681,7 +7076,7 @@
               </a:spcBef>
               <a:buSzPct val="50000"/>
               <a:buBlip>
-                <a:blip r:embed="rId2"/>
+                <a:blip r:embed="rId3"/>
               </a:buBlip>
               <a:defRPr sz="1800">
                 <a:solidFill>
@@ -7728,7 +7123,7 @@
               </a:spcBef>
               <a:buSzPct val="50000"/>
               <a:buBlip>
-                <a:blip r:embed="rId2"/>
+                <a:blip r:embed="rId3"/>
               </a:buBlip>
               <a:defRPr sz="1800">
                 <a:solidFill>
@@ -7738,7 +7133,7 @@
               </a:defRPr>
             </a:pPr>
             <a:r>
-              <a:rPr sz="1900" dirty="0">
+              <a:rPr lang="en-US" sz="1900" dirty="0">
                 <a:solidFill>
                   <a:schemeClr val="tx1"/>
                 </a:solidFill>
@@ -7752,6 +7147,18 @@
               </a:rPr>
               <a:t>Customer</a:t>
             </a:r>
+            <a:endParaRPr sz="1900" dirty="0">
+              <a:solidFill>
+                <a:schemeClr val="tx1"/>
+              </a:solidFill>
+              <a:uFill>
+                <a:solidFill/>
+              </a:uFill>
+              <a:latin typeface="Arial Unicode MS" panose="020B0604020202020204" pitchFamily="34" charset="-128"/>
+              <a:ea typeface="Arial Unicode MS" panose="020B0604020202020204" pitchFamily="34" charset="-128"/>
+              <a:cs typeface="Arial Unicode MS" panose="020B0604020202020204" pitchFamily="34" charset="-128"/>
+              <a:sym typeface="Iowan Old Style Roman"/>
+            </a:endParaRPr>
           </a:p>
           <a:p>
             <a:pPr marL="260838" lvl="0" indent="-222738">
@@ -7760,7 +7167,7 @@
               </a:spcBef>
               <a:buSzPct val="50000"/>
               <a:buBlip>
-                <a:blip r:embed="rId2"/>
+                <a:blip r:embed="rId3"/>
               </a:buBlip>
               <a:defRPr sz="1800">
                 <a:solidFill>
@@ -7792,7 +7199,7 @@
               </a:spcBef>
               <a:buSzPct val="50000"/>
               <a:buBlip>
-                <a:blip r:embed="rId2"/>
+                <a:blip r:embed="rId3"/>
               </a:buBlip>
               <a:defRPr sz="1800">
                 <a:solidFill>
@@ -7824,7 +7231,7 @@
               </a:spcBef>
               <a:buSzPct val="50000"/>
               <a:buBlip>
-                <a:blip r:embed="rId2"/>
+                <a:blip r:embed="rId3"/>
               </a:buBlip>
               <a:defRPr sz="1800">
                 <a:solidFill>
@@ -7856,7 +7263,7 @@
               </a:spcBef>
               <a:buSzPct val="50000"/>
               <a:buBlip>
-                <a:blip r:embed="rId2"/>
+                <a:blip r:embed="rId3"/>
               </a:buBlip>
               <a:defRPr sz="1800">
                 <a:solidFill>
@@ -7888,12 +7295,16 @@
           <p:cNvPr id="144" name="Table 144"/>
           <p:cNvGraphicFramePr/>
           <p:nvPr>
-            <p:extLst/>
+            <p:extLst>
+              <p:ext uri="{D42A27DB-BD31-4B8C-83A1-F6EECF244321}">
+                <p14:modId xmlns:p14="http://schemas.microsoft.com/office/powerpoint/2010/main" val="2146524307"/>
+              </p:ext>
+            </p:extLst>
           </p:nvPr>
         </p:nvGraphicFramePr>
         <p:xfrm>
           <a:off x="3162302" y="3619462"/>
-          <a:ext cx="5492747" cy="2499609"/>
+          <a:ext cx="5492747" cy="2504249"/>
         </p:xfrm>
         <a:graphic>
           <a:graphicData uri="http://schemas.openxmlformats.org/drawingml/2006/table">
@@ -8073,8 +7484,33 @@
                           <a:latin typeface="Arial Unicode MS" panose="020B0604020202020204" pitchFamily="34" charset="-128"/>
                         </a:rPr>
                         <a:t>Fixed
-amount</a:t>
+</a:t>
                       </a:r>
+                      <a:r>
+                        <a:rPr lang="en-US" sz="1000" b="1" i="1" dirty="0">
+                          <a:solidFill>
+                            <a:srgbClr val="FFFFFF"/>
+                          </a:solidFill>
+                          <a:uFill>
+                            <a:solidFill>
+                              <a:srgbClr val="FFFFFF"/>
+                            </a:solidFill>
+                          </a:uFill>
+                          <a:latin typeface="Arial Unicode MS" panose="020B0604020202020204" pitchFamily="34" charset="-128"/>
+                        </a:rPr>
+                        <a:t>price</a:t>
+                      </a:r>
+                      <a:endParaRPr sz="1000" b="1" i="1" dirty="0">
+                        <a:solidFill>
+                          <a:srgbClr val="FFFFFF"/>
+                        </a:solidFill>
+                        <a:uFill>
+                          <a:solidFill>
+                            <a:srgbClr val="FFFFFF"/>
+                          </a:solidFill>
+                        </a:uFill>
+                        <a:latin typeface="Arial Unicode MS" panose="020B0604020202020204" pitchFamily="34" charset="-128"/>
+                      </a:endParaRPr>
                     </a:p>
                   </a:txBody>
                   <a:tcPr marL="63500" marR="63500" marT="63500" marB="63500" horzOverflow="overflow">
@@ -8121,8 +7557,33 @@
                           <a:latin typeface="Arial Unicode MS" panose="020B0604020202020204" pitchFamily="34" charset="-128"/>
                         </a:rPr>
                         <a:t>Variable
-amount</a:t>
+</a:t>
                       </a:r>
+                      <a:r>
+                        <a:rPr lang="en-US" sz="1000" b="1" i="1" dirty="0">
+                          <a:solidFill>
+                            <a:srgbClr val="FFFFFF"/>
+                          </a:solidFill>
+                          <a:uFill>
+                            <a:solidFill>
+                              <a:srgbClr val="FFFFFF"/>
+                            </a:solidFill>
+                          </a:uFill>
+                          <a:latin typeface="Arial Unicode MS" panose="020B0604020202020204" pitchFamily="34" charset="-128"/>
+                        </a:rPr>
+                        <a:t>price</a:t>
+                      </a:r>
+                      <a:endParaRPr sz="1000" b="1" i="1" dirty="0">
+                        <a:solidFill>
+                          <a:srgbClr val="FFFFFF"/>
+                        </a:solidFill>
+                        <a:uFill>
+                          <a:solidFill>
+                            <a:srgbClr val="FFFFFF"/>
+                          </a:solidFill>
+                        </a:uFill>
+                        <a:latin typeface="Arial Unicode MS" panose="020B0604020202020204" pitchFamily="34" charset="-128"/>
+                      </a:endParaRPr>
                     </a:p>
                   </a:txBody>
                   <a:tcPr marL="63500" marR="63500" marT="63500" marB="63500" horzOverflow="overflow">
@@ -8168,8 +7629,7 @@
                           </a:uFill>
                           <a:latin typeface="Arial Unicode MS" panose="020B0604020202020204" pitchFamily="34" charset="-128"/>
                         </a:rPr>
-                        <a:t>Consumption
-Threshold</a:t>
+                        <a:t>Threshold</a:t>
                       </a:r>
                     </a:p>
                   </a:txBody>
@@ -8251,7 +7711,7 @@
                         </a:defRPr>
                       </a:pPr>
                       <a:r>
-                        <a:rPr sz="1200" dirty="0">
+                        <a:rPr lang="en-US" sz="1200" dirty="0">
                           <a:solidFill>
                             <a:srgbClr val="191164"/>
                           </a:solidFill>
@@ -8260,32 +7720,17 @@
                           </a:uFill>
                           <a:latin typeface="Arial Unicode MS" panose="020B0604020202020204" pitchFamily="34" charset="-128"/>
                         </a:rPr>
-                        <a:t>Rate </a:t>
+                        <a:t>Consumer Basic</a:t>
                       </a:r>
-                      <a:r>
-                        <a:rPr sz="1200" dirty="0" err="1">
-                          <a:solidFill>
-                            <a:srgbClr val="191164"/>
-                          </a:solidFill>
-                          <a:uFill>
-                            <a:solidFill/>
-                          </a:uFill>
-                          <a:latin typeface="Arial Unicode MS" panose="020B0604020202020204" pitchFamily="34" charset="-128"/>
-                        </a:rPr>
-                        <a:t>descr</a:t>
-                      </a:r>
-                      <a:r>
-                        <a:rPr sz="1200" dirty="0">
-                          <a:solidFill>
-                            <a:srgbClr val="191164"/>
-                          </a:solidFill>
-                          <a:uFill>
-                            <a:solidFill/>
-                          </a:uFill>
-                          <a:latin typeface="Arial Unicode MS" panose="020B0604020202020204" pitchFamily="34" charset="-128"/>
-                        </a:rPr>
-                        <a:t> 1</a:t>
-                      </a:r>
+                      <a:endParaRPr sz="1200" dirty="0">
+                        <a:solidFill>
+                          <a:srgbClr val="191164"/>
+                        </a:solidFill>
+                        <a:uFill>
+                          <a:solidFill/>
+                        </a:uFill>
+                        <a:latin typeface="Arial Unicode MS" panose="020B0604020202020204" pitchFamily="34" charset="-128"/>
+                      </a:endParaRPr>
                     </a:p>
                   </a:txBody>
                   <a:tcPr marL="63500" marR="63500" marT="63500" marB="63500" horzOverflow="overflow">
@@ -8350,7 +7795,7 @@
                     <a:bodyPr/>
                     <a:lstStyle/>
                     <a:p>
-                      <a:pPr lvl="0" algn="ctr">
+                      <a:pPr lvl="0" algn="l">
                         <a:defRPr sz="1800">
                           <a:solidFill>
                             <a:srgbClr val="000000"/>
@@ -8401,7 +7846,7 @@
                         </a:defRPr>
                       </a:pPr>
                       <a:r>
-                        <a:rPr sz="1200" dirty="0">
+                        <a:rPr lang="en-US" sz="1200" dirty="0">
                           <a:solidFill>
                             <a:srgbClr val="191164"/>
                           </a:solidFill>
@@ -8410,8 +7855,17 @@
                           </a:uFill>
                           <a:latin typeface="Arial Unicode MS" panose="020B0604020202020204" pitchFamily="34" charset="-128"/>
                         </a:rPr>
-                        <a:t>0.7</a:t>
+                        <a:t>2</a:t>
                       </a:r>
+                      <a:endParaRPr sz="1200" dirty="0">
+                        <a:solidFill>
+                          <a:srgbClr val="191164"/>
+                        </a:solidFill>
+                        <a:uFill>
+                          <a:solidFill/>
+                        </a:uFill>
+                        <a:latin typeface="Arial Unicode MS" panose="020B0604020202020204" pitchFamily="34" charset="-128"/>
+                      </a:endParaRPr>
                     </a:p>
                   </a:txBody>
                   <a:tcPr marL="63500" marR="63500" marT="63500" marB="63500" horzOverflow="overflow">
@@ -8492,7 +7946,7 @@
                         </a:defRPr>
                       </a:pPr>
                       <a:r>
-                        <a:rPr sz="1200" dirty="0">
+                        <a:rPr lang="en-US" sz="1200" dirty="0">
                           <a:solidFill>
                             <a:srgbClr val="191164"/>
                           </a:solidFill>
@@ -8501,32 +7955,17 @@
                           </a:uFill>
                           <a:latin typeface="Arial Unicode MS" panose="020B0604020202020204" pitchFamily="34" charset="-128"/>
                         </a:rPr>
-                        <a:t>Rate </a:t>
+                        <a:t>Consumer Savings</a:t>
                       </a:r>
-                      <a:r>
-                        <a:rPr sz="1200" dirty="0" err="1">
-                          <a:solidFill>
-                            <a:srgbClr val="191164"/>
-                          </a:solidFill>
-                          <a:uFill>
-                            <a:solidFill/>
-                          </a:uFill>
-                          <a:latin typeface="Arial Unicode MS" panose="020B0604020202020204" pitchFamily="34" charset="-128"/>
-                        </a:rPr>
-                        <a:t>descr</a:t>
-                      </a:r>
-                      <a:r>
-                        <a:rPr sz="1200" dirty="0">
-                          <a:solidFill>
-                            <a:srgbClr val="191164"/>
-                          </a:solidFill>
-                          <a:uFill>
-                            <a:solidFill/>
-                          </a:uFill>
-                          <a:latin typeface="Arial Unicode MS" panose="020B0604020202020204" pitchFamily="34" charset="-128"/>
-                        </a:rPr>
-                        <a:t> 3</a:t>
-                      </a:r>
+                      <a:endParaRPr sz="1200" dirty="0">
+                        <a:solidFill>
+                          <a:srgbClr val="191164"/>
+                        </a:solidFill>
+                        <a:uFill>
+                          <a:solidFill/>
+                        </a:uFill>
+                        <a:latin typeface="Arial Unicode MS" panose="020B0604020202020204" pitchFamily="34" charset="-128"/>
+                      </a:endParaRPr>
                     </a:p>
                   </a:txBody>
                   <a:tcPr marL="63500" marR="63500" marT="63500" marB="63500" horzOverflow="overflow">
@@ -8591,7 +8030,7 @@
                     <a:bodyPr/>
                     <a:lstStyle/>
                     <a:p>
-                      <a:pPr lvl="0" algn="ctr">
+                      <a:pPr lvl="0" algn="l">
                         <a:defRPr sz="1800">
                           <a:solidFill>
                             <a:srgbClr val="000000"/>
@@ -8600,7 +8039,7 @@
                         </a:defRPr>
                       </a:pPr>
                       <a:r>
-                        <a:rPr sz="1200" dirty="0">
+                        <a:rPr lang="en-US" sz="1200" dirty="0">
                           <a:solidFill>
                             <a:srgbClr val="191164"/>
                           </a:solidFill>
@@ -8609,8 +8048,17 @@
                           </a:uFill>
                           <a:latin typeface="Arial Unicode MS" panose="020B0604020202020204" pitchFamily="34" charset="-128"/>
                         </a:rPr>
-                        <a:t>20</a:t>
+                        <a:t>5</a:t>
                       </a:r>
+                      <a:endParaRPr sz="1200" dirty="0">
+                        <a:solidFill>
+                          <a:srgbClr val="191164"/>
+                        </a:solidFill>
+                        <a:uFill>
+                          <a:solidFill/>
+                        </a:uFill>
+                        <a:latin typeface="Arial Unicode MS" panose="020B0604020202020204" pitchFamily="34" charset="-128"/>
+                      </a:endParaRPr>
                     </a:p>
                   </a:txBody>
                   <a:tcPr marL="63500" marR="63500" marT="63500" marB="63500" horzOverflow="overflow">
@@ -8642,7 +8090,7 @@
                         </a:defRPr>
                       </a:pPr>
                       <a:r>
-                        <a:rPr sz="1200" dirty="0">
+                        <a:rPr lang="en-US" sz="1200" dirty="0">
                           <a:solidFill>
                             <a:srgbClr val="191164"/>
                           </a:solidFill>
@@ -8651,8 +8099,17 @@
                           </a:uFill>
                           <a:latin typeface="Arial Unicode MS" panose="020B0604020202020204" pitchFamily="34" charset="-128"/>
                         </a:rPr>
-                        <a:t>0.7</a:t>
+                        <a:t>5</a:t>
                       </a:r>
+                      <a:endParaRPr sz="1200" dirty="0">
+                        <a:solidFill>
+                          <a:srgbClr val="191164"/>
+                        </a:solidFill>
+                        <a:uFill>
+                          <a:solidFill/>
+                        </a:uFill>
+                        <a:latin typeface="Arial Unicode MS" panose="020B0604020202020204" pitchFamily="34" charset="-128"/>
+                      </a:endParaRPr>
                     </a:p>
                   </a:txBody>
                   <a:tcPr marL="63500" marR="63500" marT="63500" marB="63500" horzOverflow="overflow">
@@ -8733,7 +8190,7 @@
                         </a:defRPr>
                       </a:pPr>
                       <a:r>
-                        <a:rPr sz="1200" dirty="0">
+                        <a:rPr lang="en-US" sz="1200" dirty="0">
                           <a:solidFill>
                             <a:srgbClr val="191164"/>
                           </a:solidFill>
@@ -8742,32 +8199,17 @@
                           </a:uFill>
                           <a:latin typeface="Arial Unicode MS" panose="020B0604020202020204" pitchFamily="34" charset="-128"/>
                         </a:rPr>
-                        <a:t>Rate </a:t>
+                        <a:t>Restaurant Rate</a:t>
                       </a:r>
-                      <a:r>
-                        <a:rPr sz="1200" dirty="0" err="1">
-                          <a:solidFill>
-                            <a:srgbClr val="191164"/>
-                          </a:solidFill>
-                          <a:uFill>
-                            <a:solidFill/>
-                          </a:uFill>
-                          <a:latin typeface="Arial Unicode MS" panose="020B0604020202020204" pitchFamily="34" charset="-128"/>
-                        </a:rPr>
-                        <a:t>descr</a:t>
-                      </a:r>
-                      <a:r>
-                        <a:rPr sz="1200" dirty="0">
-                          <a:solidFill>
-                            <a:srgbClr val="191164"/>
-                          </a:solidFill>
-                          <a:uFill>
-                            <a:solidFill/>
-                          </a:uFill>
-                          <a:latin typeface="Arial Unicode MS" panose="020B0604020202020204" pitchFamily="34" charset="-128"/>
-                        </a:rPr>
-                        <a:t> 7</a:t>
-                      </a:r>
+                      <a:endParaRPr sz="1200" dirty="0">
+                        <a:solidFill>
+                          <a:srgbClr val="191164"/>
+                        </a:solidFill>
+                        <a:uFill>
+                          <a:solidFill/>
+                        </a:uFill>
+                        <a:latin typeface="Arial Unicode MS" panose="020B0604020202020204" pitchFamily="34" charset="-128"/>
+                      </a:endParaRPr>
                     </a:p>
                   </a:txBody>
                   <a:tcPr marL="63500" marR="63500" marT="63500" marB="63500" horzOverflow="overflow">
@@ -8832,7 +8274,7 @@
                     <a:bodyPr/>
                     <a:lstStyle/>
                     <a:p>
-                      <a:pPr lvl="0" algn="ctr">
+                      <a:pPr lvl="0" algn="l">
                         <a:defRPr sz="1800">
                           <a:solidFill>
                             <a:srgbClr val="000000"/>
@@ -8840,6 +8282,18 @@
                           <a:uFillTx/>
                         </a:defRPr>
                       </a:pPr>
+                      <a:r>
+                        <a:rPr lang="en-US" sz="1200" dirty="0">
+                          <a:solidFill>
+                            <a:srgbClr val="191164"/>
+                          </a:solidFill>
+                          <a:uFill>
+                            <a:solidFill/>
+                          </a:uFill>
+                          <a:latin typeface="Arial Unicode MS" panose="020B0604020202020204" pitchFamily="34" charset="-128"/>
+                        </a:rPr>
+                        <a:t>2</a:t>
+                      </a:r>
                       <a:r>
                         <a:rPr sz="1200" dirty="0">
                           <a:solidFill>
@@ -8850,7 +8304,7 @@
                           </a:uFill>
                           <a:latin typeface="Arial Unicode MS" panose="020B0604020202020204" pitchFamily="34" charset="-128"/>
                         </a:rPr>
-                        <a:t>Null	</a:t>
+                        <a:t>	</a:t>
                       </a:r>
                     </a:p>
                   </a:txBody>
@@ -8883,7 +8337,7 @@
                         </a:defRPr>
                       </a:pPr>
                       <a:r>
-                        <a:rPr sz="1200" dirty="0">
+                        <a:rPr lang="en-US" sz="1200" dirty="0">
                           <a:solidFill>
                             <a:srgbClr val="191164"/>
                           </a:solidFill>
@@ -8892,8 +8346,17 @@
                           </a:uFill>
                           <a:latin typeface="Arial Unicode MS" panose="020B0604020202020204" pitchFamily="34" charset="-128"/>
                         </a:rPr>
-                        <a:t>Null</a:t>
+                        <a:t>20</a:t>
                       </a:r>
+                      <a:endParaRPr sz="1200" dirty="0">
+                        <a:solidFill>
+                          <a:srgbClr val="191164"/>
+                        </a:solidFill>
+                        <a:uFill>
+                          <a:solidFill/>
+                        </a:uFill>
+                        <a:latin typeface="Arial Unicode MS" panose="020B0604020202020204" pitchFamily="34" charset="-128"/>
+                      </a:endParaRPr>
                     </a:p>
                   </a:txBody>
                   <a:tcPr marL="63500" marR="63500" marT="63500" marB="63500" horzOverflow="overflow">
@@ -9242,33 +8705,6 @@
           </a:p>
         </p:txBody>
       </p:sp>
-      <p:pic>
-        <p:nvPicPr>
-          <p:cNvPr id="148" name="Screen Shot 2014-02-24 at 7.36.14 PM.png"/>
-          <p:cNvPicPr/>
-          <p:nvPr/>
-        </p:nvPicPr>
-        <p:blipFill>
-          <a:blip r:embed="rId3">
-            <a:extLst/>
-          </a:blip>
-          <a:stretch>
-            <a:fillRect/>
-          </a:stretch>
-        </p:blipFill>
-        <p:spPr>
-          <a:xfrm>
-            <a:off x="4648200" y="925830"/>
-            <a:ext cx="2360682" cy="1798320"/>
-          </a:xfrm>
-          <a:prstGeom prst="rect">
-            <a:avLst/>
-          </a:prstGeom>
-          <a:ln w="12700">
-            <a:miter lim="400000"/>
-          </a:ln>
-        </p:spPr>
-      </p:pic>
       <p:sp>
         <p:nvSpPr>
           <p:cNvPr id="149" name="Shape 149"/>
@@ -9339,7 +8775,323 @@
 </p:sld>
 </file>
 
-<file path=ppt/slides/slide22.xml><?xml version="1.0" encoding="utf-8"?>
+<file path=ppt/slides/slide2.xml><?xml version="1.0" encoding="utf-8"?>
+<p:sld xmlns:a="http://schemas.openxmlformats.org/drawingml/2006/main" xmlns:r="http://schemas.openxmlformats.org/officeDocument/2006/relationships" xmlns:p="http://schemas.openxmlformats.org/presentationml/2006/main">
+  <p:cSld>
+    <p:spTree>
+      <p:nvGrpSpPr>
+        <p:cNvPr id="1" name=""/>
+        <p:cNvGrpSpPr/>
+        <p:nvPr/>
+      </p:nvGrpSpPr>
+      <p:grpSpPr>
+        <a:xfrm>
+          <a:off x="0" y="0"/>
+          <a:ext cx="0" cy="0"/>
+          <a:chOff x="0" y="0"/>
+          <a:chExt cx="0" cy="0"/>
+        </a:xfrm>
+      </p:grpSpPr>
+      <p:sp>
+        <p:nvSpPr>
+          <p:cNvPr id="30" name="Shape 30"/>
+          <p:cNvSpPr/>
+          <p:nvPr/>
+        </p:nvSpPr>
+        <p:spPr>
+          <a:xfrm>
+            <a:off x="391751" y="158160"/>
+            <a:ext cx="7757379" cy="553998"/>
+          </a:xfrm>
+          <a:prstGeom prst="rect">
+            <a:avLst/>
+          </a:prstGeom>
+          <a:ln w="12700">
+            <a:miter lim="400000"/>
+          </a:ln>
+          <a:extLst>
+            <a:ext uri="{C572A759-6A51-4108-AA02-DFA0A04FC94B}">
+              <ma14:wrappingTextBoxFlag xmlns="" xmlns:ma14="http://schemas.microsoft.com/office/mac/drawingml/2011/main" val="1"/>
+            </a:ext>
+          </a:extLst>
+        </p:spPr>
+        <p:txBody>
+          <a:bodyPr lIns="45719" rIns="45719">
+            <a:spAutoFit/>
+          </a:bodyPr>
+          <a:lstStyle>
+            <a:lvl1pPr>
+              <a:defRPr sz="3000" b="1">
+                <a:uFill>
+                  <a:solidFill>
+                    <a:srgbClr val="FFFFFF"/>
+                  </a:solidFill>
+                </a:uFill>
+              </a:defRPr>
+            </a:lvl1pPr>
+          </a:lstStyle>
+          <a:p>
+            <a:pPr lvl="0">
+              <a:defRPr sz="1800" b="0">
+                <a:solidFill>
+                  <a:srgbClr val="000000"/>
+                </a:solidFill>
+                <a:uFillTx/>
+              </a:defRPr>
+            </a:pPr>
+            <a:r>
+              <a:rPr lang="en-US" sz="3000" b="1" dirty="0">
+                <a:solidFill>
+                  <a:srgbClr val="57068C"/>
+                </a:solidFill>
+                <a:uFill>
+                  <a:solidFill>
+                    <a:srgbClr val="FFFFFF"/>
+                  </a:solidFill>
+                </a:uFill>
+                <a:latin typeface="Arial Unicode MS" panose="020B0604020202020204" pitchFamily="34" charset="-128"/>
+                <a:ea typeface="Arial Unicode MS" panose="020B0604020202020204" pitchFamily="34" charset="-128"/>
+                <a:cs typeface="Arial Unicode MS" panose="020B0604020202020204" pitchFamily="34" charset="-128"/>
+              </a:rPr>
+              <a:t>Questions</a:t>
+            </a:r>
+            <a:r>
+              <a:rPr lang="en-US" sz="3000" b="1" dirty="0">
+                <a:solidFill>
+                  <a:schemeClr val="tx1"/>
+                </a:solidFill>
+                <a:uFill>
+                  <a:solidFill>
+                    <a:srgbClr val="FFFFFF"/>
+                  </a:solidFill>
+                </a:uFill>
+                <a:latin typeface="Arial Unicode MS" panose="020B0604020202020204" pitchFamily="34" charset="-128"/>
+                <a:ea typeface="Arial Unicode MS" panose="020B0604020202020204" pitchFamily="34" charset="-128"/>
+                <a:cs typeface="Arial Unicode MS" panose="020B0604020202020204" pitchFamily="34" charset="-128"/>
+              </a:rPr>
+              <a:t> </a:t>
+            </a:r>
+            <a:endParaRPr sz="3000" b="1" dirty="0">
+              <a:solidFill>
+                <a:schemeClr val="tx1"/>
+              </a:solidFill>
+              <a:uFill>
+                <a:solidFill>
+                  <a:srgbClr val="FFFFFF"/>
+                </a:solidFill>
+              </a:uFill>
+              <a:latin typeface="Arial Unicode MS" panose="020B0604020202020204" pitchFamily="34" charset="-128"/>
+              <a:ea typeface="Arial Unicode MS" panose="020B0604020202020204" pitchFamily="34" charset="-128"/>
+              <a:cs typeface="Arial Unicode MS" panose="020B0604020202020204" pitchFamily="34" charset="-128"/>
+            </a:endParaRPr>
+          </a:p>
+        </p:txBody>
+      </p:sp>
+      <p:sp>
+        <p:nvSpPr>
+          <p:cNvPr id="31" name="Shape 31"/>
+          <p:cNvSpPr/>
+          <p:nvPr/>
+        </p:nvSpPr>
+        <p:spPr>
+          <a:xfrm>
+            <a:off x="338007" y="1242377"/>
+            <a:ext cx="8478871" cy="3375283"/>
+          </a:xfrm>
+          <a:prstGeom prst="rect">
+            <a:avLst/>
+          </a:prstGeom>
+          <a:ln w="12700">
+            <a:miter lim="400000"/>
+          </a:ln>
+          <a:extLst>
+            <a:ext uri="{C572A759-6A51-4108-AA02-DFA0A04FC94B}">
+              <ma14:wrappingTextBoxFlag xmlns="" xmlns:ma14="http://schemas.microsoft.com/office/mac/drawingml/2011/main" val="1"/>
+            </a:ext>
+          </a:extLst>
+        </p:spPr>
+        <p:txBody>
+          <a:bodyPr lIns="0" tIns="0" rIns="0" bIns="0">
+            <a:spAutoFit/>
+          </a:bodyPr>
+          <a:lstStyle/>
+          <a:p>
+            <a:pPr marL="260838" lvl="0" indent="-222738">
+              <a:spcBef>
+                <a:spcPts val="700"/>
+              </a:spcBef>
+              <a:buSzPct val="50000"/>
+              <a:buBlip>
+                <a:blip r:embed="rId3"/>
+              </a:buBlip>
+              <a:defRPr sz="1800">
+                <a:solidFill>
+                  <a:srgbClr val="000000"/>
+                </a:solidFill>
+                <a:uFillTx/>
+              </a:defRPr>
+            </a:pPr>
+            <a:r>
+              <a:rPr lang="en-US" sz="2800" dirty="0">
+                <a:solidFill>
+                  <a:schemeClr val="tx1"/>
+                </a:solidFill>
+                <a:uFill>
+                  <a:solidFill/>
+                </a:uFill>
+                <a:latin typeface="Arial Unicode MS" panose="020B0604020202020204" pitchFamily="34" charset="-128"/>
+                <a:ea typeface="Arial Unicode MS" panose="020B0604020202020204" pitchFamily="34" charset="-128"/>
+                <a:cs typeface="Arial Unicode MS" panose="020B0604020202020204" pitchFamily="34" charset="-128"/>
+                <a:sym typeface="Iowan Old Style Roman"/>
+              </a:rPr>
+              <a:t>How can we create an ER diagram from scratch?</a:t>
+            </a:r>
+          </a:p>
+          <a:p>
+            <a:pPr marL="260838" lvl="0" indent="-222738">
+              <a:spcBef>
+                <a:spcPts val="700"/>
+              </a:spcBef>
+              <a:buSzPct val="50000"/>
+              <a:buBlip>
+                <a:blip r:embed="rId3"/>
+              </a:buBlip>
+              <a:defRPr sz="1800">
+                <a:solidFill>
+                  <a:srgbClr val="000000"/>
+                </a:solidFill>
+                <a:uFillTx/>
+              </a:defRPr>
+            </a:pPr>
+            <a:endParaRPr lang="en-US" sz="2800" dirty="0">
+              <a:solidFill>
+                <a:schemeClr val="tx1"/>
+              </a:solidFill>
+              <a:latin typeface="Arial Unicode MS" panose="020B0604020202020204" pitchFamily="34" charset="-128"/>
+              <a:ea typeface="Arial Unicode MS" panose="020B0604020202020204" pitchFamily="34" charset="-128"/>
+              <a:cs typeface="Arial Unicode MS" panose="020B0604020202020204" pitchFamily="34" charset="-128"/>
+              <a:sym typeface="Iowan Old Style Roman"/>
+            </a:endParaRPr>
+          </a:p>
+          <a:p>
+            <a:pPr marL="260838" lvl="0" indent="-222738">
+              <a:spcBef>
+                <a:spcPts val="700"/>
+              </a:spcBef>
+              <a:buSzPct val="50000"/>
+              <a:buBlip>
+                <a:blip r:embed="rId3"/>
+              </a:buBlip>
+              <a:defRPr sz="1800">
+                <a:solidFill>
+                  <a:srgbClr val="000000"/>
+                </a:solidFill>
+                <a:uFillTx/>
+              </a:defRPr>
+            </a:pPr>
+            <a:r>
+              <a:rPr lang="en-US" sz="2800" dirty="0">
+                <a:solidFill>
+                  <a:schemeClr val="tx1"/>
+                </a:solidFill>
+                <a:uFill>
+                  <a:solidFill/>
+                </a:uFill>
+                <a:latin typeface="Arial Unicode MS" panose="020B0604020202020204" pitchFamily="34" charset="-128"/>
+                <a:ea typeface="Arial Unicode MS" panose="020B0604020202020204" pitchFamily="34" charset="-128"/>
+                <a:cs typeface="Arial Unicode MS" panose="020B0604020202020204" pitchFamily="34" charset="-128"/>
+                <a:sym typeface="Iowan Old Style Roman"/>
+              </a:rPr>
+              <a:t>How can we go from an ER diagram to a design for a database?</a:t>
+            </a:r>
+          </a:p>
+          <a:p>
+            <a:pPr marL="260838" lvl="0" indent="-222738">
+              <a:spcBef>
+                <a:spcPts val="700"/>
+              </a:spcBef>
+              <a:buSzPct val="50000"/>
+              <a:buBlip>
+                <a:blip r:embed="rId3"/>
+              </a:buBlip>
+              <a:defRPr sz="1800">
+                <a:solidFill>
+                  <a:srgbClr val="000000"/>
+                </a:solidFill>
+                <a:uFillTx/>
+              </a:defRPr>
+            </a:pPr>
+            <a:endParaRPr lang="en-US" sz="2800" dirty="0">
+              <a:solidFill>
+                <a:schemeClr val="tx1"/>
+              </a:solidFill>
+              <a:latin typeface="Arial Unicode MS" panose="020B0604020202020204" pitchFamily="34" charset="-128"/>
+              <a:ea typeface="Arial Unicode MS" panose="020B0604020202020204" pitchFamily="34" charset="-128"/>
+              <a:cs typeface="Arial Unicode MS" panose="020B0604020202020204" pitchFamily="34" charset="-128"/>
+              <a:sym typeface="Iowan Old Style Roman"/>
+            </a:endParaRPr>
+          </a:p>
+          <a:p>
+            <a:pPr marL="260838" lvl="0" indent="-222738">
+              <a:spcBef>
+                <a:spcPts val="700"/>
+              </a:spcBef>
+              <a:buSzPct val="50000"/>
+              <a:buBlip>
+                <a:blip r:embed="rId3"/>
+              </a:buBlip>
+              <a:defRPr sz="1800">
+                <a:solidFill>
+                  <a:srgbClr val="000000"/>
+                </a:solidFill>
+                <a:uFillTx/>
+              </a:defRPr>
+            </a:pPr>
+            <a:r>
+              <a:rPr lang="en-US" sz="2800" dirty="0">
+                <a:solidFill>
+                  <a:schemeClr val="tx1"/>
+                </a:solidFill>
+                <a:uFill>
+                  <a:solidFill/>
+                </a:uFill>
+                <a:latin typeface="Arial Unicode MS" panose="020B0604020202020204" pitchFamily="34" charset="-128"/>
+                <a:ea typeface="Arial Unicode MS" panose="020B0604020202020204" pitchFamily="34" charset="-128"/>
+                <a:cs typeface="Arial Unicode MS" panose="020B0604020202020204" pitchFamily="34" charset="-128"/>
+                <a:sym typeface="Iowan Old Style Roman"/>
+              </a:rPr>
+              <a:t>How can we use SQL to create the database in a relational database?</a:t>
+            </a:r>
+            <a:endParaRPr sz="2800" dirty="0">
+              <a:solidFill>
+                <a:schemeClr val="tx1"/>
+              </a:solidFill>
+              <a:uFill>
+                <a:solidFill/>
+              </a:uFill>
+              <a:latin typeface="Arial Unicode MS" panose="020B0604020202020204" pitchFamily="34" charset="-128"/>
+              <a:ea typeface="Arial Unicode MS" panose="020B0604020202020204" pitchFamily="34" charset="-128"/>
+              <a:cs typeface="Arial Unicode MS" panose="020B0604020202020204" pitchFamily="34" charset="-128"/>
+              <a:sym typeface="Iowan Old Style Roman"/>
+            </a:endParaRPr>
+          </a:p>
+        </p:txBody>
+      </p:sp>
+    </p:spTree>
+    <p:extLst>
+      <p:ext uri="{BB962C8B-B14F-4D97-AF65-F5344CB8AC3E}">
+        <p14:creationId xmlns:p14="http://schemas.microsoft.com/office/powerpoint/2010/main" val="3296694269"/>
+      </p:ext>
+    </p:extLst>
+  </p:cSld>
+  <p:clrMapOvr>
+    <a:masterClrMapping/>
+  </p:clrMapOvr>
+  <p:transition spd="med"/>
+</p:sld>
+</file>
+
+<file path=ppt/slides/slide20.xml><?xml version="1.0" encoding="utf-8"?>
 <p:sld xmlns:a="http://schemas.openxmlformats.org/drawingml/2006/main" xmlns:r="http://schemas.openxmlformats.org/officeDocument/2006/relationships" xmlns:p="http://schemas.openxmlformats.org/presentationml/2006/main">
   <p:cSld>
     <p:spTree>
@@ -9590,7 +9342,7 @@
 </p:sld>
 </file>
 
-<file path=ppt/slides/slide23.xml><?xml version="1.0" encoding="utf-8"?>
+<file path=ppt/slides/slide21.xml><?xml version="1.0" encoding="utf-8"?>
 <p:sld xmlns:a="http://schemas.openxmlformats.org/drawingml/2006/main" xmlns:r="http://schemas.openxmlformats.org/officeDocument/2006/relationships" xmlns:p="http://schemas.openxmlformats.org/presentationml/2006/main">
   <p:cSld>
     <p:spTree>
@@ -9607,6 +9359,36 @@
           <a:chExt cx="0" cy="0"/>
         </a:xfrm>
       </p:grpSpPr>
+      <p:pic>
+        <p:nvPicPr>
+          <p:cNvPr id="2" name="Picture 1">
+            <a:extLst>
+              <a:ext uri="{FF2B5EF4-FFF2-40B4-BE49-F238E27FC236}">
+                <a16:creationId xmlns:a16="http://schemas.microsoft.com/office/drawing/2014/main" id="{F317D794-F6ED-4944-8730-5A1FBB6E9DA4}"/>
+              </a:ext>
+            </a:extLst>
+          </p:cNvPr>
+          <p:cNvPicPr>
+            <a:picLocks noChangeAspect="1"/>
+          </p:cNvPicPr>
+          <p:nvPr/>
+        </p:nvPicPr>
+        <p:blipFill>
+          <a:blip r:embed="rId2"/>
+          <a:stretch>
+            <a:fillRect/>
+          </a:stretch>
+        </p:blipFill>
+        <p:spPr>
+          <a:xfrm>
+            <a:off x="766081" y="2038888"/>
+            <a:ext cx="6219825" cy="2486025"/>
+          </a:xfrm>
+          <a:prstGeom prst="rect">
+            <a:avLst/>
+          </a:prstGeom>
+        </p:spPr>
+      </p:pic>
       <p:sp>
         <p:nvSpPr>
           <p:cNvPr id="171" name="Shape 171"/>
@@ -9705,33 +9487,6 @@
           </a:p>
         </p:txBody>
       </p:sp>
-      <p:pic>
-        <p:nvPicPr>
-          <p:cNvPr id="172" name="Screen Shot 2014-02-24 at 2.42.51 PM.png"/>
-          <p:cNvPicPr/>
-          <p:nvPr/>
-        </p:nvPicPr>
-        <p:blipFill>
-          <a:blip r:embed="rId2">
-            <a:extLst/>
-          </a:blip>
-          <a:stretch>
-            <a:fillRect/>
-          </a:stretch>
-        </p:blipFill>
-        <p:spPr>
-          <a:xfrm>
-            <a:off x="923630" y="1595418"/>
-            <a:ext cx="6091052" cy="3728300"/>
-          </a:xfrm>
-          <a:prstGeom prst="rect">
-            <a:avLst/>
-          </a:prstGeom>
-          <a:ln w="12700">
-            <a:miter lim="400000"/>
-          </a:ln>
-        </p:spPr>
-      </p:pic>
       <p:sp>
         <p:nvSpPr>
           <p:cNvPr id="173" name="Shape 173"/>
@@ -9995,7 +9750,7 @@
 </p:sld>
 </file>
 
-<file path=ppt/slides/slide24.xml><?xml version="1.0" encoding="utf-8"?>
+<file path=ppt/slides/slide22.xml><?xml version="1.0" encoding="utf-8"?>
 <p:sld xmlns:a="http://schemas.openxmlformats.org/drawingml/2006/main" xmlns:r="http://schemas.openxmlformats.org/officeDocument/2006/relationships" xmlns:p="http://schemas.openxmlformats.org/presentationml/2006/main">
   <p:cSld>
     <p:spTree>
@@ -10319,412 +10074,7 @@
 </p:sld>
 </file>
 
-<file path=ppt/slides/slide25.xml><?xml version="1.0" encoding="utf-8"?>
-<p:sld xmlns:a="http://schemas.openxmlformats.org/drawingml/2006/main" xmlns:r="http://schemas.openxmlformats.org/officeDocument/2006/relationships" xmlns:p="http://schemas.openxmlformats.org/presentationml/2006/main">
-  <p:cSld>
-    <p:spTree>
-      <p:nvGrpSpPr>
-        <p:cNvPr id="1" name=""/>
-        <p:cNvGrpSpPr/>
-        <p:nvPr/>
-      </p:nvGrpSpPr>
-      <p:grpSpPr>
-        <a:xfrm>
-          <a:off x="0" y="0"/>
-          <a:ext cx="0" cy="0"/>
-          <a:chOff x="0" y="0"/>
-          <a:chExt cx="0" cy="0"/>
-        </a:xfrm>
-      </p:grpSpPr>
-      <p:sp>
-        <p:nvSpPr>
-          <p:cNvPr id="181" name="Shape 181"/>
-          <p:cNvSpPr/>
-          <p:nvPr/>
-        </p:nvSpPr>
-        <p:spPr>
-          <a:xfrm>
-            <a:off x="386308" y="147496"/>
-            <a:ext cx="7757379" cy="553998"/>
-          </a:xfrm>
-          <a:prstGeom prst="rect">
-            <a:avLst/>
-          </a:prstGeom>
-          <a:ln w="12700">
-            <a:miter lim="400000"/>
-          </a:ln>
-          <a:extLst>
-            <a:ext uri="{C572A759-6A51-4108-AA02-DFA0A04FC94B}">
-              <ma14:wrappingTextBoxFlag xmlns="" xmlns:ma14="http://schemas.microsoft.com/office/mac/drawingml/2011/main" val="1"/>
-            </a:ext>
-          </a:extLst>
-        </p:spPr>
-        <p:txBody>
-          <a:bodyPr lIns="45719" rIns="45719">
-            <a:spAutoFit/>
-          </a:bodyPr>
-          <a:lstStyle>
-            <a:lvl1pPr>
-              <a:defRPr sz="3000" b="1">
-                <a:uFill>
-                  <a:solidFill>
-                    <a:srgbClr val="FFFFFF"/>
-                  </a:solidFill>
-                </a:uFill>
-              </a:defRPr>
-            </a:lvl1pPr>
-          </a:lstStyle>
-          <a:p>
-            <a:pPr lvl="0">
-              <a:defRPr sz="1800" b="0">
-                <a:solidFill>
-                  <a:srgbClr val="000000"/>
-                </a:solidFill>
-                <a:uFillTx/>
-              </a:defRPr>
-            </a:pPr>
-            <a:r>
-              <a:rPr sz="3000" b="1" dirty="0">
-                <a:solidFill>
-                  <a:srgbClr val="57068C"/>
-                </a:solidFill>
-                <a:uFill>
-                  <a:solidFill>
-                    <a:srgbClr val="FFFFFF"/>
-                  </a:solidFill>
-                </a:uFill>
-                <a:latin typeface="Arial Unicode MS" panose="020B0604020202020204" pitchFamily="34" charset="-128"/>
-                <a:ea typeface="Arial Unicode MS" panose="020B0604020202020204" pitchFamily="34" charset="-128"/>
-                <a:cs typeface="Arial Unicode MS" panose="020B0604020202020204" pitchFamily="34" charset="-128"/>
-              </a:rPr>
-              <a:t>Step </a:t>
-            </a:r>
-            <a:r>
-              <a:rPr lang="en-US" sz="3000" b="1" dirty="0">
-                <a:solidFill>
-                  <a:srgbClr val="57068C"/>
-                </a:solidFill>
-                <a:uFill>
-                  <a:solidFill>
-                    <a:srgbClr val="FFFFFF"/>
-                  </a:solidFill>
-                </a:uFill>
-                <a:latin typeface="Arial Unicode MS" panose="020B0604020202020204" pitchFamily="34" charset="-128"/>
-                <a:ea typeface="Arial Unicode MS" panose="020B0604020202020204" pitchFamily="34" charset="-128"/>
-                <a:cs typeface="Arial Unicode MS" panose="020B0604020202020204" pitchFamily="34" charset="-128"/>
-              </a:rPr>
-              <a:t>3</a:t>
-            </a:r>
-            <a:r>
-              <a:rPr sz="3000" b="1" dirty="0">
-                <a:solidFill>
-                  <a:srgbClr val="57068C"/>
-                </a:solidFill>
-                <a:uFill>
-                  <a:solidFill>
-                    <a:srgbClr val="FFFFFF"/>
-                  </a:solidFill>
-                </a:uFill>
-                <a:latin typeface="Arial Unicode MS" panose="020B0604020202020204" pitchFamily="34" charset="-128"/>
-                <a:ea typeface="Arial Unicode MS" panose="020B0604020202020204" pitchFamily="34" charset="-128"/>
-                <a:cs typeface="Arial Unicode MS" panose="020B0604020202020204" pitchFamily="34" charset="-128"/>
-              </a:rPr>
-              <a:t>: Example</a:t>
-            </a:r>
-          </a:p>
-        </p:txBody>
-      </p:sp>
-      <p:pic>
-        <p:nvPicPr>
-          <p:cNvPr id="182" name="Screen Shot 2014-02-24 at 2.51.33 PM.png"/>
-          <p:cNvPicPr/>
-          <p:nvPr/>
-        </p:nvPicPr>
-        <p:blipFill>
-          <a:blip r:embed="rId2">
-            <a:extLst/>
-          </a:blip>
-          <a:stretch>
-            <a:fillRect/>
-          </a:stretch>
-        </p:blipFill>
-        <p:spPr>
-          <a:xfrm>
-            <a:off x="618494" y="1302636"/>
-            <a:ext cx="7907012" cy="3448053"/>
-          </a:xfrm>
-          <a:prstGeom prst="rect">
-            <a:avLst/>
-          </a:prstGeom>
-          <a:ln w="12700">
-            <a:miter lim="400000"/>
-          </a:ln>
-        </p:spPr>
-      </p:pic>
-      <p:sp>
-        <p:nvSpPr>
-          <p:cNvPr id="183" name="Shape 183"/>
-          <p:cNvSpPr/>
-          <p:nvPr/>
-        </p:nvSpPr>
-        <p:spPr>
-          <a:xfrm>
-            <a:off x="932557" y="3246754"/>
-            <a:ext cx="1422401" cy="364491"/>
-          </a:xfrm>
-          <a:prstGeom prst="rect">
-            <a:avLst/>
-          </a:prstGeom>
-          <a:ln w="38100">
-            <a:solidFill>
-              <a:srgbClr val="FF2600"/>
-            </a:solidFill>
-            <a:round/>
-          </a:ln>
-        </p:spPr>
-        <p:txBody>
-          <a:bodyPr lIns="0" tIns="0" rIns="0" bIns="0"/>
-          <a:lstStyle/>
-          <a:p>
-            <a:pPr lvl="0">
-              <a:defRPr sz="1800">
-                <a:solidFill>
-                  <a:srgbClr val="FF2600"/>
-                </a:solidFill>
-                <a:latin typeface="+mn-lt"/>
-                <a:ea typeface="+mn-ea"/>
-                <a:cs typeface="+mn-cs"/>
-                <a:sym typeface="Arial"/>
-              </a:defRPr>
-            </a:pPr>
-            <a:endParaRPr dirty="0">
-              <a:solidFill>
-                <a:schemeClr val="tx1"/>
-              </a:solidFill>
-              <a:latin typeface="Arial Unicode MS" panose="020B0604020202020204" pitchFamily="34" charset="-128"/>
-              <a:ea typeface="Arial Unicode MS" panose="020B0604020202020204" pitchFamily="34" charset="-128"/>
-              <a:cs typeface="Arial Unicode MS" panose="020B0604020202020204" pitchFamily="34" charset="-128"/>
-            </a:endParaRPr>
-          </a:p>
-        </p:txBody>
-      </p:sp>
-      <p:sp>
-        <p:nvSpPr>
-          <p:cNvPr id="184" name="Shape 184"/>
-          <p:cNvSpPr/>
-          <p:nvPr/>
-        </p:nvSpPr>
-        <p:spPr>
-          <a:xfrm>
-            <a:off x="2439306" y="3259811"/>
-            <a:ext cx="1270539" cy="353943"/>
-          </a:xfrm>
-          <a:prstGeom prst="rect">
-            <a:avLst/>
-          </a:prstGeom>
-          <a:ln w="12700">
-            <a:miter lim="400000"/>
-          </a:ln>
-          <a:extLst>
-            <a:ext uri="{C572A759-6A51-4108-AA02-DFA0A04FC94B}">
-              <ma14:wrappingTextBoxFlag xmlns="" xmlns:ma14="http://schemas.microsoft.com/office/mac/drawingml/2011/main" val="1"/>
-            </a:ext>
-          </a:extLst>
-        </p:spPr>
-        <p:txBody>
-          <a:bodyPr wrap="none" lIns="45719" rIns="45719">
-            <a:spAutoFit/>
-          </a:bodyPr>
-          <a:lstStyle>
-            <a:lvl1pPr>
-              <a:defRPr sz="1700">
-                <a:solidFill>
-                  <a:srgbClr val="FF2600"/>
-                </a:solidFill>
-                <a:latin typeface="+mn-lt"/>
-                <a:ea typeface="+mn-ea"/>
-                <a:cs typeface="+mn-cs"/>
-                <a:sym typeface="Arial"/>
-              </a:defRPr>
-            </a:lvl1pPr>
-          </a:lstStyle>
-          <a:p>
-            <a:pPr lvl="0">
-              <a:defRPr sz="1800">
-                <a:solidFill>
-                  <a:srgbClr val="000000"/>
-                </a:solidFill>
-                <a:uFillTx/>
-              </a:defRPr>
-            </a:pPr>
-            <a:r>
-              <a:rPr sz="1700" dirty="0">
-                <a:solidFill>
-                  <a:schemeClr val="tx1"/>
-                </a:solidFill>
-                <a:uFill>
-                  <a:solidFill/>
-                </a:uFill>
-                <a:latin typeface="Arial Unicode MS" panose="020B0604020202020204" pitchFamily="34" charset="-128"/>
-              </a:rPr>
-              <a:t>Foreign Key</a:t>
-            </a:r>
-          </a:p>
-        </p:txBody>
-      </p:sp>
-    </p:spTree>
-    <p:extLst>
-      <p:ext uri="{BB962C8B-B14F-4D97-AF65-F5344CB8AC3E}">
-        <p14:creationId xmlns:p14="http://schemas.microsoft.com/office/powerpoint/2010/main" val="827558771"/>
-      </p:ext>
-    </p:extLst>
-  </p:cSld>
-  <p:clrMapOvr>
-    <a:masterClrMapping/>
-  </p:clrMapOvr>
-  <p:transition spd="med"/>
-  <p:timing>
-    <p:tnLst>
-      <p:par>
-        <p:cTn id="1" dur="indefinite" restart="never" fill="hold" nodeType="tmRoot">
-          <p:childTnLst>
-            <p:seq concurrent="1" prevAc="none" nextAc="seek">
-              <p:cTn id="2" dur="indefinite" fill="hold" nodeType="mainSeq">
-                <p:childTnLst>
-                  <p:par>
-                    <p:cTn id="3" fill="hold">
-                      <p:stCondLst>
-                        <p:cond delay="indefinite"/>
-                      </p:stCondLst>
-                      <p:childTnLst>
-                        <p:par>
-                          <p:cTn id="4" fill="hold">
-                            <p:stCondLst>
-                              <p:cond delay="0"/>
-                            </p:stCondLst>
-                            <p:childTnLst>
-                              <p:par>
-                                <p:cTn id="5" presetID="9" presetClass="entr" presetSubtype="16" fill="hold" grpId="0" nodeType="clickEffect">
-                                  <p:stCondLst>
-                                    <p:cond delay="0"/>
-                                  </p:stCondLst>
-                                  <p:iterate>
-                                    <p:tmAbs val="0"/>
-                                  </p:iterate>
-                                  <p:childTnLst>
-                                    <p:set>
-                                      <p:cBhvr>
-                                        <p:cTn id="6" fill="hold"/>
-                                        <p:tgtEl>
-                                          <p:spTgt spid="183"/>
-                                        </p:tgtEl>
-                                        <p:attrNameLst>
-                                          <p:attrName>style.visibility</p:attrName>
-                                        </p:attrNameLst>
-                                      </p:cBhvr>
-                                      <p:to>
-                                        <p:strVal val="visible"/>
-                                      </p:to>
-                                    </p:set>
-                                    <p:animEffect transition="in" filter="dissolve(in)">
-                                      <p:cBhvr>
-                                        <p:cTn id="7" dur="750"/>
-                                        <p:tgtEl>
-                                          <p:spTgt spid="183"/>
-                                        </p:tgtEl>
-                                      </p:cBhvr>
-                                    </p:animEffect>
-                                  </p:childTnLst>
-                                </p:cTn>
-                              </p:par>
-                            </p:childTnLst>
-                          </p:cTn>
-                        </p:par>
-                      </p:childTnLst>
-                    </p:cTn>
-                  </p:par>
-                  <p:par>
-                    <p:cTn id="8" fill="hold">
-                      <p:stCondLst>
-                        <p:cond delay="indefinite"/>
-                      </p:stCondLst>
-                      <p:childTnLst>
-                        <p:par>
-                          <p:cTn id="9" fill="hold">
-                            <p:stCondLst>
-                              <p:cond delay="0"/>
-                            </p:stCondLst>
-                            <p:childTnLst>
-                              <p:par>
-                                <p:cTn id="10" presetID="9" presetClass="entr" presetSubtype="16" fill="hold" grpId="0" nodeType="clickEffect">
-                                  <p:stCondLst>
-                                    <p:cond delay="0"/>
-                                  </p:stCondLst>
-                                  <p:iterate>
-                                    <p:tmAbs val="0"/>
-                                  </p:iterate>
-                                  <p:childTnLst>
-                                    <p:set>
-                                      <p:cBhvr>
-                                        <p:cTn id="11" fill="hold"/>
-                                        <p:tgtEl>
-                                          <p:spTgt spid="184"/>
-                                        </p:tgtEl>
-                                        <p:attrNameLst>
-                                          <p:attrName>style.visibility</p:attrName>
-                                        </p:attrNameLst>
-                                      </p:cBhvr>
-                                      <p:to>
-                                        <p:strVal val="visible"/>
-                                      </p:to>
-                                    </p:set>
-                                    <p:animEffect transition="in" filter="dissolve(in)">
-                                      <p:cBhvr>
-                                        <p:cTn id="12" dur="750"/>
-                                        <p:tgtEl>
-                                          <p:spTgt spid="184"/>
-                                        </p:tgtEl>
-                                      </p:cBhvr>
-                                    </p:animEffect>
-                                  </p:childTnLst>
-                                </p:cTn>
-                              </p:par>
-                            </p:childTnLst>
-                          </p:cTn>
-                        </p:par>
-                      </p:childTnLst>
-                    </p:cTn>
-                  </p:par>
-                </p:childTnLst>
-              </p:cTn>
-              <p:prevCondLst>
-                <p:cond evt="onPrev" delay="0">
-                  <p:tgtEl>
-                    <p:sldTgt/>
-                  </p:tgtEl>
-                </p:cond>
-              </p:prevCondLst>
-              <p:nextCondLst>
-                <p:cond evt="onNext" delay="0">
-                  <p:tgtEl>
-                    <p:sldTgt/>
-                  </p:tgtEl>
-                </p:cond>
-              </p:nextCondLst>
-            </p:seq>
-          </p:childTnLst>
-        </p:cTn>
-      </p:par>
-    </p:tnLst>
-    <p:bldLst>
-      <p:bldP spid="183" grpId="0" animBg="1" advAuto="0"/>
-      <p:bldP spid="184" grpId="0" animBg="1" advAuto="0"/>
-    </p:bldLst>
-  </p:timing>
-</p:sld>
-</file>
-
-<file path=ppt/slides/slide26.xml><?xml version="1.0" encoding="utf-8"?>
+<file path=ppt/slides/slide23.xml><?xml version="1.0" encoding="utf-8"?>
 <p:sld xmlns:a="http://schemas.openxmlformats.org/drawingml/2006/main" xmlns:r="http://schemas.openxmlformats.org/officeDocument/2006/relationships" xmlns:p="http://schemas.openxmlformats.org/presentationml/2006/main">
   <p:cSld>
     <p:spTree>
@@ -11147,7 +10497,7 @@
 </p:sld>
 </file>
 
-<file path=ppt/slides/slide27.xml><?xml version="1.0" encoding="utf-8"?>
+<file path=ppt/slides/slide24.xml><?xml version="1.0" encoding="utf-8"?>
 <p:sld xmlns:a="http://schemas.openxmlformats.org/drawingml/2006/main" xmlns:r="http://schemas.openxmlformats.org/officeDocument/2006/relationships" xmlns:p="http://schemas.openxmlformats.org/presentationml/2006/main">
   <p:cSld>
     <p:spTree>
@@ -11270,8 +10620,8 @@
         </p:nvSpPr>
         <p:spPr>
           <a:xfrm>
-            <a:off x="469899" y="1131197"/>
-            <a:ext cx="7590196" cy="415498"/>
+            <a:off x="469898" y="1131197"/>
+            <a:ext cx="8014139" cy="415498"/>
           </a:xfrm>
           <a:prstGeom prst="rect">
             <a:avLst/>
@@ -11286,7 +10636,7 @@
           </a:extLst>
         </p:spPr>
         <p:txBody>
-          <a:bodyPr lIns="45719" rIns="45719">
+          <a:bodyPr wrap="square" lIns="45719" rIns="45719">
             <a:spAutoFit/>
           </a:bodyPr>
           <a:lstStyle/>
@@ -11319,7 +10669,37 @@
                 <a:cs typeface="Arial Unicode MS" panose="020B0604020202020204" pitchFamily="34" charset="-128"/>
                 <a:sym typeface="Iowan Old Style Roman"/>
               </a:rPr>
-              <a:t>Lets assume that a </a:t>
+              <a:t>Lets </a:t>
+            </a:r>
+            <a:r>
+              <a:rPr sz="2100" b="1" dirty="0">
+                <a:solidFill>
+                  <a:schemeClr val="tx1"/>
+                </a:solidFill>
+                <a:uFill>
+                  <a:solidFill/>
+                </a:uFill>
+                <a:latin typeface="Arial Unicode MS" panose="020B0604020202020204" pitchFamily="34" charset="-128"/>
+                <a:ea typeface="Arial Unicode MS" panose="020B0604020202020204" pitchFamily="34" charset="-128"/>
+                <a:cs typeface="Arial Unicode MS" panose="020B0604020202020204" pitchFamily="34" charset="-128"/>
+                <a:sym typeface="Iowan Old Style Roman"/>
+              </a:rPr>
+              <a:t>assume</a:t>
+            </a:r>
+            <a:r>
+              <a:rPr sz="2100" dirty="0">
+                <a:solidFill>
+                  <a:schemeClr val="tx1"/>
+                </a:solidFill>
+                <a:uFill>
+                  <a:solidFill/>
+                </a:uFill>
+                <a:latin typeface="Arial Unicode MS" panose="020B0604020202020204" pitchFamily="34" charset="-128"/>
+                <a:ea typeface="Arial Unicode MS" panose="020B0604020202020204" pitchFamily="34" charset="-128"/>
+                <a:cs typeface="Arial Unicode MS" panose="020B0604020202020204" pitchFamily="34" charset="-128"/>
+                <a:sym typeface="Iowan Old Style Roman"/>
+              </a:rPr>
+              <a:t> that a </a:t>
             </a:r>
             <a:r>
               <a:rPr sz="2100" u="sng" dirty="0">
@@ -11349,7 +10729,37 @@
                 <a:cs typeface="Arial Unicode MS" panose="020B0604020202020204" pitchFamily="34" charset="-128"/>
                 <a:sym typeface="Iowan Old Style Roman"/>
               </a:rPr>
-              <a:t> can be done by many </a:t>
+              <a:t> can be done by </a:t>
+            </a:r>
+            <a:r>
+              <a:rPr sz="2100" b="1" dirty="0">
+                <a:solidFill>
+                  <a:schemeClr val="tx1"/>
+                </a:solidFill>
+                <a:uFill>
+                  <a:solidFill/>
+                </a:uFill>
+                <a:latin typeface="Arial Unicode MS" panose="020B0604020202020204" pitchFamily="34" charset="-128"/>
+                <a:ea typeface="Arial Unicode MS" panose="020B0604020202020204" pitchFamily="34" charset="-128"/>
+                <a:cs typeface="Arial Unicode MS" panose="020B0604020202020204" pitchFamily="34" charset="-128"/>
+                <a:sym typeface="Iowan Old Style Roman"/>
+              </a:rPr>
+              <a:t>many</a:t>
+            </a:r>
+            <a:r>
+              <a:rPr sz="2100" dirty="0">
+                <a:solidFill>
+                  <a:schemeClr val="tx1"/>
+                </a:solidFill>
+                <a:uFill>
+                  <a:solidFill/>
+                </a:uFill>
+                <a:latin typeface="Arial Unicode MS" panose="020B0604020202020204" pitchFamily="34" charset="-128"/>
+                <a:ea typeface="Arial Unicode MS" panose="020B0604020202020204" pitchFamily="34" charset="-128"/>
+                <a:cs typeface="Arial Unicode MS" panose="020B0604020202020204" pitchFamily="34" charset="-128"/>
+                <a:sym typeface="Iowan Old Style Roman"/>
+              </a:rPr>
+              <a:t> </a:t>
             </a:r>
             <a:r>
               <a:rPr sz="2100" u="sng" dirty="0">
@@ -13148,7 +12558,7 @@
 </p:sld>
 </file>
 
-<file path=ppt/slides/slide28.xml><?xml version="1.0" encoding="utf-8"?>
+<file path=ppt/slides/slide25.xml><?xml version="1.0" encoding="utf-8"?>
 <p:sld xmlns:a="http://schemas.openxmlformats.org/drawingml/2006/main" xmlns:r="http://schemas.openxmlformats.org/officeDocument/2006/relationships" xmlns:p="http://schemas.openxmlformats.org/presentationml/2006/main">
   <p:cSld>
     <p:spTree>
@@ -14251,7 +13661,7 @@
 </p:sld>
 </file>
 
-<file path=ppt/slides/slide29.xml><?xml version="1.0" encoding="utf-8"?>
+<file path=ppt/slides/slide26.xml><?xml version="1.0" encoding="utf-8"?>
 <p:sld xmlns:a="http://schemas.openxmlformats.org/drawingml/2006/main" xmlns:r="http://schemas.openxmlformats.org/officeDocument/2006/relationships" xmlns:p="http://schemas.openxmlformats.org/presentationml/2006/main">
   <p:cSld>
     <p:spTree>
@@ -14270,26 +13680,344 @@
       </p:grpSpPr>
       <p:sp>
         <p:nvSpPr>
-          <p:cNvPr id="2" name="Title 1"/>
-          <p:cNvSpPr>
-            <a:spLocks noGrp="1"/>
-          </p:cNvSpPr>
-          <p:nvPr>
-            <p:ph type="ctrTitle"/>
-          </p:nvPr>
+          <p:cNvPr id="151" name="Shape 151"/>
+          <p:cNvSpPr/>
+          <p:nvPr/>
         </p:nvSpPr>
-        <p:spPr/>
+        <p:spPr>
+          <a:xfrm>
+            <a:off x="386308" y="147496"/>
+            <a:ext cx="7757379" cy="553998"/>
+          </a:xfrm>
+          <a:prstGeom prst="rect">
+            <a:avLst/>
+          </a:prstGeom>
+          <a:ln w="12700">
+            <a:miter lim="400000"/>
+          </a:ln>
+          <a:extLst>
+            <a:ext uri="{C572A759-6A51-4108-AA02-DFA0A04FC94B}">
+              <ma14:wrappingTextBoxFlag xmlns="" xmlns:ma14="http://schemas.microsoft.com/office/mac/drawingml/2011/main" val="1"/>
+            </a:ext>
+          </a:extLst>
+        </p:spPr>
         <p:txBody>
-          <a:bodyPr/>
+          <a:bodyPr lIns="45719" rIns="45719">
+            <a:spAutoFit/>
+          </a:bodyPr>
+          <a:lstStyle>
+            <a:lvl1pPr>
+              <a:defRPr sz="3000" b="1">
+                <a:uFill>
+                  <a:solidFill>
+                    <a:srgbClr val="FFFFFF"/>
+                  </a:solidFill>
+                </a:uFill>
+              </a:defRPr>
+            </a:lvl1pPr>
+          </a:lstStyle>
+          <a:p>
+            <a:pPr lvl="0">
+              <a:defRPr sz="1800" b="0">
+                <a:solidFill>
+                  <a:srgbClr val="000000"/>
+                </a:solidFill>
+                <a:uFillTx/>
+              </a:defRPr>
+            </a:pPr>
+            <a:r>
+              <a:rPr sz="3000" b="1" dirty="0">
+                <a:solidFill>
+                  <a:srgbClr val="57068C"/>
+                </a:solidFill>
+                <a:uFill>
+                  <a:solidFill>
+                    <a:srgbClr val="FFFFFF"/>
+                  </a:solidFill>
+                </a:uFill>
+                <a:latin typeface="Arial Unicode MS" panose="020B0604020202020204" pitchFamily="34" charset="-128"/>
+                <a:ea typeface="Arial Unicode MS" panose="020B0604020202020204" pitchFamily="34" charset="-128"/>
+                <a:cs typeface="Arial Unicode MS" panose="020B0604020202020204" pitchFamily="34" charset="-128"/>
+              </a:rPr>
+              <a:t>Summary of ER modeling</a:t>
+            </a:r>
+          </a:p>
+        </p:txBody>
+      </p:sp>
+      <p:sp>
+        <p:nvSpPr>
+          <p:cNvPr id="152" name="Shape 152"/>
+          <p:cNvSpPr/>
+          <p:nvPr/>
+        </p:nvSpPr>
+        <p:spPr>
+          <a:xfrm>
+            <a:off x="469900" y="1282700"/>
+            <a:ext cx="7590195" cy="4106252"/>
+          </a:xfrm>
+          <a:prstGeom prst="rect">
+            <a:avLst/>
+          </a:prstGeom>
+          <a:ln w="12700">
+            <a:miter lim="400000"/>
+          </a:ln>
+          <a:extLst>
+            <a:ext uri="{C572A759-6A51-4108-AA02-DFA0A04FC94B}">
+              <ma14:wrappingTextBoxFlag xmlns="" xmlns:ma14="http://schemas.microsoft.com/office/mac/drawingml/2011/main" val="1"/>
+            </a:ext>
+          </a:extLst>
+        </p:spPr>
+        <p:txBody>
+          <a:bodyPr lIns="45719" rIns="45719">
+            <a:spAutoFit/>
+          </a:bodyPr>
           <a:lstStyle/>
           <a:p>
-            <a:r>
-              <a:rPr lang="en-US" dirty="0">
-                <a:solidFill>
-                  <a:srgbClr val="57068C"/>
-                </a:solidFill>
-              </a:rPr>
-              <a:t>Creating Tables in SQL</a:t>
+            <a:pPr marL="296007" lvl="0" indent="-257907">
+              <a:spcBef>
+                <a:spcPts val="700"/>
+              </a:spcBef>
+              <a:buSzPct val="50000"/>
+              <a:buBlip>
+                <a:blip r:embed="rId2"/>
+              </a:buBlip>
+              <a:defRPr sz="1800">
+                <a:solidFill>
+                  <a:srgbClr val="000000"/>
+                </a:solidFill>
+                <a:uFillTx/>
+              </a:defRPr>
+            </a:pPr>
+            <a:r>
+              <a:rPr sz="2200" dirty="0">
+                <a:solidFill>
+                  <a:schemeClr val="tx1"/>
+                </a:solidFill>
+                <a:uFill>
+                  <a:solidFill/>
+                </a:uFill>
+                <a:latin typeface="Arial Unicode MS" panose="020B0604020202020204" pitchFamily="34" charset="-128"/>
+                <a:ea typeface="Arial Unicode MS" panose="020B0604020202020204" pitchFamily="34" charset="-128"/>
+                <a:cs typeface="Arial Unicode MS" panose="020B0604020202020204" pitchFamily="34" charset="-128"/>
+                <a:sym typeface="Iowan Old Style Roman"/>
+              </a:rPr>
+              <a:t>ER model is popular for conceptual design</a:t>
+            </a:r>
+          </a:p>
+          <a:p>
+            <a:pPr marL="638907" lvl="1" indent="-257907">
+              <a:spcBef>
+                <a:spcPts val="700"/>
+              </a:spcBef>
+              <a:buSzPct val="100000"/>
+              <a:buChar char="•"/>
+              <a:defRPr sz="1800">
+                <a:solidFill>
+                  <a:srgbClr val="000000"/>
+                </a:solidFill>
+                <a:uFillTx/>
+              </a:defRPr>
+            </a:pPr>
+            <a:r>
+              <a:rPr sz="2200" dirty="0">
+                <a:solidFill>
+                  <a:schemeClr val="tx1"/>
+                </a:solidFill>
+                <a:uFill>
+                  <a:solidFill/>
+                </a:uFill>
+                <a:latin typeface="Arial Unicode MS" panose="020B0604020202020204" pitchFamily="34" charset="-128"/>
+                <a:ea typeface="Arial Unicode MS" panose="020B0604020202020204" pitchFamily="34" charset="-128"/>
+                <a:cs typeface="Arial Unicode MS" panose="020B0604020202020204" pitchFamily="34" charset="-128"/>
+                <a:sym typeface="Iowan Old Style Roman"/>
+              </a:rPr>
+              <a:t>Constructs are expressive, intuitive and graphical. </a:t>
+            </a:r>
+          </a:p>
+          <a:p>
+            <a:pPr marL="296007" lvl="0" indent="-257907">
+              <a:spcBef>
+                <a:spcPts val="700"/>
+              </a:spcBef>
+              <a:buSzPct val="50000"/>
+              <a:buBlip>
+                <a:blip r:embed="rId2"/>
+              </a:buBlip>
+              <a:defRPr sz="1800">
+                <a:solidFill>
+                  <a:srgbClr val="000000"/>
+                </a:solidFill>
+                <a:uFillTx/>
+              </a:defRPr>
+            </a:pPr>
+            <a:r>
+              <a:rPr sz="2200" dirty="0">
+                <a:solidFill>
+                  <a:schemeClr val="tx1"/>
+                </a:solidFill>
+                <a:uFill>
+                  <a:solidFill/>
+                </a:uFill>
+                <a:latin typeface="Arial Unicode MS" panose="020B0604020202020204" pitchFamily="34" charset="-128"/>
+                <a:ea typeface="Arial Unicode MS" panose="020B0604020202020204" pitchFamily="34" charset="-128"/>
+                <a:cs typeface="Arial Unicode MS" panose="020B0604020202020204" pitchFamily="34" charset="-128"/>
+                <a:sym typeface="Iowan Old Style Roman"/>
+              </a:rPr>
+              <a:t>Basic constructs: entity types, relationships (cardinalities), and attributes</a:t>
+            </a:r>
+          </a:p>
+          <a:p>
+            <a:pPr marL="296007" lvl="0" indent="-257907">
+              <a:spcBef>
+                <a:spcPts val="700"/>
+              </a:spcBef>
+              <a:buSzPct val="50000"/>
+              <a:buBlip>
+                <a:blip r:embed="rId2"/>
+              </a:buBlip>
+              <a:defRPr sz="1800">
+                <a:solidFill>
+                  <a:srgbClr val="000000"/>
+                </a:solidFill>
+                <a:uFillTx/>
+              </a:defRPr>
+            </a:pPr>
+            <a:r>
+              <a:rPr sz="2200" dirty="0">
+                <a:solidFill>
+                  <a:schemeClr val="tx1"/>
+                </a:solidFill>
+                <a:uFill>
+                  <a:solidFill/>
+                </a:uFill>
+                <a:latin typeface="Arial Unicode MS" panose="020B0604020202020204" pitchFamily="34" charset="-128"/>
+                <a:ea typeface="Arial Unicode MS" panose="020B0604020202020204" pitchFamily="34" charset="-128"/>
+                <a:cs typeface="Arial Unicode MS" panose="020B0604020202020204" pitchFamily="34" charset="-128"/>
+                <a:sym typeface="Iowan Old Style Roman"/>
+              </a:rPr>
+              <a:t>ER modeling is subjective!  </a:t>
+            </a:r>
+          </a:p>
+          <a:p>
+            <a:pPr marL="638907" lvl="1" indent="-257907">
+              <a:spcBef>
+                <a:spcPts val="700"/>
+              </a:spcBef>
+              <a:buSzPct val="100000"/>
+              <a:buChar char="•"/>
+              <a:defRPr sz="1800">
+                <a:solidFill>
+                  <a:srgbClr val="000000"/>
+                </a:solidFill>
+                <a:uFillTx/>
+              </a:defRPr>
+            </a:pPr>
+            <a:r>
+              <a:rPr sz="2200" dirty="0">
+                <a:solidFill>
+                  <a:schemeClr val="tx1"/>
+                </a:solidFill>
+                <a:uFill>
+                  <a:solidFill/>
+                </a:uFill>
+                <a:latin typeface="Arial Unicode MS" panose="020B0604020202020204" pitchFamily="34" charset="-128"/>
+                <a:ea typeface="Arial Unicode MS" panose="020B0604020202020204" pitchFamily="34" charset="-128"/>
+                <a:cs typeface="Arial Unicode MS" panose="020B0604020202020204" pitchFamily="34" charset="-128"/>
+                <a:sym typeface="Iowan Old Style Roman"/>
+              </a:rPr>
+              <a:t>There are often many ways to model a given scenario! </a:t>
+            </a:r>
+          </a:p>
+          <a:p>
+            <a:pPr marL="638907" lvl="1" indent="-257907">
+              <a:spcBef>
+                <a:spcPts val="700"/>
+              </a:spcBef>
+              <a:buSzPct val="100000"/>
+              <a:buChar char="•"/>
+              <a:defRPr sz="1800">
+                <a:solidFill>
+                  <a:srgbClr val="000000"/>
+                </a:solidFill>
+                <a:uFillTx/>
+              </a:defRPr>
+            </a:pPr>
+            <a:r>
+              <a:rPr sz="2200" dirty="0">
+                <a:solidFill>
+                  <a:schemeClr val="tx1"/>
+                </a:solidFill>
+                <a:uFill>
+                  <a:solidFill/>
+                </a:uFill>
+                <a:latin typeface="Arial Unicode MS" panose="020B0604020202020204" pitchFamily="34" charset="-128"/>
+                <a:ea typeface="Arial Unicode MS" panose="020B0604020202020204" pitchFamily="34" charset="-128"/>
+                <a:cs typeface="Arial Unicode MS" panose="020B0604020202020204" pitchFamily="34" charset="-128"/>
+                <a:sym typeface="Iowan Old Style Roman"/>
+              </a:rPr>
+              <a:t>Analyzing alternatives is key</a:t>
+            </a:r>
+          </a:p>
+          <a:p>
+            <a:pPr marL="296007" lvl="0" indent="-257907">
+              <a:spcBef>
+                <a:spcPts val="700"/>
+              </a:spcBef>
+              <a:buSzPct val="50000"/>
+              <a:buBlip>
+                <a:blip r:embed="rId2"/>
+              </a:buBlip>
+              <a:defRPr sz="1800">
+                <a:solidFill>
+                  <a:srgbClr val="000000"/>
+                </a:solidFill>
+                <a:uFillTx/>
+              </a:defRPr>
+            </a:pPr>
+            <a:r>
+              <a:rPr sz="2200" dirty="0">
+                <a:solidFill>
+                  <a:schemeClr val="tx1"/>
+                </a:solidFill>
+                <a:uFill>
+                  <a:solidFill/>
+                </a:uFill>
+                <a:latin typeface="Arial Unicode MS" panose="020B0604020202020204" pitchFamily="34" charset="-128"/>
+                <a:ea typeface="Arial Unicode MS" panose="020B0604020202020204" pitchFamily="34" charset="-128"/>
+                <a:cs typeface="Arial Unicode MS" panose="020B0604020202020204" pitchFamily="34" charset="-128"/>
+                <a:sym typeface="Iowan Old Style Roman"/>
+              </a:rPr>
+              <a:t>ER modeling is iterative!</a:t>
+            </a:r>
+          </a:p>
+          <a:p>
+            <a:pPr marL="638907" lvl="1" indent="-257907">
+              <a:spcBef>
+                <a:spcPts val="700"/>
+              </a:spcBef>
+              <a:buSzPct val="100000"/>
+              <a:buChar char="•"/>
+              <a:defRPr sz="1800">
+                <a:solidFill>
+                  <a:srgbClr val="000000"/>
+                </a:solidFill>
+                <a:uFillTx/>
+              </a:defRPr>
+            </a:pPr>
+            <a:r>
+              <a:rPr sz="2200" dirty="0">
+                <a:solidFill>
+                  <a:schemeClr val="tx1"/>
+                </a:solidFill>
+                <a:uFill>
+                  <a:solidFill/>
+                </a:uFill>
+                <a:latin typeface="Arial Unicode MS" panose="020B0604020202020204" pitchFamily="34" charset="-128"/>
+                <a:ea typeface="Arial Unicode MS" panose="020B0604020202020204" pitchFamily="34" charset="-128"/>
+                <a:cs typeface="Arial Unicode MS" panose="020B0604020202020204" pitchFamily="34" charset="-128"/>
+                <a:sym typeface="Iowan Old Style Roman"/>
+              </a:rPr>
+              <a:t>Resulting diagram should be analyzed and refined further. </a:t>
             </a:r>
           </a:p>
         </p:txBody>
@@ -14297,13 +14025,564 @@
     </p:spTree>
     <p:extLst>
       <p:ext uri="{BB962C8B-B14F-4D97-AF65-F5344CB8AC3E}">
-        <p14:creationId xmlns:p14="http://schemas.microsoft.com/office/powerpoint/2010/main" val="4102345507"/>
+        <p14:creationId xmlns:p14="http://schemas.microsoft.com/office/powerpoint/2010/main" val="599677968"/>
       </p:ext>
     </p:extLst>
   </p:cSld>
   <p:clrMapOvr>
     <a:masterClrMapping/>
   </p:clrMapOvr>
+  <p:transition spd="med"/>
+</p:sld>
+</file>
+
+<file path=ppt/slides/slide27.xml><?xml version="1.0" encoding="utf-8"?>
+<p:sld xmlns:a="http://schemas.openxmlformats.org/drawingml/2006/main" xmlns:r="http://schemas.openxmlformats.org/officeDocument/2006/relationships" xmlns:p="http://schemas.openxmlformats.org/presentationml/2006/main">
+  <p:cSld>
+    <p:spTree>
+      <p:nvGrpSpPr>
+        <p:cNvPr id="1" name=""/>
+        <p:cNvGrpSpPr/>
+        <p:nvPr/>
+      </p:nvGrpSpPr>
+      <p:grpSpPr>
+        <a:xfrm>
+          <a:off x="0" y="0"/>
+          <a:ext cx="0" cy="0"/>
+          <a:chOff x="0" y="0"/>
+          <a:chExt cx="0" cy="0"/>
+        </a:xfrm>
+      </p:grpSpPr>
+      <p:sp>
+        <p:nvSpPr>
+          <p:cNvPr id="147" name="Shape 147"/>
+          <p:cNvSpPr/>
+          <p:nvPr/>
+        </p:nvSpPr>
+        <p:spPr>
+          <a:xfrm>
+            <a:off x="386308" y="147496"/>
+            <a:ext cx="7757379" cy="1077218"/>
+          </a:xfrm>
+          <a:prstGeom prst="rect">
+            <a:avLst/>
+          </a:prstGeom>
+          <a:ln w="12700">
+            <a:miter lim="400000"/>
+          </a:ln>
+          <a:extLst>
+            <a:ext uri="{C572A759-6A51-4108-AA02-DFA0A04FC94B}">
+              <ma14:wrappingTextBoxFlag xmlns="" xmlns:ma14="http://schemas.microsoft.com/office/mac/drawingml/2011/main" val="1"/>
+            </a:ext>
+          </a:extLst>
+        </p:spPr>
+        <p:txBody>
+          <a:bodyPr lIns="45719" rIns="45719">
+            <a:spAutoFit/>
+          </a:bodyPr>
+          <a:lstStyle>
+            <a:lvl1pPr>
+              <a:defRPr sz="3000" b="1">
+                <a:uFill>
+                  <a:solidFill>
+                    <a:srgbClr val="FFFFFF"/>
+                  </a:solidFill>
+                </a:uFill>
+              </a:defRPr>
+            </a:lvl1pPr>
+          </a:lstStyle>
+          <a:p>
+            <a:pPr lvl="0">
+              <a:defRPr sz="1800" b="0">
+                <a:solidFill>
+                  <a:srgbClr val="000000"/>
+                </a:solidFill>
+                <a:uFillTx/>
+              </a:defRPr>
+            </a:pPr>
+            <a:r>
+              <a:rPr lang="en-US" sz="3200" dirty="0">
+                <a:solidFill>
+                  <a:srgbClr val="57068C"/>
+                </a:solidFill>
+                <a:latin typeface="Arial Unicode MS" panose="020B0604020202020204" pitchFamily="34" charset="-128"/>
+                <a:ea typeface="Arial Unicode MS" panose="020B0604020202020204" pitchFamily="34" charset="-128"/>
+                <a:cs typeface="Arial Unicode MS" panose="020B0604020202020204" pitchFamily="34" charset="-128"/>
+              </a:rPr>
+              <a:t>In-class exercise: (if we have time)</a:t>
+            </a:r>
+            <a:br>
+              <a:rPr lang="en-US" sz="3200" dirty="0">
+                <a:solidFill>
+                  <a:srgbClr val="57068C"/>
+                </a:solidFill>
+                <a:latin typeface="Arial Unicode MS" panose="020B0604020202020204" pitchFamily="34" charset="-128"/>
+                <a:ea typeface="Arial Unicode MS" panose="020B0604020202020204" pitchFamily="34" charset="-128"/>
+                <a:cs typeface="Arial Unicode MS" panose="020B0604020202020204" pitchFamily="34" charset="-128"/>
+              </a:rPr>
+            </a:br>
+            <a:r>
+              <a:rPr lang="en-US" sz="3200" dirty="0">
+                <a:solidFill>
+                  <a:srgbClr val="57068C"/>
+                </a:solidFill>
+                <a:latin typeface="Arial Unicode MS" panose="020B0604020202020204" pitchFamily="34" charset="-128"/>
+                <a:ea typeface="Arial Unicode MS" panose="020B0604020202020204" pitchFamily="34" charset="-128"/>
+                <a:cs typeface="Arial Unicode MS" panose="020B0604020202020204" pitchFamily="34" charset="-128"/>
+              </a:rPr>
+              <a:t>Create the following ERDs and tables</a:t>
+            </a:r>
+          </a:p>
+        </p:txBody>
+      </p:sp>
+      <p:sp>
+        <p:nvSpPr>
+          <p:cNvPr id="148" name="Shape 148"/>
+          <p:cNvSpPr/>
+          <p:nvPr/>
+        </p:nvSpPr>
+        <p:spPr>
+          <a:xfrm>
+            <a:off x="0" y="1538949"/>
+            <a:ext cx="8921183" cy="5242461"/>
+          </a:xfrm>
+          <a:prstGeom prst="rect">
+            <a:avLst/>
+          </a:prstGeom>
+          <a:ln w="12700">
+            <a:miter lim="400000"/>
+          </a:ln>
+          <a:extLst>
+            <a:ext uri="{C572A759-6A51-4108-AA02-DFA0A04FC94B}">
+              <ma14:wrappingTextBoxFlag xmlns="" xmlns:ma14="http://schemas.microsoft.com/office/mac/drawingml/2011/main" val="1"/>
+            </a:ext>
+          </a:extLst>
+        </p:spPr>
+        <p:txBody>
+          <a:bodyPr lIns="45719" rIns="45719">
+            <a:spAutoFit/>
+          </a:bodyPr>
+          <a:lstStyle/>
+          <a:p>
+            <a:pPr marL="225669" lvl="0" indent="-187569">
+              <a:spcBef>
+                <a:spcPts val="700"/>
+              </a:spcBef>
+              <a:buSzPct val="50000"/>
+              <a:buBlip>
+                <a:blip r:embed="rId2"/>
+              </a:buBlip>
+              <a:defRPr sz="1800">
+                <a:solidFill>
+                  <a:srgbClr val="000000"/>
+                </a:solidFill>
+                <a:uFillTx/>
+              </a:defRPr>
+            </a:pPr>
+            <a:r>
+              <a:rPr sz="1600" dirty="0" err="1">
+                <a:solidFill>
+                  <a:schemeClr val="tx1"/>
+                </a:solidFill>
+                <a:uFill>
+                  <a:solidFill/>
+                </a:uFill>
+                <a:latin typeface="Arial Unicode MS" panose="020B0604020202020204" pitchFamily="34" charset="-128"/>
+                <a:ea typeface="Arial Unicode MS" panose="020B0604020202020204" pitchFamily="34" charset="-128"/>
+                <a:cs typeface="Arial Unicode MS" panose="020B0604020202020204" pitchFamily="34" charset="-128"/>
+                <a:sym typeface="Iowan Old Style Roman"/>
+              </a:rPr>
+              <a:t>NoFuture</a:t>
+            </a:r>
+            <a:r>
+              <a:rPr sz="1600" dirty="0">
+                <a:solidFill>
+                  <a:schemeClr val="tx1"/>
+                </a:solidFill>
+                <a:uFill>
+                  <a:solidFill/>
+                </a:uFill>
+                <a:latin typeface="Arial Unicode MS" panose="020B0604020202020204" pitchFamily="34" charset="-128"/>
+                <a:ea typeface="Arial Unicode MS" panose="020B0604020202020204" pitchFamily="34" charset="-128"/>
+                <a:cs typeface="Arial Unicode MS" panose="020B0604020202020204" pitchFamily="34" charset="-128"/>
+                <a:sym typeface="Iowan Old Style Roman"/>
+              </a:rPr>
+              <a:t> Records has decided to store information about musicians who perform on its albums (as well as other company data) in a database. </a:t>
+            </a:r>
+          </a:p>
+          <a:p>
+            <a:pPr marL="568569" lvl="1" indent="-187569">
+              <a:spcBef>
+                <a:spcPts val="700"/>
+              </a:spcBef>
+              <a:buSzPct val="100000"/>
+              <a:buChar char="•"/>
+              <a:defRPr sz="1800">
+                <a:solidFill>
+                  <a:srgbClr val="000000"/>
+                </a:solidFill>
+                <a:uFillTx/>
+              </a:defRPr>
+            </a:pPr>
+            <a:r>
+              <a:rPr sz="1600" dirty="0">
+                <a:solidFill>
+                  <a:schemeClr val="tx1"/>
+                </a:solidFill>
+                <a:uFill>
+                  <a:solidFill/>
+                </a:uFill>
+                <a:latin typeface="Arial Unicode MS" panose="020B0604020202020204" pitchFamily="34" charset="-128"/>
+                <a:ea typeface="Arial Unicode MS" panose="020B0604020202020204" pitchFamily="34" charset="-128"/>
+                <a:cs typeface="Arial Unicode MS" panose="020B0604020202020204" pitchFamily="34" charset="-128"/>
+                <a:sym typeface="Iowan Old Style Roman"/>
+              </a:rPr>
+              <a:t>Each musician that records at </a:t>
+            </a:r>
+            <a:r>
+              <a:rPr sz="1600" dirty="0" err="1">
+                <a:solidFill>
+                  <a:schemeClr val="tx1"/>
+                </a:solidFill>
+                <a:uFill>
+                  <a:solidFill/>
+                </a:uFill>
+                <a:latin typeface="Arial Unicode MS" panose="020B0604020202020204" pitchFamily="34" charset="-128"/>
+                <a:ea typeface="Arial Unicode MS" panose="020B0604020202020204" pitchFamily="34" charset="-128"/>
+                <a:cs typeface="Arial Unicode MS" panose="020B0604020202020204" pitchFamily="34" charset="-128"/>
+                <a:sym typeface="Iowan Old Style Roman"/>
+              </a:rPr>
+              <a:t>NoFuture</a:t>
+            </a:r>
+            <a:r>
+              <a:rPr sz="1600" dirty="0">
+                <a:solidFill>
+                  <a:schemeClr val="tx1"/>
+                </a:solidFill>
+                <a:uFill>
+                  <a:solidFill/>
+                </a:uFill>
+                <a:latin typeface="Arial Unicode MS" panose="020B0604020202020204" pitchFamily="34" charset="-128"/>
+                <a:ea typeface="Arial Unicode MS" panose="020B0604020202020204" pitchFamily="34" charset="-128"/>
+                <a:cs typeface="Arial Unicode MS" panose="020B0604020202020204" pitchFamily="34" charset="-128"/>
+                <a:sym typeface="Iowan Old Style Roman"/>
+              </a:rPr>
+              <a:t> has an SSN, a name, an address, and a phone number. Poorly paid musicians often share the same address, and no address has more than one phone.</a:t>
+            </a:r>
+          </a:p>
+          <a:p>
+            <a:pPr marL="568569" lvl="1" indent="-187569">
+              <a:spcBef>
+                <a:spcPts val="700"/>
+              </a:spcBef>
+              <a:buSzPct val="100000"/>
+              <a:buChar char="•"/>
+              <a:defRPr sz="1800">
+                <a:solidFill>
+                  <a:srgbClr val="000000"/>
+                </a:solidFill>
+                <a:uFillTx/>
+              </a:defRPr>
+            </a:pPr>
+            <a:r>
+              <a:rPr sz="1600" dirty="0">
+                <a:solidFill>
+                  <a:schemeClr val="tx1"/>
+                </a:solidFill>
+                <a:uFill>
+                  <a:solidFill/>
+                </a:uFill>
+                <a:latin typeface="Arial Unicode MS" panose="020B0604020202020204" pitchFamily="34" charset="-128"/>
+                <a:ea typeface="Arial Unicode MS" panose="020B0604020202020204" pitchFamily="34" charset="-128"/>
+                <a:cs typeface="Arial Unicode MS" panose="020B0604020202020204" pitchFamily="34" charset="-128"/>
+                <a:sym typeface="Iowan Old Style Roman"/>
+              </a:rPr>
+              <a:t>Each instrument used in songs recorded at </a:t>
+            </a:r>
+            <a:r>
+              <a:rPr sz="1600" dirty="0" err="1">
+                <a:solidFill>
+                  <a:schemeClr val="tx1"/>
+                </a:solidFill>
+                <a:uFill>
+                  <a:solidFill/>
+                </a:uFill>
+                <a:latin typeface="Arial Unicode MS" panose="020B0604020202020204" pitchFamily="34" charset="-128"/>
+                <a:ea typeface="Arial Unicode MS" panose="020B0604020202020204" pitchFamily="34" charset="-128"/>
+                <a:cs typeface="Arial Unicode MS" panose="020B0604020202020204" pitchFamily="34" charset="-128"/>
+                <a:sym typeface="Iowan Old Style Roman"/>
+              </a:rPr>
+              <a:t>NoFuture</a:t>
+            </a:r>
+            <a:r>
+              <a:rPr sz="1600" dirty="0">
+                <a:solidFill>
+                  <a:schemeClr val="tx1"/>
+                </a:solidFill>
+                <a:uFill>
+                  <a:solidFill/>
+                </a:uFill>
+                <a:latin typeface="Arial Unicode MS" panose="020B0604020202020204" pitchFamily="34" charset="-128"/>
+                <a:ea typeface="Arial Unicode MS" panose="020B0604020202020204" pitchFamily="34" charset="-128"/>
+                <a:cs typeface="Arial Unicode MS" panose="020B0604020202020204" pitchFamily="34" charset="-128"/>
+                <a:sym typeface="Iowan Old Style Roman"/>
+              </a:rPr>
+              <a:t> has a unique identification number, a name (e.g., guitar, synthesizer, ﬂute) and a musical key (e.g., C, B-ﬂat, E-ﬂat).</a:t>
+            </a:r>
+          </a:p>
+          <a:p>
+            <a:pPr marL="568569" lvl="1" indent="-187569">
+              <a:spcBef>
+                <a:spcPts val="700"/>
+              </a:spcBef>
+              <a:buSzPct val="100000"/>
+              <a:buChar char="•"/>
+              <a:defRPr sz="1800">
+                <a:solidFill>
+                  <a:srgbClr val="000000"/>
+                </a:solidFill>
+                <a:uFillTx/>
+              </a:defRPr>
+            </a:pPr>
+            <a:r>
+              <a:rPr sz="1600" dirty="0">
+                <a:solidFill>
+                  <a:schemeClr val="tx1"/>
+                </a:solidFill>
+                <a:uFill>
+                  <a:solidFill/>
+                </a:uFill>
+                <a:latin typeface="Arial Unicode MS" panose="020B0604020202020204" pitchFamily="34" charset="-128"/>
+                <a:ea typeface="Arial Unicode MS" panose="020B0604020202020204" pitchFamily="34" charset="-128"/>
+                <a:cs typeface="Arial Unicode MS" panose="020B0604020202020204" pitchFamily="34" charset="-128"/>
+                <a:sym typeface="Iowan Old Style Roman"/>
+              </a:rPr>
+              <a:t>Each album recorded on the </a:t>
+            </a:r>
+            <a:r>
+              <a:rPr sz="1600" dirty="0" err="1">
+                <a:solidFill>
+                  <a:schemeClr val="tx1"/>
+                </a:solidFill>
+                <a:uFill>
+                  <a:solidFill/>
+                </a:uFill>
+                <a:latin typeface="Arial Unicode MS" panose="020B0604020202020204" pitchFamily="34" charset="-128"/>
+                <a:ea typeface="Arial Unicode MS" panose="020B0604020202020204" pitchFamily="34" charset="-128"/>
+                <a:cs typeface="Arial Unicode MS" panose="020B0604020202020204" pitchFamily="34" charset="-128"/>
+                <a:sym typeface="Iowan Old Style Roman"/>
+              </a:rPr>
+              <a:t>NoFuture</a:t>
+            </a:r>
+            <a:r>
+              <a:rPr sz="1600" dirty="0">
+                <a:solidFill>
+                  <a:schemeClr val="tx1"/>
+                </a:solidFill>
+                <a:uFill>
+                  <a:solidFill/>
+                </a:uFill>
+                <a:latin typeface="Arial Unicode MS" panose="020B0604020202020204" pitchFamily="34" charset="-128"/>
+                <a:ea typeface="Arial Unicode MS" panose="020B0604020202020204" pitchFamily="34" charset="-128"/>
+                <a:cs typeface="Arial Unicode MS" panose="020B0604020202020204" pitchFamily="34" charset="-128"/>
+                <a:sym typeface="Iowan Old Style Roman"/>
+              </a:rPr>
+              <a:t> label has a unique identification  number, a title, a copyright date, a format, and an album identifier.</a:t>
+            </a:r>
+          </a:p>
+          <a:p>
+            <a:pPr marL="568569" lvl="1" indent="-187569">
+              <a:spcBef>
+                <a:spcPts val="700"/>
+              </a:spcBef>
+              <a:buSzPct val="100000"/>
+              <a:buChar char="•"/>
+              <a:defRPr sz="1800">
+                <a:solidFill>
+                  <a:srgbClr val="000000"/>
+                </a:solidFill>
+                <a:uFillTx/>
+              </a:defRPr>
+            </a:pPr>
+            <a:r>
+              <a:rPr sz="1600" dirty="0">
+                <a:solidFill>
+                  <a:schemeClr val="tx1"/>
+                </a:solidFill>
+                <a:uFill>
+                  <a:solidFill/>
+                </a:uFill>
+                <a:latin typeface="Arial Unicode MS" panose="020B0604020202020204" pitchFamily="34" charset="-128"/>
+                <a:ea typeface="Arial Unicode MS" panose="020B0604020202020204" pitchFamily="34" charset="-128"/>
+                <a:cs typeface="Arial Unicode MS" panose="020B0604020202020204" pitchFamily="34" charset="-128"/>
+                <a:sym typeface="Iowan Old Style Roman"/>
+              </a:rPr>
+              <a:t>Each song recorded at </a:t>
+            </a:r>
+            <a:r>
+              <a:rPr sz="1600" dirty="0" err="1">
+                <a:solidFill>
+                  <a:schemeClr val="tx1"/>
+                </a:solidFill>
+                <a:uFill>
+                  <a:solidFill/>
+                </a:uFill>
+                <a:latin typeface="Arial Unicode MS" panose="020B0604020202020204" pitchFamily="34" charset="-128"/>
+                <a:ea typeface="Arial Unicode MS" panose="020B0604020202020204" pitchFamily="34" charset="-128"/>
+                <a:cs typeface="Arial Unicode MS" panose="020B0604020202020204" pitchFamily="34" charset="-128"/>
+                <a:sym typeface="Iowan Old Style Roman"/>
+              </a:rPr>
+              <a:t>NoFuture</a:t>
+            </a:r>
+            <a:r>
+              <a:rPr sz="1600" dirty="0">
+                <a:solidFill>
+                  <a:schemeClr val="tx1"/>
+                </a:solidFill>
+                <a:uFill>
+                  <a:solidFill/>
+                </a:uFill>
+                <a:latin typeface="Arial Unicode MS" panose="020B0604020202020204" pitchFamily="34" charset="-128"/>
+                <a:ea typeface="Arial Unicode MS" panose="020B0604020202020204" pitchFamily="34" charset="-128"/>
+                <a:cs typeface="Arial Unicode MS" panose="020B0604020202020204" pitchFamily="34" charset="-128"/>
+                <a:sym typeface="Iowan Old Style Roman"/>
+              </a:rPr>
+              <a:t> has a title and an author.</a:t>
+            </a:r>
+          </a:p>
+          <a:p>
+            <a:pPr marL="568569" lvl="1" indent="-187569">
+              <a:spcBef>
+                <a:spcPts val="700"/>
+              </a:spcBef>
+              <a:buSzPct val="100000"/>
+              <a:buChar char="•"/>
+              <a:defRPr sz="1800">
+                <a:solidFill>
+                  <a:srgbClr val="000000"/>
+                </a:solidFill>
+                <a:uFillTx/>
+              </a:defRPr>
+            </a:pPr>
+            <a:r>
+              <a:rPr sz="1600" dirty="0">
+                <a:solidFill>
+                  <a:schemeClr val="tx1"/>
+                </a:solidFill>
+                <a:uFill>
+                  <a:solidFill/>
+                </a:uFill>
+                <a:latin typeface="Arial Unicode MS" panose="020B0604020202020204" pitchFamily="34" charset="-128"/>
+                <a:ea typeface="Arial Unicode MS" panose="020B0604020202020204" pitchFamily="34" charset="-128"/>
+                <a:cs typeface="Arial Unicode MS" panose="020B0604020202020204" pitchFamily="34" charset="-128"/>
+                <a:sym typeface="Iowan Old Style Roman"/>
+              </a:rPr>
+              <a:t>Each musician may play several instruments, and a given instrument may be played by several musicians.</a:t>
+            </a:r>
+          </a:p>
+          <a:p>
+            <a:pPr marL="568569" lvl="1" indent="-187569">
+              <a:spcBef>
+                <a:spcPts val="700"/>
+              </a:spcBef>
+              <a:buSzPct val="100000"/>
+              <a:buChar char="•"/>
+              <a:defRPr sz="1800">
+                <a:solidFill>
+                  <a:srgbClr val="000000"/>
+                </a:solidFill>
+                <a:uFillTx/>
+              </a:defRPr>
+            </a:pPr>
+            <a:r>
+              <a:rPr sz="1600" dirty="0">
+                <a:solidFill>
+                  <a:schemeClr val="tx1"/>
+                </a:solidFill>
+                <a:uFill>
+                  <a:solidFill/>
+                </a:uFill>
+                <a:latin typeface="Arial Unicode MS" panose="020B0604020202020204" pitchFamily="34" charset="-128"/>
+                <a:ea typeface="Arial Unicode MS" panose="020B0604020202020204" pitchFamily="34" charset="-128"/>
+                <a:cs typeface="Arial Unicode MS" panose="020B0604020202020204" pitchFamily="34" charset="-128"/>
+                <a:sym typeface="Iowan Old Style Roman"/>
+              </a:rPr>
+              <a:t>Each album has a number of songs on it, but no song may appear on more than one album.</a:t>
+            </a:r>
+          </a:p>
+          <a:p>
+            <a:pPr marL="568569" lvl="1" indent="-187569">
+              <a:spcBef>
+                <a:spcPts val="700"/>
+              </a:spcBef>
+              <a:buSzPct val="100000"/>
+              <a:buChar char="•"/>
+              <a:defRPr sz="1800">
+                <a:solidFill>
+                  <a:srgbClr val="000000"/>
+                </a:solidFill>
+                <a:uFillTx/>
+              </a:defRPr>
+            </a:pPr>
+            <a:r>
+              <a:rPr sz="1600" dirty="0">
+                <a:solidFill>
+                  <a:schemeClr val="tx1"/>
+                </a:solidFill>
+                <a:uFill>
+                  <a:solidFill/>
+                </a:uFill>
+                <a:latin typeface="Arial Unicode MS" panose="020B0604020202020204" pitchFamily="34" charset="-128"/>
+                <a:ea typeface="Arial Unicode MS" panose="020B0604020202020204" pitchFamily="34" charset="-128"/>
+                <a:cs typeface="Arial Unicode MS" panose="020B0604020202020204" pitchFamily="34" charset="-128"/>
+                <a:sym typeface="Iowan Old Style Roman"/>
+              </a:rPr>
+              <a:t>Each song is performed by one or more musicians, and a musician may perform a number of songs.</a:t>
+            </a:r>
+          </a:p>
+          <a:p>
+            <a:pPr marL="568569" lvl="1" indent="-187569">
+              <a:spcBef>
+                <a:spcPts val="700"/>
+              </a:spcBef>
+              <a:buSzPct val="100000"/>
+              <a:buChar char="•"/>
+              <a:defRPr sz="1800">
+                <a:solidFill>
+                  <a:srgbClr val="000000"/>
+                </a:solidFill>
+                <a:uFillTx/>
+              </a:defRPr>
+            </a:pPr>
+            <a:r>
+              <a:rPr sz="1600" dirty="0">
+                <a:solidFill>
+                  <a:schemeClr val="tx1"/>
+                </a:solidFill>
+                <a:uFill>
+                  <a:solidFill/>
+                </a:uFill>
+                <a:latin typeface="Arial Unicode MS" panose="020B0604020202020204" pitchFamily="34" charset="-128"/>
+                <a:ea typeface="Arial Unicode MS" panose="020B0604020202020204" pitchFamily="34" charset="-128"/>
+                <a:cs typeface="Arial Unicode MS" panose="020B0604020202020204" pitchFamily="34" charset="-128"/>
+                <a:sym typeface="Iowan Old Style Roman"/>
+              </a:rPr>
+              <a:t>Each album has exactly one musician who acts as its producer. A musician may produce several albums.</a:t>
+            </a:r>
+          </a:p>
+        </p:txBody>
+      </p:sp>
+    </p:spTree>
+    <p:extLst>
+      <p:ext uri="{BB962C8B-B14F-4D97-AF65-F5344CB8AC3E}">
+        <p14:creationId xmlns:p14="http://schemas.microsoft.com/office/powerpoint/2010/main" val="3214541500"/>
+      </p:ext>
+    </p:extLst>
+  </p:cSld>
+  <p:clrMapOvr>
+    <a:masterClrMapping/>
+  </p:clrMapOvr>
+  <p:transition spd="med"/>
 </p:sld>
 </file>
 
@@ -14664,4035 +14943,6 @@
     <p:extLst>
       <p:ext uri="{BB962C8B-B14F-4D97-AF65-F5344CB8AC3E}">
         <p14:creationId xmlns:p14="http://schemas.microsoft.com/office/powerpoint/2010/main" val="933381996"/>
-      </p:ext>
-    </p:extLst>
-  </p:cSld>
-  <p:clrMapOvr>
-    <a:masterClrMapping/>
-  </p:clrMapOvr>
-  <p:transition spd="med"/>
-</p:sld>
-</file>
-
-<file path=ppt/slides/slide30.xml><?xml version="1.0" encoding="utf-8"?>
-<p:sld xmlns:a="http://schemas.openxmlformats.org/drawingml/2006/main" xmlns:r="http://schemas.openxmlformats.org/officeDocument/2006/relationships" xmlns:p="http://schemas.openxmlformats.org/presentationml/2006/main">
-  <p:cSld>
-    <p:spTree>
-      <p:nvGrpSpPr>
-        <p:cNvPr id="1" name=""/>
-        <p:cNvGrpSpPr/>
-        <p:nvPr/>
-      </p:nvGrpSpPr>
-      <p:grpSpPr>
-        <a:xfrm>
-          <a:off x="0" y="0"/>
-          <a:ext cx="0" cy="0"/>
-          <a:chOff x="0" y="0"/>
-          <a:chExt cx="0" cy="0"/>
-        </a:xfrm>
-      </p:grpSpPr>
-      <p:sp>
-        <p:nvSpPr>
-          <p:cNvPr id="191" name="Shape 191"/>
-          <p:cNvSpPr/>
-          <p:nvPr/>
-        </p:nvSpPr>
-        <p:spPr>
-          <a:xfrm>
-            <a:off x="386308" y="147496"/>
-            <a:ext cx="7757379" cy="553998"/>
-          </a:xfrm>
-          <a:prstGeom prst="rect">
-            <a:avLst/>
-          </a:prstGeom>
-          <a:ln w="12700">
-            <a:miter lim="400000"/>
-          </a:ln>
-          <a:extLst>
-            <a:ext uri="{C572A759-6A51-4108-AA02-DFA0A04FC94B}">
-              <ma14:wrappingTextBoxFlag xmlns="" xmlns:ma14="http://schemas.microsoft.com/office/mac/drawingml/2011/main" val="1"/>
-            </a:ext>
-          </a:extLst>
-        </p:spPr>
-        <p:txBody>
-          <a:bodyPr lIns="45719" rIns="45719">
-            <a:spAutoFit/>
-          </a:bodyPr>
-          <a:lstStyle>
-            <a:lvl1pPr>
-              <a:defRPr sz="3000" b="1">
-                <a:uFill>
-                  <a:solidFill>
-                    <a:srgbClr val="FFFFFF"/>
-                  </a:solidFill>
-                </a:uFill>
-              </a:defRPr>
-            </a:lvl1pPr>
-          </a:lstStyle>
-          <a:p>
-            <a:pPr lvl="0">
-              <a:defRPr sz="1800" b="0">
-                <a:solidFill>
-                  <a:srgbClr val="000000"/>
-                </a:solidFill>
-                <a:uFillTx/>
-              </a:defRPr>
-            </a:pPr>
-            <a:r>
-              <a:rPr lang="en-US" sz="3000" b="1" dirty="0">
-                <a:solidFill>
-                  <a:srgbClr val="57068C"/>
-                </a:solidFill>
-                <a:uFill>
-                  <a:solidFill>
-                    <a:srgbClr val="FFFFFF"/>
-                  </a:solidFill>
-                </a:uFill>
-                <a:latin typeface="Arial Unicode MS" panose="020B0604020202020204" pitchFamily="34" charset="-128"/>
-                <a:ea typeface="Arial Unicode MS" panose="020B0604020202020204" pitchFamily="34" charset="-128"/>
-                <a:cs typeface="Arial Unicode MS" panose="020B0604020202020204" pitchFamily="34" charset="-128"/>
-              </a:rPr>
-              <a:t>SQL Statements to create tables</a:t>
-            </a:r>
-            <a:endParaRPr sz="3000" b="1" dirty="0">
-              <a:solidFill>
-                <a:srgbClr val="57068C"/>
-              </a:solidFill>
-              <a:uFill>
-                <a:solidFill>
-                  <a:srgbClr val="FFFFFF"/>
-                </a:solidFill>
-              </a:uFill>
-              <a:latin typeface="Arial Unicode MS" panose="020B0604020202020204" pitchFamily="34" charset="-128"/>
-              <a:ea typeface="Arial Unicode MS" panose="020B0604020202020204" pitchFamily="34" charset="-128"/>
-              <a:cs typeface="Arial Unicode MS" panose="020B0604020202020204" pitchFamily="34" charset="-128"/>
-            </a:endParaRPr>
-          </a:p>
-        </p:txBody>
-      </p:sp>
-      <p:sp>
-        <p:nvSpPr>
-          <p:cNvPr id="192" name="Shape 192"/>
-          <p:cNvSpPr/>
-          <p:nvPr/>
-        </p:nvSpPr>
-        <p:spPr>
-          <a:xfrm>
-            <a:off x="469899" y="2022157"/>
-            <a:ext cx="7590196" cy="3431709"/>
-          </a:xfrm>
-          <a:prstGeom prst="rect">
-            <a:avLst/>
-          </a:prstGeom>
-          <a:ln w="12700">
-            <a:miter lim="400000"/>
-          </a:ln>
-          <a:extLst>
-            <a:ext uri="{C572A759-6A51-4108-AA02-DFA0A04FC94B}">
-              <ma14:wrappingTextBoxFlag xmlns="" xmlns:ma14="http://schemas.microsoft.com/office/mac/drawingml/2011/main" val="1"/>
-            </a:ext>
-          </a:extLst>
-        </p:spPr>
-        <p:txBody>
-          <a:bodyPr lIns="45719" rIns="45719">
-            <a:spAutoFit/>
-          </a:bodyPr>
-          <a:lstStyle/>
-          <a:p>
-            <a:pPr marL="38100" lvl="0">
-              <a:spcBef>
-                <a:spcPts val="700"/>
-              </a:spcBef>
-              <a:buSzPct val="50000"/>
-              <a:defRPr sz="1800">
-                <a:solidFill>
-                  <a:srgbClr val="000000"/>
-                </a:solidFill>
-                <a:uFillTx/>
-              </a:defRPr>
-            </a:pPr>
-            <a:r>
-              <a:rPr lang="en-US" sz="2600" dirty="0">
-                <a:solidFill>
-                  <a:schemeClr val="tx1"/>
-                </a:solidFill>
-                <a:latin typeface="Arial Unicode MS" panose="020B0604020202020204" pitchFamily="34" charset="-128"/>
-                <a:ea typeface="Arial Unicode MS" panose="020B0604020202020204" pitchFamily="34" charset="-128"/>
-                <a:cs typeface="Arial Unicode MS" panose="020B0604020202020204" pitchFamily="34" charset="-128"/>
-                <a:sym typeface="Iowan Old Style Roman"/>
-              </a:rPr>
-              <a:t>CREATE TABLE </a:t>
-            </a:r>
-            <a:r>
-              <a:rPr lang="en-US" sz="2600" dirty="0" err="1">
-                <a:solidFill>
-                  <a:schemeClr val="tx1"/>
-                </a:solidFill>
-                <a:latin typeface="Arial Unicode MS" panose="020B0604020202020204" pitchFamily="34" charset="-128"/>
-                <a:ea typeface="Arial Unicode MS" panose="020B0604020202020204" pitchFamily="34" charset="-128"/>
-                <a:cs typeface="Arial Unicode MS" panose="020B0604020202020204" pitchFamily="34" charset="-128"/>
-                <a:sym typeface="Iowan Old Style Roman"/>
-              </a:rPr>
-              <a:t>table_name</a:t>
-            </a:r>
-            <a:endParaRPr lang="en-US" sz="2600" dirty="0">
-              <a:solidFill>
-                <a:schemeClr val="tx1"/>
-              </a:solidFill>
-              <a:latin typeface="Arial Unicode MS" panose="020B0604020202020204" pitchFamily="34" charset="-128"/>
-              <a:ea typeface="Arial Unicode MS" panose="020B0604020202020204" pitchFamily="34" charset="-128"/>
-              <a:cs typeface="Arial Unicode MS" panose="020B0604020202020204" pitchFamily="34" charset="-128"/>
-              <a:sym typeface="Iowan Old Style Roman"/>
-            </a:endParaRPr>
-          </a:p>
-          <a:p>
-            <a:pPr marL="38100" lvl="0">
-              <a:spcBef>
-                <a:spcPts val="700"/>
-              </a:spcBef>
-              <a:buSzPct val="50000"/>
-              <a:defRPr sz="1800">
-                <a:solidFill>
-                  <a:srgbClr val="000000"/>
-                </a:solidFill>
-                <a:uFillTx/>
-              </a:defRPr>
-            </a:pPr>
-            <a:r>
-              <a:rPr lang="en-US" sz="2600" dirty="0">
-                <a:solidFill>
-                  <a:schemeClr val="tx1"/>
-                </a:solidFill>
-                <a:latin typeface="Arial Unicode MS" panose="020B0604020202020204" pitchFamily="34" charset="-128"/>
-                <a:ea typeface="Arial Unicode MS" panose="020B0604020202020204" pitchFamily="34" charset="-128"/>
-                <a:cs typeface="Arial Unicode MS" panose="020B0604020202020204" pitchFamily="34" charset="-128"/>
-                <a:sym typeface="Iowan Old Style Roman"/>
-              </a:rPr>
-              <a:t>(</a:t>
-            </a:r>
-          </a:p>
-          <a:p>
-            <a:pPr marL="38100" lvl="0">
-              <a:spcBef>
-                <a:spcPts val="700"/>
-              </a:spcBef>
-              <a:buSzPct val="50000"/>
-              <a:defRPr sz="1800">
-                <a:solidFill>
-                  <a:srgbClr val="000000"/>
-                </a:solidFill>
-                <a:uFillTx/>
-              </a:defRPr>
-            </a:pPr>
-            <a:r>
-              <a:rPr lang="en-US" sz="2600" dirty="0">
-                <a:solidFill>
-                  <a:schemeClr val="tx1"/>
-                </a:solidFill>
-                <a:latin typeface="Arial Unicode MS" panose="020B0604020202020204" pitchFamily="34" charset="-128"/>
-                <a:ea typeface="Arial Unicode MS" panose="020B0604020202020204" pitchFamily="34" charset="-128"/>
-                <a:cs typeface="Arial Unicode MS" panose="020B0604020202020204" pitchFamily="34" charset="-128"/>
-                <a:sym typeface="Iowan Old Style Roman"/>
-              </a:rPr>
-              <a:t>column_name1 </a:t>
-            </a:r>
-            <a:r>
-              <a:rPr lang="en-US" sz="2600" dirty="0" err="1">
-                <a:solidFill>
-                  <a:schemeClr val="tx1"/>
-                </a:solidFill>
-                <a:latin typeface="Arial Unicode MS" panose="020B0604020202020204" pitchFamily="34" charset="-128"/>
-                <a:ea typeface="Arial Unicode MS" panose="020B0604020202020204" pitchFamily="34" charset="-128"/>
-                <a:cs typeface="Arial Unicode MS" panose="020B0604020202020204" pitchFamily="34" charset="-128"/>
-                <a:sym typeface="Iowan Old Style Roman"/>
-              </a:rPr>
-              <a:t>data_type</a:t>
-            </a:r>
-            <a:r>
-              <a:rPr lang="en-US" sz="2600" dirty="0">
-                <a:solidFill>
-                  <a:schemeClr val="tx1"/>
-                </a:solidFill>
-                <a:latin typeface="Arial Unicode MS" panose="020B0604020202020204" pitchFamily="34" charset="-128"/>
-                <a:ea typeface="Arial Unicode MS" panose="020B0604020202020204" pitchFamily="34" charset="-128"/>
-                <a:cs typeface="Arial Unicode MS" panose="020B0604020202020204" pitchFamily="34" charset="-128"/>
-                <a:sym typeface="Iowan Old Style Roman"/>
-              </a:rPr>
-              <a:t>(size),</a:t>
-            </a:r>
-          </a:p>
-          <a:p>
-            <a:pPr marL="38100" lvl="0">
-              <a:spcBef>
-                <a:spcPts val="700"/>
-              </a:spcBef>
-              <a:buSzPct val="50000"/>
-              <a:defRPr sz="1800">
-                <a:solidFill>
-                  <a:srgbClr val="000000"/>
-                </a:solidFill>
-                <a:uFillTx/>
-              </a:defRPr>
-            </a:pPr>
-            <a:r>
-              <a:rPr lang="en-US" sz="2600" dirty="0">
-                <a:solidFill>
-                  <a:schemeClr val="tx1"/>
-                </a:solidFill>
-                <a:latin typeface="Arial Unicode MS" panose="020B0604020202020204" pitchFamily="34" charset="-128"/>
-                <a:ea typeface="Arial Unicode MS" panose="020B0604020202020204" pitchFamily="34" charset="-128"/>
-                <a:cs typeface="Arial Unicode MS" panose="020B0604020202020204" pitchFamily="34" charset="-128"/>
-                <a:sym typeface="Iowan Old Style Roman"/>
-              </a:rPr>
-              <a:t>column_name2 </a:t>
-            </a:r>
-            <a:r>
-              <a:rPr lang="en-US" sz="2600" dirty="0" err="1">
-                <a:solidFill>
-                  <a:schemeClr val="tx1"/>
-                </a:solidFill>
-                <a:latin typeface="Arial Unicode MS" panose="020B0604020202020204" pitchFamily="34" charset="-128"/>
-                <a:ea typeface="Arial Unicode MS" panose="020B0604020202020204" pitchFamily="34" charset="-128"/>
-                <a:cs typeface="Arial Unicode MS" panose="020B0604020202020204" pitchFamily="34" charset="-128"/>
-                <a:sym typeface="Iowan Old Style Roman"/>
-              </a:rPr>
-              <a:t>data_type</a:t>
-            </a:r>
-            <a:r>
-              <a:rPr lang="en-US" sz="2600" dirty="0">
-                <a:solidFill>
-                  <a:schemeClr val="tx1"/>
-                </a:solidFill>
-                <a:latin typeface="Arial Unicode MS" panose="020B0604020202020204" pitchFamily="34" charset="-128"/>
-                <a:ea typeface="Arial Unicode MS" panose="020B0604020202020204" pitchFamily="34" charset="-128"/>
-                <a:cs typeface="Arial Unicode MS" panose="020B0604020202020204" pitchFamily="34" charset="-128"/>
-                <a:sym typeface="Iowan Old Style Roman"/>
-              </a:rPr>
-              <a:t>(size),</a:t>
-            </a:r>
-          </a:p>
-          <a:p>
-            <a:pPr marL="38100" lvl="0">
-              <a:spcBef>
-                <a:spcPts val="700"/>
-              </a:spcBef>
-              <a:buSzPct val="50000"/>
-              <a:defRPr sz="1800">
-                <a:solidFill>
-                  <a:srgbClr val="000000"/>
-                </a:solidFill>
-                <a:uFillTx/>
-              </a:defRPr>
-            </a:pPr>
-            <a:r>
-              <a:rPr lang="en-US" sz="2600" dirty="0">
-                <a:solidFill>
-                  <a:schemeClr val="tx1"/>
-                </a:solidFill>
-                <a:latin typeface="Arial Unicode MS" panose="020B0604020202020204" pitchFamily="34" charset="-128"/>
-                <a:ea typeface="Arial Unicode MS" panose="020B0604020202020204" pitchFamily="34" charset="-128"/>
-                <a:cs typeface="Arial Unicode MS" panose="020B0604020202020204" pitchFamily="34" charset="-128"/>
-                <a:sym typeface="Iowan Old Style Roman"/>
-              </a:rPr>
-              <a:t>column_name3 </a:t>
-            </a:r>
-            <a:r>
-              <a:rPr lang="en-US" sz="2600" dirty="0" err="1">
-                <a:solidFill>
-                  <a:schemeClr val="tx1"/>
-                </a:solidFill>
-                <a:latin typeface="Arial Unicode MS" panose="020B0604020202020204" pitchFamily="34" charset="-128"/>
-                <a:ea typeface="Arial Unicode MS" panose="020B0604020202020204" pitchFamily="34" charset="-128"/>
-                <a:cs typeface="Arial Unicode MS" panose="020B0604020202020204" pitchFamily="34" charset="-128"/>
-                <a:sym typeface="Iowan Old Style Roman"/>
-              </a:rPr>
-              <a:t>data_type</a:t>
-            </a:r>
-            <a:r>
-              <a:rPr lang="en-US" sz="2600" dirty="0">
-                <a:solidFill>
-                  <a:schemeClr val="tx1"/>
-                </a:solidFill>
-                <a:latin typeface="Arial Unicode MS" panose="020B0604020202020204" pitchFamily="34" charset="-128"/>
-                <a:ea typeface="Arial Unicode MS" panose="020B0604020202020204" pitchFamily="34" charset="-128"/>
-                <a:cs typeface="Arial Unicode MS" panose="020B0604020202020204" pitchFamily="34" charset="-128"/>
-                <a:sym typeface="Iowan Old Style Roman"/>
-              </a:rPr>
-              <a:t>(size),</a:t>
-            </a:r>
-          </a:p>
-          <a:p>
-            <a:pPr marL="38100" lvl="0">
-              <a:spcBef>
-                <a:spcPts val="700"/>
-              </a:spcBef>
-              <a:buSzPct val="50000"/>
-              <a:defRPr sz="1800">
-                <a:solidFill>
-                  <a:srgbClr val="000000"/>
-                </a:solidFill>
-                <a:uFillTx/>
-              </a:defRPr>
-            </a:pPr>
-            <a:r>
-              <a:rPr lang="en-US" sz="2600" dirty="0">
-                <a:solidFill>
-                  <a:schemeClr val="tx1"/>
-                </a:solidFill>
-                <a:latin typeface="Arial Unicode MS" panose="020B0604020202020204" pitchFamily="34" charset="-128"/>
-                <a:ea typeface="Arial Unicode MS" panose="020B0604020202020204" pitchFamily="34" charset="-128"/>
-                <a:cs typeface="Arial Unicode MS" panose="020B0604020202020204" pitchFamily="34" charset="-128"/>
-                <a:sym typeface="Iowan Old Style Roman"/>
-              </a:rPr>
-              <a:t>....</a:t>
-            </a:r>
-          </a:p>
-          <a:p>
-            <a:pPr marL="38100" lvl="0">
-              <a:spcBef>
-                <a:spcPts val="700"/>
-              </a:spcBef>
-              <a:buSzPct val="50000"/>
-              <a:defRPr sz="1800">
-                <a:solidFill>
-                  <a:srgbClr val="000000"/>
-                </a:solidFill>
-                <a:uFillTx/>
-              </a:defRPr>
-            </a:pPr>
-            <a:r>
-              <a:rPr lang="en-US" sz="2600" dirty="0">
-                <a:solidFill>
-                  <a:schemeClr val="tx1"/>
-                </a:solidFill>
-                <a:latin typeface="Arial Unicode MS" panose="020B0604020202020204" pitchFamily="34" charset="-128"/>
-                <a:ea typeface="Arial Unicode MS" panose="020B0604020202020204" pitchFamily="34" charset="-128"/>
-                <a:cs typeface="Arial Unicode MS" panose="020B0604020202020204" pitchFamily="34" charset="-128"/>
-                <a:sym typeface="Iowan Old Style Roman"/>
-              </a:rPr>
-              <a:t>);</a:t>
-            </a:r>
-            <a:endParaRPr lang="en-US" sz="2600" dirty="0">
-              <a:solidFill>
-                <a:schemeClr val="tx1"/>
-              </a:solidFill>
-              <a:uFill>
-                <a:solidFill/>
-              </a:uFill>
-              <a:latin typeface="Arial Unicode MS" panose="020B0604020202020204" pitchFamily="34" charset="-128"/>
-              <a:ea typeface="Arial Unicode MS" panose="020B0604020202020204" pitchFamily="34" charset="-128"/>
-              <a:cs typeface="Arial Unicode MS" panose="020B0604020202020204" pitchFamily="34" charset="-128"/>
-              <a:sym typeface="Iowan Old Style Roman"/>
-            </a:endParaRPr>
-          </a:p>
-        </p:txBody>
-      </p:sp>
-    </p:spTree>
-    <p:extLst>
-      <p:ext uri="{BB962C8B-B14F-4D97-AF65-F5344CB8AC3E}">
-        <p14:creationId xmlns:p14="http://schemas.microsoft.com/office/powerpoint/2010/main" val="1306090149"/>
-      </p:ext>
-    </p:extLst>
-  </p:cSld>
-  <p:clrMapOvr>
-    <a:masterClrMapping/>
-  </p:clrMapOvr>
-  <p:transition spd="med"/>
-</p:sld>
-</file>
-
-<file path=ppt/slides/slide31.xml><?xml version="1.0" encoding="utf-8"?>
-<p:sld xmlns:a="http://schemas.openxmlformats.org/drawingml/2006/main" xmlns:r="http://schemas.openxmlformats.org/officeDocument/2006/relationships" xmlns:p="http://schemas.openxmlformats.org/presentationml/2006/main">
-  <p:cSld>
-    <p:spTree>
-      <p:nvGrpSpPr>
-        <p:cNvPr id="1" name=""/>
-        <p:cNvGrpSpPr/>
-        <p:nvPr/>
-      </p:nvGrpSpPr>
-      <p:grpSpPr>
-        <a:xfrm>
-          <a:off x="0" y="0"/>
-          <a:ext cx="0" cy="0"/>
-          <a:chOff x="0" y="0"/>
-          <a:chExt cx="0" cy="0"/>
-        </a:xfrm>
-      </p:grpSpPr>
-      <p:sp>
-        <p:nvSpPr>
-          <p:cNvPr id="191" name="Shape 191"/>
-          <p:cNvSpPr/>
-          <p:nvPr/>
-        </p:nvSpPr>
-        <p:spPr>
-          <a:xfrm>
-            <a:off x="386308" y="147496"/>
-            <a:ext cx="7757379" cy="553998"/>
-          </a:xfrm>
-          <a:prstGeom prst="rect">
-            <a:avLst/>
-          </a:prstGeom>
-          <a:ln w="12700">
-            <a:miter lim="400000"/>
-          </a:ln>
-          <a:extLst>
-            <a:ext uri="{C572A759-6A51-4108-AA02-DFA0A04FC94B}">
-              <ma14:wrappingTextBoxFlag xmlns="" xmlns:ma14="http://schemas.microsoft.com/office/mac/drawingml/2011/main" val="1"/>
-            </a:ext>
-          </a:extLst>
-        </p:spPr>
-        <p:txBody>
-          <a:bodyPr lIns="45719" rIns="45719">
-            <a:spAutoFit/>
-          </a:bodyPr>
-          <a:lstStyle>
-            <a:lvl1pPr>
-              <a:defRPr sz="3000" b="1">
-                <a:uFill>
-                  <a:solidFill>
-                    <a:srgbClr val="FFFFFF"/>
-                  </a:solidFill>
-                </a:uFill>
-              </a:defRPr>
-            </a:lvl1pPr>
-          </a:lstStyle>
-          <a:p>
-            <a:pPr lvl="0">
-              <a:defRPr sz="1800" b="0">
-                <a:solidFill>
-                  <a:srgbClr val="000000"/>
-                </a:solidFill>
-                <a:uFillTx/>
-              </a:defRPr>
-            </a:pPr>
-            <a:r>
-              <a:rPr lang="en-US" sz="3000" b="1" dirty="0">
-                <a:solidFill>
-                  <a:srgbClr val="57068C"/>
-                </a:solidFill>
-                <a:uFill>
-                  <a:solidFill>
-                    <a:srgbClr val="FFFFFF"/>
-                  </a:solidFill>
-                </a:uFill>
-                <a:latin typeface="Arial Unicode MS" panose="020B0604020202020204" pitchFamily="34" charset="-128"/>
-                <a:ea typeface="Arial Unicode MS" panose="020B0604020202020204" pitchFamily="34" charset="-128"/>
-                <a:cs typeface="Arial Unicode MS" panose="020B0604020202020204" pitchFamily="34" charset="-128"/>
-              </a:rPr>
-              <a:t>SQL Statements to create tables</a:t>
-            </a:r>
-            <a:endParaRPr sz="3000" b="1" dirty="0">
-              <a:solidFill>
-                <a:srgbClr val="57068C"/>
-              </a:solidFill>
-              <a:uFill>
-                <a:solidFill>
-                  <a:srgbClr val="FFFFFF"/>
-                </a:solidFill>
-              </a:uFill>
-              <a:latin typeface="Arial Unicode MS" panose="020B0604020202020204" pitchFamily="34" charset="-128"/>
-              <a:ea typeface="Arial Unicode MS" panose="020B0604020202020204" pitchFamily="34" charset="-128"/>
-              <a:cs typeface="Arial Unicode MS" panose="020B0604020202020204" pitchFamily="34" charset="-128"/>
-            </a:endParaRPr>
-          </a:p>
-        </p:txBody>
-      </p:sp>
-      <p:sp>
-        <p:nvSpPr>
-          <p:cNvPr id="192" name="Shape 192"/>
-          <p:cNvSpPr/>
-          <p:nvPr/>
-        </p:nvSpPr>
-        <p:spPr>
-          <a:xfrm>
-            <a:off x="469899" y="2022157"/>
-            <a:ext cx="7590196" cy="2893100"/>
-          </a:xfrm>
-          <a:prstGeom prst="rect">
-            <a:avLst/>
-          </a:prstGeom>
-          <a:ln w="12700">
-            <a:miter lim="400000"/>
-          </a:ln>
-          <a:extLst>
-            <a:ext uri="{C572A759-6A51-4108-AA02-DFA0A04FC94B}">
-              <ma14:wrappingTextBoxFlag xmlns="" xmlns:ma14="http://schemas.microsoft.com/office/mac/drawingml/2011/main" val="1"/>
-            </a:ext>
-          </a:extLst>
-        </p:spPr>
-        <p:txBody>
-          <a:bodyPr lIns="45719" rIns="45719">
-            <a:spAutoFit/>
-          </a:bodyPr>
-          <a:lstStyle/>
-          <a:p>
-            <a:pPr marL="38100" lvl="0">
-              <a:spcBef>
-                <a:spcPts val="700"/>
-              </a:spcBef>
-              <a:buSzPct val="50000"/>
-              <a:defRPr sz="1800">
-                <a:solidFill>
-                  <a:srgbClr val="000000"/>
-                </a:solidFill>
-                <a:uFillTx/>
-              </a:defRPr>
-            </a:pPr>
-            <a:r>
-              <a:rPr lang="en-US" sz="2600" dirty="0">
-                <a:solidFill>
-                  <a:schemeClr val="tx1"/>
-                </a:solidFill>
-                <a:latin typeface="Arial Unicode MS" panose="020B0604020202020204" pitchFamily="34" charset="-128"/>
-                <a:ea typeface="Arial Unicode MS" panose="020B0604020202020204" pitchFamily="34" charset="-128"/>
-                <a:cs typeface="Arial Unicode MS" panose="020B0604020202020204" pitchFamily="34" charset="-128"/>
-                <a:sym typeface="Iowan Old Style Roman"/>
-              </a:rPr>
-              <a:t>CREATE TABLE Rate </a:t>
-            </a:r>
-            <a:br>
-              <a:rPr lang="en-US" sz="2600" dirty="0">
-                <a:solidFill>
-                  <a:schemeClr val="tx1"/>
-                </a:solidFill>
-                <a:latin typeface="Arial Unicode MS" panose="020B0604020202020204" pitchFamily="34" charset="-128"/>
-                <a:ea typeface="Arial Unicode MS" panose="020B0604020202020204" pitchFamily="34" charset="-128"/>
-                <a:cs typeface="Arial Unicode MS" panose="020B0604020202020204" pitchFamily="34" charset="-128"/>
-                <a:sym typeface="Iowan Old Style Roman"/>
-              </a:rPr>
-            </a:br>
-            <a:r>
-              <a:rPr lang="en-US" sz="2600" dirty="0">
-                <a:solidFill>
-                  <a:schemeClr val="tx1"/>
-                </a:solidFill>
-                <a:latin typeface="Arial Unicode MS" panose="020B0604020202020204" pitchFamily="34" charset="-128"/>
-                <a:ea typeface="Arial Unicode MS" panose="020B0604020202020204" pitchFamily="34" charset="-128"/>
-                <a:cs typeface="Arial Unicode MS" panose="020B0604020202020204" pitchFamily="34" charset="-128"/>
-                <a:sym typeface="Iowan Old Style Roman"/>
-              </a:rPr>
-              <a:t>(</a:t>
-            </a:r>
-            <a:br>
-              <a:rPr lang="en-US" sz="2600" dirty="0">
-                <a:solidFill>
-                  <a:schemeClr val="tx1"/>
-                </a:solidFill>
-                <a:latin typeface="Arial Unicode MS" panose="020B0604020202020204" pitchFamily="34" charset="-128"/>
-                <a:ea typeface="Arial Unicode MS" panose="020B0604020202020204" pitchFamily="34" charset="-128"/>
-                <a:cs typeface="Arial Unicode MS" panose="020B0604020202020204" pitchFamily="34" charset="-128"/>
-                <a:sym typeface="Iowan Old Style Roman"/>
-              </a:rPr>
-            </a:br>
-            <a:r>
-              <a:rPr lang="en-US" sz="2600" dirty="0">
-                <a:solidFill>
-                  <a:schemeClr val="tx1"/>
-                </a:solidFill>
-                <a:latin typeface="Arial Unicode MS" panose="020B0604020202020204" pitchFamily="34" charset="-128"/>
-                <a:ea typeface="Arial Unicode MS" panose="020B0604020202020204" pitchFamily="34" charset="-128"/>
-                <a:cs typeface="Arial Unicode MS" panose="020B0604020202020204" pitchFamily="34" charset="-128"/>
-                <a:sym typeface="Iowan Old Style Roman"/>
-              </a:rPr>
-              <a:t>id INT,</a:t>
-            </a:r>
-            <a:br>
-              <a:rPr lang="en-US" sz="2600" dirty="0">
-                <a:solidFill>
-                  <a:schemeClr val="tx1"/>
-                </a:solidFill>
-                <a:latin typeface="Arial Unicode MS" panose="020B0604020202020204" pitchFamily="34" charset="-128"/>
-                <a:ea typeface="Arial Unicode MS" panose="020B0604020202020204" pitchFamily="34" charset="-128"/>
-                <a:cs typeface="Arial Unicode MS" panose="020B0604020202020204" pitchFamily="34" charset="-128"/>
-                <a:sym typeface="Iowan Old Style Roman"/>
-              </a:rPr>
-            </a:br>
-            <a:r>
-              <a:rPr lang="en-US" sz="2600" dirty="0">
-                <a:solidFill>
-                  <a:schemeClr val="tx1"/>
-                </a:solidFill>
-                <a:latin typeface="Arial Unicode MS" panose="020B0604020202020204" pitchFamily="34" charset="-128"/>
-                <a:ea typeface="Arial Unicode MS" panose="020B0604020202020204" pitchFamily="34" charset="-128"/>
-                <a:cs typeface="Arial Unicode MS" panose="020B0604020202020204" pitchFamily="34" charset="-128"/>
-                <a:sym typeface="Iowan Old Style Roman"/>
-              </a:rPr>
-              <a:t>name VARCHAR(20),</a:t>
-            </a:r>
-            <a:br>
-              <a:rPr lang="en-US" sz="2600" dirty="0">
-                <a:solidFill>
-                  <a:schemeClr val="tx1"/>
-                </a:solidFill>
-                <a:latin typeface="Arial Unicode MS" panose="020B0604020202020204" pitchFamily="34" charset="-128"/>
-                <a:ea typeface="Arial Unicode MS" panose="020B0604020202020204" pitchFamily="34" charset="-128"/>
-                <a:cs typeface="Arial Unicode MS" panose="020B0604020202020204" pitchFamily="34" charset="-128"/>
-                <a:sym typeface="Iowan Old Style Roman"/>
-              </a:rPr>
-            </a:br>
-            <a:r>
-              <a:rPr lang="en-US" sz="2600" dirty="0">
-                <a:solidFill>
-                  <a:schemeClr val="tx1"/>
-                </a:solidFill>
-                <a:latin typeface="Arial Unicode MS" panose="020B0604020202020204" pitchFamily="34" charset="-128"/>
-                <a:ea typeface="Arial Unicode MS" panose="020B0604020202020204" pitchFamily="34" charset="-128"/>
-                <a:cs typeface="Arial Unicode MS" panose="020B0604020202020204" pitchFamily="34" charset="-128"/>
-                <a:sym typeface="Iowan Old Style Roman"/>
-              </a:rPr>
-              <a:t>price FLOAT,</a:t>
-            </a:r>
-            <a:br>
-              <a:rPr lang="en-US" sz="2600" dirty="0">
-                <a:solidFill>
-                  <a:schemeClr val="tx1"/>
-                </a:solidFill>
-                <a:latin typeface="Arial Unicode MS" panose="020B0604020202020204" pitchFamily="34" charset="-128"/>
-                <a:ea typeface="Arial Unicode MS" panose="020B0604020202020204" pitchFamily="34" charset="-128"/>
-                <a:cs typeface="Arial Unicode MS" panose="020B0604020202020204" pitchFamily="34" charset="-128"/>
-                <a:sym typeface="Iowan Old Style Roman"/>
-              </a:rPr>
-            </a:br>
-            <a:r>
-              <a:rPr lang="en-US" sz="2600" dirty="0" err="1">
-                <a:solidFill>
-                  <a:schemeClr val="tx1"/>
-                </a:solidFill>
-                <a:latin typeface="Arial Unicode MS" panose="020B0604020202020204" pitchFamily="34" charset="-128"/>
-                <a:ea typeface="Arial Unicode MS" panose="020B0604020202020204" pitchFamily="34" charset="-128"/>
-                <a:cs typeface="Arial Unicode MS" panose="020B0604020202020204" pitchFamily="34" charset="-128"/>
-                <a:sym typeface="Iowan Old Style Roman"/>
-              </a:rPr>
-              <a:t>startdate</a:t>
-            </a:r>
-            <a:r>
-              <a:rPr lang="en-US" sz="2600" dirty="0">
-                <a:solidFill>
-                  <a:schemeClr val="tx1"/>
-                </a:solidFill>
-                <a:latin typeface="Arial Unicode MS" panose="020B0604020202020204" pitchFamily="34" charset="-128"/>
-                <a:ea typeface="Arial Unicode MS" panose="020B0604020202020204" pitchFamily="34" charset="-128"/>
-                <a:cs typeface="Arial Unicode MS" panose="020B0604020202020204" pitchFamily="34" charset="-128"/>
-                <a:sym typeface="Iowan Old Style Roman"/>
-              </a:rPr>
-              <a:t> DATE</a:t>
-            </a:r>
-            <a:br>
-              <a:rPr lang="en-US" sz="2600" dirty="0">
-                <a:solidFill>
-                  <a:schemeClr val="tx1"/>
-                </a:solidFill>
-                <a:latin typeface="Arial Unicode MS" panose="020B0604020202020204" pitchFamily="34" charset="-128"/>
-                <a:ea typeface="Arial Unicode MS" panose="020B0604020202020204" pitchFamily="34" charset="-128"/>
-                <a:cs typeface="Arial Unicode MS" panose="020B0604020202020204" pitchFamily="34" charset="-128"/>
-                <a:sym typeface="Iowan Old Style Roman"/>
-              </a:rPr>
-            </a:br>
-            <a:r>
-              <a:rPr lang="en-US" sz="2600" dirty="0">
-                <a:solidFill>
-                  <a:schemeClr val="tx1"/>
-                </a:solidFill>
-                <a:latin typeface="Arial Unicode MS" panose="020B0604020202020204" pitchFamily="34" charset="-128"/>
-                <a:ea typeface="Arial Unicode MS" panose="020B0604020202020204" pitchFamily="34" charset="-128"/>
-                <a:cs typeface="Arial Unicode MS" panose="020B0604020202020204" pitchFamily="34" charset="-128"/>
-                <a:sym typeface="Iowan Old Style Roman"/>
-              </a:rPr>
-              <a:t>);</a:t>
-            </a:r>
-            <a:endParaRPr lang="en-US" sz="2600" dirty="0">
-              <a:solidFill>
-                <a:schemeClr val="tx1"/>
-              </a:solidFill>
-              <a:uFill>
-                <a:solidFill/>
-              </a:uFill>
-              <a:latin typeface="Arial Unicode MS" panose="020B0604020202020204" pitchFamily="34" charset="-128"/>
-              <a:ea typeface="Arial Unicode MS" panose="020B0604020202020204" pitchFamily="34" charset="-128"/>
-              <a:cs typeface="Arial Unicode MS" panose="020B0604020202020204" pitchFamily="34" charset="-128"/>
-              <a:sym typeface="Iowan Old Style Roman"/>
-            </a:endParaRPr>
-          </a:p>
-        </p:txBody>
-      </p:sp>
-    </p:spTree>
-    <p:extLst>
-      <p:ext uri="{BB962C8B-B14F-4D97-AF65-F5344CB8AC3E}">
-        <p14:creationId xmlns:p14="http://schemas.microsoft.com/office/powerpoint/2010/main" val="2370860146"/>
-      </p:ext>
-    </p:extLst>
-  </p:cSld>
-  <p:clrMapOvr>
-    <a:masterClrMapping/>
-  </p:clrMapOvr>
-  <p:transition spd="med"/>
-</p:sld>
-</file>
-
-<file path=ppt/slides/slide32.xml><?xml version="1.0" encoding="utf-8"?>
-<p:sld xmlns:a="http://schemas.openxmlformats.org/drawingml/2006/main" xmlns:r="http://schemas.openxmlformats.org/officeDocument/2006/relationships" xmlns:p="http://schemas.openxmlformats.org/presentationml/2006/main">
-  <p:cSld>
-    <p:spTree>
-      <p:nvGrpSpPr>
-        <p:cNvPr id="1" name=""/>
-        <p:cNvGrpSpPr/>
-        <p:nvPr/>
-      </p:nvGrpSpPr>
-      <p:grpSpPr>
-        <a:xfrm>
-          <a:off x="0" y="0"/>
-          <a:ext cx="0" cy="0"/>
-          <a:chOff x="0" y="0"/>
-          <a:chExt cx="0" cy="0"/>
-        </a:xfrm>
-      </p:grpSpPr>
-      <p:sp>
-        <p:nvSpPr>
-          <p:cNvPr id="191" name="Shape 191"/>
-          <p:cNvSpPr/>
-          <p:nvPr/>
-        </p:nvSpPr>
-        <p:spPr>
-          <a:xfrm>
-            <a:off x="386308" y="147496"/>
-            <a:ext cx="7757379" cy="553998"/>
-          </a:xfrm>
-          <a:prstGeom prst="rect">
-            <a:avLst/>
-          </a:prstGeom>
-          <a:ln w="12700">
-            <a:miter lim="400000"/>
-          </a:ln>
-          <a:extLst>
-            <a:ext uri="{C572A759-6A51-4108-AA02-DFA0A04FC94B}">
-              <ma14:wrappingTextBoxFlag xmlns="" xmlns:ma14="http://schemas.microsoft.com/office/mac/drawingml/2011/main" val="1"/>
-            </a:ext>
-          </a:extLst>
-        </p:spPr>
-        <p:txBody>
-          <a:bodyPr lIns="45719" rIns="45719">
-            <a:spAutoFit/>
-          </a:bodyPr>
-          <a:lstStyle>
-            <a:lvl1pPr>
-              <a:defRPr sz="3000" b="1">
-                <a:uFill>
-                  <a:solidFill>
-                    <a:srgbClr val="FFFFFF"/>
-                  </a:solidFill>
-                </a:uFill>
-              </a:defRPr>
-            </a:lvl1pPr>
-          </a:lstStyle>
-          <a:p>
-            <a:pPr lvl="0">
-              <a:defRPr sz="1800" b="0">
-                <a:solidFill>
-                  <a:srgbClr val="000000"/>
-                </a:solidFill>
-                <a:uFillTx/>
-              </a:defRPr>
-            </a:pPr>
-            <a:r>
-              <a:rPr lang="en-US" sz="3000" b="1" dirty="0">
-                <a:solidFill>
-                  <a:srgbClr val="57068C"/>
-                </a:solidFill>
-                <a:uFill>
-                  <a:solidFill>
-                    <a:srgbClr val="FFFFFF"/>
-                  </a:solidFill>
-                </a:uFill>
-                <a:latin typeface="Arial Unicode MS" panose="020B0604020202020204" pitchFamily="34" charset="-128"/>
-                <a:ea typeface="Arial Unicode MS" panose="020B0604020202020204" pitchFamily="34" charset="-128"/>
-                <a:cs typeface="Arial Unicode MS" panose="020B0604020202020204" pitchFamily="34" charset="-128"/>
-              </a:rPr>
-              <a:t>Define primary key</a:t>
-            </a:r>
-            <a:endParaRPr sz="3000" b="1" dirty="0">
-              <a:solidFill>
-                <a:srgbClr val="57068C"/>
-              </a:solidFill>
-              <a:uFill>
-                <a:solidFill>
-                  <a:srgbClr val="FFFFFF"/>
-                </a:solidFill>
-              </a:uFill>
-              <a:latin typeface="Arial Unicode MS" panose="020B0604020202020204" pitchFamily="34" charset="-128"/>
-              <a:ea typeface="Arial Unicode MS" panose="020B0604020202020204" pitchFamily="34" charset="-128"/>
-              <a:cs typeface="Arial Unicode MS" panose="020B0604020202020204" pitchFamily="34" charset="-128"/>
-            </a:endParaRPr>
-          </a:p>
-        </p:txBody>
-      </p:sp>
-      <p:sp>
-        <p:nvSpPr>
-          <p:cNvPr id="192" name="Shape 192"/>
-          <p:cNvSpPr/>
-          <p:nvPr/>
-        </p:nvSpPr>
-        <p:spPr>
-          <a:xfrm>
-            <a:off x="469899" y="2022157"/>
-            <a:ext cx="7590196" cy="3472746"/>
-          </a:xfrm>
-          <a:prstGeom prst="rect">
-            <a:avLst/>
-          </a:prstGeom>
-          <a:ln w="12700">
-            <a:miter lim="400000"/>
-          </a:ln>
-          <a:extLst>
-            <a:ext uri="{C572A759-6A51-4108-AA02-DFA0A04FC94B}">
-              <ma14:wrappingTextBoxFlag xmlns="" xmlns:ma14="http://schemas.microsoft.com/office/mac/drawingml/2011/main" val="1"/>
-            </a:ext>
-          </a:extLst>
-        </p:spPr>
-        <p:txBody>
-          <a:bodyPr lIns="45719" rIns="45719">
-            <a:spAutoFit/>
-          </a:bodyPr>
-          <a:lstStyle/>
-          <a:p>
-            <a:pPr marL="38100" lvl="0">
-              <a:spcBef>
-                <a:spcPts val="700"/>
-              </a:spcBef>
-              <a:buSzPct val="50000"/>
-              <a:defRPr sz="1800">
-                <a:solidFill>
-                  <a:srgbClr val="000000"/>
-                </a:solidFill>
-                <a:uFillTx/>
-              </a:defRPr>
-            </a:pPr>
-            <a:r>
-              <a:rPr lang="en-US" sz="2600" dirty="0">
-                <a:solidFill>
-                  <a:schemeClr val="tx1"/>
-                </a:solidFill>
-                <a:latin typeface="Arial Unicode MS" panose="020B0604020202020204" pitchFamily="34" charset="-128"/>
-                <a:ea typeface="Arial Unicode MS" panose="020B0604020202020204" pitchFamily="34" charset="-128"/>
-                <a:cs typeface="Arial Unicode MS" panose="020B0604020202020204" pitchFamily="34" charset="-128"/>
-                <a:sym typeface="Iowan Old Style Roman"/>
-              </a:rPr>
-              <a:t>CREATE TABLE Rate </a:t>
-            </a:r>
-            <a:br>
-              <a:rPr lang="en-US" sz="2600" dirty="0">
-                <a:solidFill>
-                  <a:schemeClr val="tx1"/>
-                </a:solidFill>
-                <a:latin typeface="Arial Unicode MS" panose="020B0604020202020204" pitchFamily="34" charset="-128"/>
-                <a:ea typeface="Arial Unicode MS" panose="020B0604020202020204" pitchFamily="34" charset="-128"/>
-                <a:cs typeface="Arial Unicode MS" panose="020B0604020202020204" pitchFamily="34" charset="-128"/>
-                <a:sym typeface="Iowan Old Style Roman"/>
-              </a:rPr>
-            </a:br>
-            <a:r>
-              <a:rPr lang="en-US" sz="2600" dirty="0">
-                <a:solidFill>
-                  <a:schemeClr val="tx1"/>
-                </a:solidFill>
-                <a:latin typeface="Arial Unicode MS" panose="020B0604020202020204" pitchFamily="34" charset="-128"/>
-                <a:ea typeface="Arial Unicode MS" panose="020B0604020202020204" pitchFamily="34" charset="-128"/>
-                <a:cs typeface="Arial Unicode MS" panose="020B0604020202020204" pitchFamily="34" charset="-128"/>
-                <a:sym typeface="Iowan Old Style Roman"/>
-              </a:rPr>
-              <a:t>(</a:t>
-            </a:r>
-            <a:br>
-              <a:rPr lang="en-US" sz="2600" dirty="0">
-                <a:solidFill>
-                  <a:schemeClr val="tx1"/>
-                </a:solidFill>
-                <a:latin typeface="Arial Unicode MS" panose="020B0604020202020204" pitchFamily="34" charset="-128"/>
-                <a:ea typeface="Arial Unicode MS" panose="020B0604020202020204" pitchFamily="34" charset="-128"/>
-                <a:cs typeface="Arial Unicode MS" panose="020B0604020202020204" pitchFamily="34" charset="-128"/>
-                <a:sym typeface="Iowan Old Style Roman"/>
-              </a:rPr>
-            </a:br>
-            <a:r>
-              <a:rPr lang="en-US" sz="2600" dirty="0">
-                <a:solidFill>
-                  <a:schemeClr val="tx1"/>
-                </a:solidFill>
-                <a:latin typeface="Arial Unicode MS" panose="020B0604020202020204" pitchFamily="34" charset="-128"/>
-                <a:ea typeface="Arial Unicode MS" panose="020B0604020202020204" pitchFamily="34" charset="-128"/>
-                <a:cs typeface="Arial Unicode MS" panose="020B0604020202020204" pitchFamily="34" charset="-128"/>
-                <a:sym typeface="Iowan Old Style Roman"/>
-              </a:rPr>
-              <a:t>id INT,</a:t>
-            </a:r>
-            <a:br>
-              <a:rPr lang="en-US" sz="2600" dirty="0">
-                <a:solidFill>
-                  <a:schemeClr val="tx1"/>
-                </a:solidFill>
-                <a:latin typeface="Arial Unicode MS" panose="020B0604020202020204" pitchFamily="34" charset="-128"/>
-                <a:ea typeface="Arial Unicode MS" panose="020B0604020202020204" pitchFamily="34" charset="-128"/>
-                <a:cs typeface="Arial Unicode MS" panose="020B0604020202020204" pitchFamily="34" charset="-128"/>
-                <a:sym typeface="Iowan Old Style Roman"/>
-              </a:rPr>
-            </a:br>
-            <a:r>
-              <a:rPr lang="en-US" sz="2600" dirty="0">
-                <a:solidFill>
-                  <a:schemeClr val="tx1"/>
-                </a:solidFill>
-                <a:latin typeface="Arial Unicode MS" panose="020B0604020202020204" pitchFamily="34" charset="-128"/>
-                <a:ea typeface="Arial Unicode MS" panose="020B0604020202020204" pitchFamily="34" charset="-128"/>
-                <a:cs typeface="Arial Unicode MS" panose="020B0604020202020204" pitchFamily="34" charset="-128"/>
-                <a:sym typeface="Iowan Old Style Roman"/>
-              </a:rPr>
-              <a:t>name VARCHAR(20),</a:t>
-            </a:r>
-            <a:br>
-              <a:rPr lang="en-US" sz="2600" dirty="0">
-                <a:solidFill>
-                  <a:schemeClr val="tx1"/>
-                </a:solidFill>
-                <a:latin typeface="Arial Unicode MS" panose="020B0604020202020204" pitchFamily="34" charset="-128"/>
-                <a:ea typeface="Arial Unicode MS" panose="020B0604020202020204" pitchFamily="34" charset="-128"/>
-                <a:cs typeface="Arial Unicode MS" panose="020B0604020202020204" pitchFamily="34" charset="-128"/>
-                <a:sym typeface="Iowan Old Style Roman"/>
-              </a:rPr>
-            </a:br>
-            <a:r>
-              <a:rPr lang="en-US" sz="2600" dirty="0">
-                <a:solidFill>
-                  <a:schemeClr val="tx1"/>
-                </a:solidFill>
-                <a:latin typeface="Arial Unicode MS" panose="020B0604020202020204" pitchFamily="34" charset="-128"/>
-                <a:ea typeface="Arial Unicode MS" panose="020B0604020202020204" pitchFamily="34" charset="-128"/>
-                <a:cs typeface="Arial Unicode MS" panose="020B0604020202020204" pitchFamily="34" charset="-128"/>
-                <a:sym typeface="Iowan Old Style Roman"/>
-              </a:rPr>
-              <a:t>price FLOAT,</a:t>
-            </a:r>
-            <a:br>
-              <a:rPr lang="en-US" sz="2600" dirty="0">
-                <a:solidFill>
-                  <a:schemeClr val="tx1"/>
-                </a:solidFill>
-                <a:latin typeface="Arial Unicode MS" panose="020B0604020202020204" pitchFamily="34" charset="-128"/>
-                <a:ea typeface="Arial Unicode MS" panose="020B0604020202020204" pitchFamily="34" charset="-128"/>
-                <a:cs typeface="Arial Unicode MS" panose="020B0604020202020204" pitchFamily="34" charset="-128"/>
-                <a:sym typeface="Iowan Old Style Roman"/>
-              </a:rPr>
-            </a:br>
-            <a:r>
-              <a:rPr lang="en-US" sz="2600" dirty="0" err="1">
-                <a:solidFill>
-                  <a:schemeClr val="tx1"/>
-                </a:solidFill>
-                <a:latin typeface="Arial Unicode MS" panose="020B0604020202020204" pitchFamily="34" charset="-128"/>
-                <a:ea typeface="Arial Unicode MS" panose="020B0604020202020204" pitchFamily="34" charset="-128"/>
-                <a:cs typeface="Arial Unicode MS" panose="020B0604020202020204" pitchFamily="34" charset="-128"/>
-                <a:sym typeface="Iowan Old Style Roman"/>
-              </a:rPr>
-              <a:t>startdate</a:t>
-            </a:r>
-            <a:r>
-              <a:rPr lang="en-US" sz="2600" dirty="0">
-                <a:solidFill>
-                  <a:schemeClr val="tx1"/>
-                </a:solidFill>
-                <a:latin typeface="Arial Unicode MS" panose="020B0604020202020204" pitchFamily="34" charset="-128"/>
-                <a:ea typeface="Arial Unicode MS" panose="020B0604020202020204" pitchFamily="34" charset="-128"/>
-                <a:cs typeface="Arial Unicode MS" panose="020B0604020202020204" pitchFamily="34" charset="-128"/>
-                <a:sym typeface="Iowan Old Style Roman"/>
-              </a:rPr>
-              <a:t> DATE,</a:t>
-            </a:r>
-          </a:p>
-          <a:p>
-            <a:pPr marL="38100" lvl="0">
-              <a:spcBef>
-                <a:spcPts val="700"/>
-              </a:spcBef>
-              <a:buSzPct val="50000"/>
-              <a:defRPr sz="1800">
-                <a:solidFill>
-                  <a:srgbClr val="000000"/>
-                </a:solidFill>
-                <a:uFillTx/>
-              </a:defRPr>
-            </a:pPr>
-            <a:r>
-              <a:rPr lang="en-US" sz="2600" b="1" dirty="0">
-                <a:solidFill>
-                  <a:srgbClr val="57068C"/>
-                </a:solidFill>
-                <a:latin typeface="Arial Unicode MS" panose="020B0604020202020204" pitchFamily="34" charset="-128"/>
-                <a:ea typeface="Arial Unicode MS" panose="020B0604020202020204" pitchFamily="34" charset="-128"/>
-                <a:cs typeface="Arial Unicode MS" panose="020B0604020202020204" pitchFamily="34" charset="-128"/>
-                <a:sym typeface="Iowan Old Style Roman"/>
-              </a:rPr>
-              <a:t>PRIMARY KEY(id)</a:t>
-            </a:r>
-          </a:p>
-          <a:p>
-            <a:pPr marL="38100" lvl="0">
-              <a:spcBef>
-                <a:spcPts val="700"/>
-              </a:spcBef>
-              <a:buSzPct val="50000"/>
-              <a:defRPr sz="1800">
-                <a:solidFill>
-                  <a:srgbClr val="000000"/>
-                </a:solidFill>
-                <a:uFillTx/>
-              </a:defRPr>
-            </a:pPr>
-            <a:r>
-              <a:rPr lang="en-US" sz="2600" dirty="0">
-                <a:solidFill>
-                  <a:schemeClr val="tx1"/>
-                </a:solidFill>
-                <a:latin typeface="Arial Unicode MS" panose="020B0604020202020204" pitchFamily="34" charset="-128"/>
-                <a:ea typeface="Arial Unicode MS" panose="020B0604020202020204" pitchFamily="34" charset="-128"/>
-                <a:cs typeface="Arial Unicode MS" panose="020B0604020202020204" pitchFamily="34" charset="-128"/>
-                <a:sym typeface="Iowan Old Style Roman"/>
-              </a:rPr>
-              <a:t>);</a:t>
-            </a:r>
-            <a:endParaRPr lang="en-US" sz="2600" dirty="0">
-              <a:solidFill>
-                <a:schemeClr val="tx1"/>
-              </a:solidFill>
-              <a:uFill>
-                <a:solidFill/>
-              </a:uFill>
-              <a:latin typeface="Arial Unicode MS" panose="020B0604020202020204" pitchFamily="34" charset="-128"/>
-              <a:ea typeface="Arial Unicode MS" panose="020B0604020202020204" pitchFamily="34" charset="-128"/>
-              <a:cs typeface="Arial Unicode MS" panose="020B0604020202020204" pitchFamily="34" charset="-128"/>
-              <a:sym typeface="Iowan Old Style Roman"/>
-            </a:endParaRPr>
-          </a:p>
-        </p:txBody>
-      </p:sp>
-    </p:spTree>
-    <p:extLst>
-      <p:ext uri="{BB962C8B-B14F-4D97-AF65-F5344CB8AC3E}">
-        <p14:creationId xmlns:p14="http://schemas.microsoft.com/office/powerpoint/2010/main" val="330216793"/>
-      </p:ext>
-    </p:extLst>
-  </p:cSld>
-  <p:clrMapOvr>
-    <a:masterClrMapping/>
-  </p:clrMapOvr>
-  <p:transition spd="med"/>
-</p:sld>
-</file>
-
-<file path=ppt/slides/slide33.xml><?xml version="1.0" encoding="utf-8"?>
-<p:sld xmlns:a="http://schemas.openxmlformats.org/drawingml/2006/main" xmlns:r="http://schemas.openxmlformats.org/officeDocument/2006/relationships" xmlns:p="http://schemas.openxmlformats.org/presentationml/2006/main">
-  <p:cSld>
-    <p:spTree>
-      <p:nvGrpSpPr>
-        <p:cNvPr id="1" name=""/>
-        <p:cNvGrpSpPr/>
-        <p:nvPr/>
-      </p:nvGrpSpPr>
-      <p:grpSpPr>
-        <a:xfrm>
-          <a:off x="0" y="0"/>
-          <a:ext cx="0" cy="0"/>
-          <a:chOff x="0" y="0"/>
-          <a:chExt cx="0" cy="0"/>
-        </a:xfrm>
-      </p:grpSpPr>
-      <p:sp>
-        <p:nvSpPr>
-          <p:cNvPr id="191" name="Shape 191"/>
-          <p:cNvSpPr/>
-          <p:nvPr/>
-        </p:nvSpPr>
-        <p:spPr>
-          <a:xfrm>
-            <a:off x="386308" y="147496"/>
-            <a:ext cx="7757379" cy="553998"/>
-          </a:xfrm>
-          <a:prstGeom prst="rect">
-            <a:avLst/>
-          </a:prstGeom>
-          <a:ln w="12700">
-            <a:miter lim="400000"/>
-          </a:ln>
-          <a:extLst>
-            <a:ext uri="{C572A759-6A51-4108-AA02-DFA0A04FC94B}">
-              <ma14:wrappingTextBoxFlag xmlns="" xmlns:ma14="http://schemas.microsoft.com/office/mac/drawingml/2011/main" val="1"/>
-            </a:ext>
-          </a:extLst>
-        </p:spPr>
-        <p:txBody>
-          <a:bodyPr lIns="45719" rIns="45719">
-            <a:spAutoFit/>
-          </a:bodyPr>
-          <a:lstStyle>
-            <a:lvl1pPr>
-              <a:defRPr sz="3000" b="1">
-                <a:uFill>
-                  <a:solidFill>
-                    <a:srgbClr val="FFFFFF"/>
-                  </a:solidFill>
-                </a:uFill>
-              </a:defRPr>
-            </a:lvl1pPr>
-          </a:lstStyle>
-          <a:p>
-            <a:pPr lvl="0">
-              <a:defRPr sz="1800" b="0">
-                <a:solidFill>
-                  <a:srgbClr val="000000"/>
-                </a:solidFill>
-                <a:uFillTx/>
-              </a:defRPr>
-            </a:pPr>
-            <a:r>
-              <a:rPr lang="en-US" sz="3000" b="1" dirty="0">
-                <a:solidFill>
-                  <a:srgbClr val="57068C"/>
-                </a:solidFill>
-                <a:uFill>
-                  <a:solidFill>
-                    <a:srgbClr val="FFFFFF"/>
-                  </a:solidFill>
-                </a:uFill>
-                <a:latin typeface="Arial Unicode MS" panose="020B0604020202020204" pitchFamily="34" charset="-128"/>
-                <a:ea typeface="Arial Unicode MS" panose="020B0604020202020204" pitchFamily="34" charset="-128"/>
-                <a:cs typeface="Arial Unicode MS" panose="020B0604020202020204" pitchFamily="34" charset="-128"/>
-              </a:rPr>
-              <a:t>Define FOREIGN KEY</a:t>
-            </a:r>
-            <a:endParaRPr sz="3000" b="1" dirty="0">
-              <a:solidFill>
-                <a:srgbClr val="57068C"/>
-              </a:solidFill>
-              <a:uFill>
-                <a:solidFill>
-                  <a:srgbClr val="FFFFFF"/>
-                </a:solidFill>
-              </a:uFill>
-              <a:latin typeface="Arial Unicode MS" panose="020B0604020202020204" pitchFamily="34" charset="-128"/>
-              <a:ea typeface="Arial Unicode MS" panose="020B0604020202020204" pitchFamily="34" charset="-128"/>
-              <a:cs typeface="Arial Unicode MS" panose="020B0604020202020204" pitchFamily="34" charset="-128"/>
-            </a:endParaRPr>
-          </a:p>
-        </p:txBody>
-      </p:sp>
-      <p:sp>
-        <p:nvSpPr>
-          <p:cNvPr id="192" name="Shape 192"/>
-          <p:cNvSpPr/>
-          <p:nvPr/>
-        </p:nvSpPr>
-        <p:spPr>
-          <a:xfrm>
-            <a:off x="136071" y="2022157"/>
-            <a:ext cx="8746672" cy="4362733"/>
-          </a:xfrm>
-          <a:prstGeom prst="rect">
-            <a:avLst/>
-          </a:prstGeom>
-          <a:ln w="12700">
-            <a:miter lim="400000"/>
-          </a:ln>
-          <a:extLst>
-            <a:ext uri="{C572A759-6A51-4108-AA02-DFA0A04FC94B}">
-              <ma14:wrappingTextBoxFlag xmlns="" xmlns:ma14="http://schemas.microsoft.com/office/mac/drawingml/2011/main" val="1"/>
-            </a:ext>
-          </a:extLst>
-        </p:spPr>
-        <p:txBody>
-          <a:bodyPr wrap="square" lIns="45719" rIns="45719">
-            <a:spAutoFit/>
-          </a:bodyPr>
-          <a:lstStyle/>
-          <a:p>
-            <a:pPr marL="38100" lvl="0">
-              <a:spcBef>
-                <a:spcPts val="700"/>
-              </a:spcBef>
-              <a:buSzPct val="50000"/>
-              <a:defRPr sz="1800">
-                <a:solidFill>
-                  <a:srgbClr val="000000"/>
-                </a:solidFill>
-                <a:uFillTx/>
-              </a:defRPr>
-            </a:pPr>
-            <a:r>
-              <a:rPr lang="en-US" sz="2600" dirty="0">
-                <a:solidFill>
-                  <a:schemeClr val="tx1"/>
-                </a:solidFill>
-                <a:latin typeface="Arial Unicode MS" panose="020B0604020202020204" pitchFamily="34" charset="-128"/>
-                <a:ea typeface="Arial Unicode MS" panose="020B0604020202020204" pitchFamily="34" charset="-128"/>
-                <a:cs typeface="Arial Unicode MS" panose="020B0604020202020204" pitchFamily="34" charset="-128"/>
-                <a:sym typeface="Iowan Old Style Roman"/>
-              </a:rPr>
-              <a:t>CREATE TABLE Rate </a:t>
-            </a:r>
-            <a:br>
-              <a:rPr lang="en-US" sz="2600" dirty="0">
-                <a:solidFill>
-                  <a:schemeClr val="tx1"/>
-                </a:solidFill>
-                <a:latin typeface="Arial Unicode MS" panose="020B0604020202020204" pitchFamily="34" charset="-128"/>
-                <a:ea typeface="Arial Unicode MS" panose="020B0604020202020204" pitchFamily="34" charset="-128"/>
-                <a:cs typeface="Arial Unicode MS" panose="020B0604020202020204" pitchFamily="34" charset="-128"/>
-                <a:sym typeface="Iowan Old Style Roman"/>
-              </a:rPr>
-            </a:br>
-            <a:r>
-              <a:rPr lang="en-US" sz="2600" dirty="0">
-                <a:solidFill>
-                  <a:schemeClr val="tx1"/>
-                </a:solidFill>
-                <a:latin typeface="Arial Unicode MS" panose="020B0604020202020204" pitchFamily="34" charset="-128"/>
-                <a:ea typeface="Arial Unicode MS" panose="020B0604020202020204" pitchFamily="34" charset="-128"/>
-                <a:cs typeface="Arial Unicode MS" panose="020B0604020202020204" pitchFamily="34" charset="-128"/>
-                <a:sym typeface="Iowan Old Style Roman"/>
-              </a:rPr>
-              <a:t>(</a:t>
-            </a:r>
-            <a:br>
-              <a:rPr lang="en-US" sz="2600" dirty="0">
-                <a:solidFill>
-                  <a:schemeClr val="tx1"/>
-                </a:solidFill>
-                <a:latin typeface="Arial Unicode MS" panose="020B0604020202020204" pitchFamily="34" charset="-128"/>
-                <a:ea typeface="Arial Unicode MS" panose="020B0604020202020204" pitchFamily="34" charset="-128"/>
-                <a:cs typeface="Arial Unicode MS" panose="020B0604020202020204" pitchFamily="34" charset="-128"/>
-                <a:sym typeface="Iowan Old Style Roman"/>
-              </a:rPr>
-            </a:br>
-            <a:r>
-              <a:rPr lang="en-US" sz="2600" dirty="0">
-                <a:solidFill>
-                  <a:schemeClr val="tx1"/>
-                </a:solidFill>
-                <a:latin typeface="Arial Unicode MS" panose="020B0604020202020204" pitchFamily="34" charset="-128"/>
-                <a:ea typeface="Arial Unicode MS" panose="020B0604020202020204" pitchFamily="34" charset="-128"/>
-                <a:cs typeface="Arial Unicode MS" panose="020B0604020202020204" pitchFamily="34" charset="-128"/>
-                <a:sym typeface="Iowan Old Style Roman"/>
-              </a:rPr>
-              <a:t>id INT,</a:t>
-            </a:r>
-          </a:p>
-          <a:p>
-            <a:pPr marL="38100" lvl="0">
-              <a:spcBef>
-                <a:spcPts val="700"/>
-              </a:spcBef>
-              <a:buSzPct val="50000"/>
-              <a:defRPr sz="1800">
-                <a:solidFill>
-                  <a:srgbClr val="000000"/>
-                </a:solidFill>
-                <a:uFillTx/>
-              </a:defRPr>
-            </a:pPr>
-            <a:r>
-              <a:rPr lang="en-US" sz="2600" dirty="0" err="1">
-                <a:solidFill>
-                  <a:schemeClr val="tx1"/>
-                </a:solidFill>
-                <a:latin typeface="Arial Unicode MS" panose="020B0604020202020204" pitchFamily="34" charset="-128"/>
-                <a:ea typeface="Arial Unicode MS" panose="020B0604020202020204" pitchFamily="34" charset="-128"/>
-                <a:cs typeface="Arial Unicode MS" panose="020B0604020202020204" pitchFamily="34" charset="-128"/>
-                <a:sym typeface="Iowan Old Style Roman"/>
-              </a:rPr>
-              <a:t>customerid</a:t>
-            </a:r>
-            <a:r>
-              <a:rPr lang="en-US" sz="2600" dirty="0">
-                <a:solidFill>
-                  <a:schemeClr val="tx1"/>
-                </a:solidFill>
-                <a:latin typeface="Arial Unicode MS" panose="020B0604020202020204" pitchFamily="34" charset="-128"/>
-                <a:ea typeface="Arial Unicode MS" panose="020B0604020202020204" pitchFamily="34" charset="-128"/>
-                <a:cs typeface="Arial Unicode MS" panose="020B0604020202020204" pitchFamily="34" charset="-128"/>
-                <a:sym typeface="Iowan Old Style Roman"/>
-              </a:rPr>
-              <a:t> INT,</a:t>
-            </a:r>
-            <a:br>
-              <a:rPr lang="en-US" sz="2600" dirty="0">
-                <a:solidFill>
-                  <a:schemeClr val="tx1"/>
-                </a:solidFill>
-                <a:latin typeface="Arial Unicode MS" panose="020B0604020202020204" pitchFamily="34" charset="-128"/>
-                <a:ea typeface="Arial Unicode MS" panose="020B0604020202020204" pitchFamily="34" charset="-128"/>
-                <a:cs typeface="Arial Unicode MS" panose="020B0604020202020204" pitchFamily="34" charset="-128"/>
-                <a:sym typeface="Iowan Old Style Roman"/>
-              </a:rPr>
-            </a:br>
-            <a:r>
-              <a:rPr lang="en-US" sz="2600" dirty="0">
-                <a:solidFill>
-                  <a:schemeClr val="tx1"/>
-                </a:solidFill>
-                <a:latin typeface="Arial Unicode MS" panose="020B0604020202020204" pitchFamily="34" charset="-128"/>
-                <a:ea typeface="Arial Unicode MS" panose="020B0604020202020204" pitchFamily="34" charset="-128"/>
-                <a:cs typeface="Arial Unicode MS" panose="020B0604020202020204" pitchFamily="34" charset="-128"/>
-                <a:sym typeface="Iowan Old Style Roman"/>
-              </a:rPr>
-              <a:t>price FLOAT,</a:t>
-            </a:r>
-            <a:br>
-              <a:rPr lang="en-US" sz="2600" dirty="0">
-                <a:solidFill>
-                  <a:schemeClr val="tx1"/>
-                </a:solidFill>
-                <a:latin typeface="Arial Unicode MS" panose="020B0604020202020204" pitchFamily="34" charset="-128"/>
-                <a:ea typeface="Arial Unicode MS" panose="020B0604020202020204" pitchFamily="34" charset="-128"/>
-                <a:cs typeface="Arial Unicode MS" panose="020B0604020202020204" pitchFamily="34" charset="-128"/>
-                <a:sym typeface="Iowan Old Style Roman"/>
-              </a:rPr>
-            </a:br>
-            <a:r>
-              <a:rPr lang="en-US" sz="2600" dirty="0" err="1">
-                <a:solidFill>
-                  <a:schemeClr val="tx1"/>
-                </a:solidFill>
-                <a:latin typeface="Arial Unicode MS" panose="020B0604020202020204" pitchFamily="34" charset="-128"/>
-                <a:ea typeface="Arial Unicode MS" panose="020B0604020202020204" pitchFamily="34" charset="-128"/>
-                <a:cs typeface="Arial Unicode MS" panose="020B0604020202020204" pitchFamily="34" charset="-128"/>
-                <a:sym typeface="Iowan Old Style Roman"/>
-              </a:rPr>
-              <a:t>startdate</a:t>
-            </a:r>
-            <a:r>
-              <a:rPr lang="en-US" sz="2600" dirty="0">
-                <a:solidFill>
-                  <a:schemeClr val="tx1"/>
-                </a:solidFill>
-                <a:latin typeface="Arial Unicode MS" panose="020B0604020202020204" pitchFamily="34" charset="-128"/>
-                <a:ea typeface="Arial Unicode MS" panose="020B0604020202020204" pitchFamily="34" charset="-128"/>
-                <a:cs typeface="Arial Unicode MS" panose="020B0604020202020204" pitchFamily="34" charset="-128"/>
-                <a:sym typeface="Iowan Old Style Roman"/>
-              </a:rPr>
-              <a:t> DATE,</a:t>
-            </a:r>
-          </a:p>
-          <a:p>
-            <a:pPr marL="38100" lvl="0">
-              <a:spcBef>
-                <a:spcPts val="700"/>
-              </a:spcBef>
-              <a:buSzPct val="50000"/>
-              <a:defRPr sz="1800">
-                <a:solidFill>
-                  <a:srgbClr val="000000"/>
-                </a:solidFill>
-                <a:uFillTx/>
-              </a:defRPr>
-            </a:pPr>
-            <a:r>
-              <a:rPr lang="en-US" sz="2600" dirty="0">
-                <a:solidFill>
-                  <a:schemeClr val="tx1"/>
-                </a:solidFill>
-                <a:latin typeface="Arial Unicode MS" panose="020B0604020202020204" pitchFamily="34" charset="-128"/>
-                <a:ea typeface="Arial Unicode MS" panose="020B0604020202020204" pitchFamily="34" charset="-128"/>
-                <a:cs typeface="Arial Unicode MS" panose="020B0604020202020204" pitchFamily="34" charset="-128"/>
-                <a:sym typeface="Iowan Old Style Roman"/>
-              </a:rPr>
-              <a:t>PRIMARY KEY(id)</a:t>
-            </a:r>
-          </a:p>
-          <a:p>
-            <a:pPr marL="38100" lvl="0">
-              <a:spcBef>
-                <a:spcPts val="700"/>
-              </a:spcBef>
-              <a:buSzPct val="50000"/>
-              <a:defRPr sz="1800">
-                <a:solidFill>
-                  <a:srgbClr val="000000"/>
-                </a:solidFill>
-                <a:uFillTx/>
-              </a:defRPr>
-            </a:pPr>
-            <a:r>
-              <a:rPr lang="en-US" sz="2600" b="1" dirty="0">
-                <a:solidFill>
-                  <a:srgbClr val="57068C"/>
-                </a:solidFill>
-                <a:latin typeface="Arial Unicode MS" panose="020B0604020202020204" pitchFamily="34" charset="-128"/>
-                <a:ea typeface="Arial Unicode MS" panose="020B0604020202020204" pitchFamily="34" charset="-128"/>
-                <a:cs typeface="Arial Unicode MS" panose="020B0604020202020204" pitchFamily="34" charset="-128"/>
-                <a:sym typeface="Iowan Old Style Roman"/>
-              </a:rPr>
-              <a:t>FOREIGN KEY (</a:t>
-            </a:r>
-            <a:r>
-              <a:rPr lang="en-US" sz="2600" b="1" dirty="0" err="1">
-                <a:solidFill>
-                  <a:srgbClr val="57068C"/>
-                </a:solidFill>
-                <a:latin typeface="Arial Unicode MS" panose="020B0604020202020204" pitchFamily="34" charset="-128"/>
-                <a:ea typeface="Arial Unicode MS" panose="020B0604020202020204" pitchFamily="34" charset="-128"/>
-                <a:cs typeface="Arial Unicode MS" panose="020B0604020202020204" pitchFamily="34" charset="-128"/>
-                <a:sym typeface="Iowan Old Style Roman"/>
-              </a:rPr>
-              <a:t>customerid</a:t>
-            </a:r>
-            <a:r>
-              <a:rPr lang="en-US" sz="2600" b="1" dirty="0">
-                <a:solidFill>
-                  <a:srgbClr val="57068C"/>
-                </a:solidFill>
-                <a:latin typeface="Arial Unicode MS" panose="020B0604020202020204" pitchFamily="34" charset="-128"/>
-                <a:ea typeface="Arial Unicode MS" panose="020B0604020202020204" pitchFamily="34" charset="-128"/>
-                <a:cs typeface="Arial Unicode MS" panose="020B0604020202020204" pitchFamily="34" charset="-128"/>
-                <a:sym typeface="Iowan Old Style Roman"/>
-              </a:rPr>
-              <a:t>) REFERENCES Customer(id)</a:t>
-            </a:r>
-            <a:br>
-              <a:rPr lang="en-US" sz="2600" b="1" dirty="0">
-                <a:solidFill>
-                  <a:srgbClr val="C00000"/>
-                </a:solidFill>
-                <a:latin typeface="Arial Unicode MS" panose="020B0604020202020204" pitchFamily="34" charset="-128"/>
-                <a:ea typeface="Arial Unicode MS" panose="020B0604020202020204" pitchFamily="34" charset="-128"/>
-                <a:cs typeface="Arial Unicode MS" panose="020B0604020202020204" pitchFamily="34" charset="-128"/>
-                <a:sym typeface="Iowan Old Style Roman"/>
-              </a:rPr>
-            </a:br>
-            <a:r>
-              <a:rPr lang="en-US" sz="2600" dirty="0">
-                <a:solidFill>
-                  <a:schemeClr val="tx1"/>
-                </a:solidFill>
-                <a:latin typeface="Arial Unicode MS" panose="020B0604020202020204" pitchFamily="34" charset="-128"/>
-                <a:ea typeface="Arial Unicode MS" panose="020B0604020202020204" pitchFamily="34" charset="-128"/>
-                <a:cs typeface="Arial Unicode MS" panose="020B0604020202020204" pitchFamily="34" charset="-128"/>
-                <a:sym typeface="Iowan Old Style Roman"/>
-              </a:rPr>
-              <a:t>);</a:t>
-            </a:r>
-            <a:endParaRPr lang="en-US" sz="2600" dirty="0">
-              <a:solidFill>
-                <a:schemeClr val="tx1"/>
-              </a:solidFill>
-              <a:uFill>
-                <a:solidFill/>
-              </a:uFill>
-              <a:latin typeface="Arial Unicode MS" panose="020B0604020202020204" pitchFamily="34" charset="-128"/>
-              <a:ea typeface="Arial Unicode MS" panose="020B0604020202020204" pitchFamily="34" charset="-128"/>
-              <a:cs typeface="Arial Unicode MS" panose="020B0604020202020204" pitchFamily="34" charset="-128"/>
-              <a:sym typeface="Iowan Old Style Roman"/>
-            </a:endParaRPr>
-          </a:p>
-        </p:txBody>
-      </p:sp>
-    </p:spTree>
-    <p:extLst>
-      <p:ext uri="{BB962C8B-B14F-4D97-AF65-F5344CB8AC3E}">
-        <p14:creationId xmlns:p14="http://schemas.microsoft.com/office/powerpoint/2010/main" val="726671029"/>
-      </p:ext>
-    </p:extLst>
-  </p:cSld>
-  <p:clrMapOvr>
-    <a:masterClrMapping/>
-  </p:clrMapOvr>
-  <p:transition spd="med"/>
-</p:sld>
-</file>
-
-<file path=ppt/slides/slide34.xml><?xml version="1.0" encoding="utf-8"?>
-<p:sld xmlns:a="http://schemas.openxmlformats.org/drawingml/2006/main" xmlns:r="http://schemas.openxmlformats.org/officeDocument/2006/relationships" xmlns:p="http://schemas.openxmlformats.org/presentationml/2006/main">
-  <p:cSld>
-    <p:spTree>
-      <p:nvGrpSpPr>
-        <p:cNvPr id="1" name=""/>
-        <p:cNvGrpSpPr/>
-        <p:nvPr/>
-      </p:nvGrpSpPr>
-      <p:grpSpPr>
-        <a:xfrm>
-          <a:off x="0" y="0"/>
-          <a:ext cx="0" cy="0"/>
-          <a:chOff x="0" y="0"/>
-          <a:chExt cx="0" cy="0"/>
-        </a:xfrm>
-      </p:grpSpPr>
-      <p:sp>
-        <p:nvSpPr>
-          <p:cNvPr id="191" name="Shape 191"/>
-          <p:cNvSpPr/>
-          <p:nvPr/>
-        </p:nvSpPr>
-        <p:spPr>
-          <a:xfrm>
-            <a:off x="386308" y="147496"/>
-            <a:ext cx="7757379" cy="553998"/>
-          </a:xfrm>
-          <a:prstGeom prst="rect">
-            <a:avLst/>
-          </a:prstGeom>
-          <a:ln w="12700">
-            <a:miter lim="400000"/>
-          </a:ln>
-          <a:extLst>
-            <a:ext uri="{C572A759-6A51-4108-AA02-DFA0A04FC94B}">
-              <ma14:wrappingTextBoxFlag xmlns="" xmlns:ma14="http://schemas.microsoft.com/office/mac/drawingml/2011/main" val="1"/>
-            </a:ext>
-          </a:extLst>
-        </p:spPr>
-        <p:txBody>
-          <a:bodyPr lIns="45719" rIns="45719">
-            <a:spAutoFit/>
-          </a:bodyPr>
-          <a:lstStyle>
-            <a:lvl1pPr>
-              <a:defRPr sz="3000" b="1">
-                <a:uFill>
-                  <a:solidFill>
-                    <a:srgbClr val="FFFFFF"/>
-                  </a:solidFill>
-                </a:uFill>
-              </a:defRPr>
-            </a:lvl1pPr>
-          </a:lstStyle>
-          <a:p>
-            <a:pPr lvl="0">
-              <a:defRPr sz="1800" b="0">
-                <a:solidFill>
-                  <a:srgbClr val="000000"/>
-                </a:solidFill>
-                <a:uFillTx/>
-              </a:defRPr>
-            </a:pPr>
-            <a:r>
-              <a:rPr lang="en-US" sz="3000" b="1" dirty="0">
-                <a:solidFill>
-                  <a:srgbClr val="57068C"/>
-                </a:solidFill>
-                <a:uFill>
-                  <a:solidFill>
-                    <a:srgbClr val="FFFFFF"/>
-                  </a:solidFill>
-                </a:uFill>
-                <a:latin typeface="Arial Unicode MS" panose="020B0604020202020204" pitchFamily="34" charset="-128"/>
-                <a:ea typeface="Arial Unicode MS" panose="020B0604020202020204" pitchFamily="34" charset="-128"/>
-                <a:cs typeface="Arial Unicode MS" panose="020B0604020202020204" pitchFamily="34" charset="-128"/>
-              </a:rPr>
-              <a:t>“Enforcing participation” in a relationship</a:t>
-            </a:r>
-            <a:endParaRPr sz="3000" b="1" dirty="0">
-              <a:solidFill>
-                <a:srgbClr val="57068C"/>
-              </a:solidFill>
-              <a:uFill>
-                <a:solidFill>
-                  <a:srgbClr val="FFFFFF"/>
-                </a:solidFill>
-              </a:uFill>
-              <a:latin typeface="Arial Unicode MS" panose="020B0604020202020204" pitchFamily="34" charset="-128"/>
-              <a:ea typeface="Arial Unicode MS" panose="020B0604020202020204" pitchFamily="34" charset="-128"/>
-              <a:cs typeface="Arial Unicode MS" panose="020B0604020202020204" pitchFamily="34" charset="-128"/>
-            </a:endParaRPr>
-          </a:p>
-        </p:txBody>
-      </p:sp>
-      <p:sp>
-        <p:nvSpPr>
-          <p:cNvPr id="192" name="Shape 192"/>
-          <p:cNvSpPr/>
-          <p:nvPr/>
-        </p:nvSpPr>
-        <p:spPr>
-          <a:xfrm>
-            <a:off x="0" y="781978"/>
-            <a:ext cx="8948057" cy="6076022"/>
-          </a:xfrm>
-          <a:prstGeom prst="rect">
-            <a:avLst/>
-          </a:prstGeom>
-          <a:ln w="12700">
-            <a:miter lim="400000"/>
-          </a:ln>
-          <a:extLst>
-            <a:ext uri="{C572A759-6A51-4108-AA02-DFA0A04FC94B}">
-              <ma14:wrappingTextBoxFlag xmlns="" xmlns:ma14="http://schemas.microsoft.com/office/mac/drawingml/2011/main" val="1"/>
-            </a:ext>
-          </a:extLst>
-        </p:spPr>
-        <p:txBody>
-          <a:bodyPr wrap="square" lIns="45719" rIns="45719">
-            <a:spAutoFit/>
-          </a:bodyPr>
-          <a:lstStyle/>
-          <a:p>
-            <a:pPr marL="38100" lvl="0">
-              <a:spcBef>
-                <a:spcPts val="700"/>
-              </a:spcBef>
-              <a:buSzPct val="50000"/>
-              <a:defRPr sz="1800">
-                <a:solidFill>
-                  <a:srgbClr val="000000"/>
-                </a:solidFill>
-                <a:uFillTx/>
-              </a:defRPr>
-            </a:pPr>
-            <a:r>
-              <a:rPr lang="en-US" sz="2600" dirty="0">
-                <a:solidFill>
-                  <a:schemeClr val="tx1"/>
-                </a:solidFill>
-                <a:latin typeface="Arial Unicode MS" panose="020B0604020202020204" pitchFamily="34" charset="-128"/>
-                <a:ea typeface="Arial Unicode MS" panose="020B0604020202020204" pitchFamily="34" charset="-128"/>
-                <a:cs typeface="Arial Unicode MS" panose="020B0604020202020204" pitchFamily="34" charset="-128"/>
-                <a:sym typeface="Iowan Old Style Roman"/>
-              </a:rPr>
-              <a:t>To specify that a relationship has a minimum cardinality of one, we specify that the attribute cannot be NULL (</a:t>
-            </a:r>
-            <a:r>
-              <a:rPr lang="en-US" sz="2600" dirty="0" err="1">
-                <a:solidFill>
-                  <a:schemeClr val="tx1"/>
-                </a:solidFill>
-                <a:latin typeface="Arial Unicode MS" panose="020B0604020202020204" pitchFamily="34" charset="-128"/>
-                <a:ea typeface="Arial Unicode MS" panose="020B0604020202020204" pitchFamily="34" charset="-128"/>
-                <a:cs typeface="Arial Unicode MS" panose="020B0604020202020204" pitchFamily="34" charset="-128"/>
-                <a:sym typeface="Iowan Old Style Roman"/>
-              </a:rPr>
-              <a:t>ie</a:t>
-            </a:r>
-            <a:r>
-              <a:rPr lang="en-US" sz="2600" dirty="0">
-                <a:solidFill>
-                  <a:schemeClr val="tx1"/>
-                </a:solidFill>
-                <a:latin typeface="Arial Unicode MS" panose="020B0604020202020204" pitchFamily="34" charset="-128"/>
-                <a:ea typeface="Arial Unicode MS" panose="020B0604020202020204" pitchFamily="34" charset="-128"/>
-                <a:cs typeface="Arial Unicode MS" panose="020B0604020202020204" pitchFamily="34" charset="-128"/>
-                <a:sym typeface="Iowan Old Style Roman"/>
-              </a:rPr>
-              <a:t> empty)</a:t>
-            </a:r>
-          </a:p>
-          <a:p>
-            <a:pPr marL="38100" lvl="0">
-              <a:spcBef>
-                <a:spcPts val="700"/>
-              </a:spcBef>
-              <a:buSzPct val="50000"/>
-              <a:defRPr sz="1800">
-                <a:solidFill>
-                  <a:srgbClr val="000000"/>
-                </a:solidFill>
-                <a:uFillTx/>
-              </a:defRPr>
-            </a:pPr>
-            <a:endParaRPr lang="en-US" i="1" dirty="0">
-              <a:solidFill>
-                <a:schemeClr val="tx1"/>
-              </a:solidFill>
-              <a:latin typeface="Arial Unicode MS" panose="020B0604020202020204" pitchFamily="34" charset="-128"/>
-              <a:ea typeface="Arial Unicode MS" panose="020B0604020202020204" pitchFamily="34" charset="-128"/>
-              <a:cs typeface="Arial Unicode MS" panose="020B0604020202020204" pitchFamily="34" charset="-128"/>
-              <a:sym typeface="Iowan Old Style Roman"/>
-            </a:endParaRPr>
-          </a:p>
-          <a:p>
-            <a:pPr marL="38100" lvl="0">
-              <a:spcBef>
-                <a:spcPts val="700"/>
-              </a:spcBef>
-              <a:buSzPct val="50000"/>
-              <a:defRPr sz="1800">
-                <a:solidFill>
-                  <a:srgbClr val="000000"/>
-                </a:solidFill>
-                <a:uFillTx/>
-              </a:defRPr>
-            </a:pPr>
-            <a:r>
-              <a:rPr lang="en-US" i="1" dirty="0">
-                <a:solidFill>
-                  <a:schemeClr val="tx1"/>
-                </a:solidFill>
-                <a:latin typeface="Arial Unicode MS" panose="020B0604020202020204" pitchFamily="34" charset="-128"/>
-                <a:ea typeface="Arial Unicode MS" panose="020B0604020202020204" pitchFamily="34" charset="-128"/>
-                <a:cs typeface="Arial Unicode MS" panose="020B0604020202020204" pitchFamily="34" charset="-128"/>
-                <a:sym typeface="Iowan Old Style Roman"/>
-              </a:rPr>
-              <a:t>In this case, the rate needs to be associated with a customer</a:t>
-            </a:r>
-          </a:p>
-          <a:p>
-            <a:pPr marL="38100" lvl="0">
-              <a:spcBef>
-                <a:spcPts val="700"/>
-              </a:spcBef>
-              <a:buSzPct val="50000"/>
-              <a:defRPr sz="1800">
-                <a:solidFill>
-                  <a:srgbClr val="000000"/>
-                </a:solidFill>
-                <a:uFillTx/>
-              </a:defRPr>
-            </a:pPr>
-            <a:endParaRPr lang="en-US" sz="2600" dirty="0">
-              <a:solidFill>
-                <a:schemeClr val="tx1"/>
-              </a:solidFill>
-              <a:latin typeface="Arial Unicode MS" panose="020B0604020202020204" pitchFamily="34" charset="-128"/>
-              <a:ea typeface="Arial Unicode MS" panose="020B0604020202020204" pitchFamily="34" charset="-128"/>
-              <a:cs typeface="Arial Unicode MS" panose="020B0604020202020204" pitchFamily="34" charset="-128"/>
-              <a:sym typeface="Iowan Old Style Roman"/>
-            </a:endParaRPr>
-          </a:p>
-          <a:p>
-            <a:pPr marL="38100" lvl="0">
-              <a:spcBef>
-                <a:spcPts val="700"/>
-              </a:spcBef>
-              <a:buSzPct val="50000"/>
-              <a:defRPr sz="1800">
-                <a:solidFill>
-                  <a:srgbClr val="000000"/>
-                </a:solidFill>
-                <a:uFillTx/>
-              </a:defRPr>
-            </a:pPr>
-            <a:r>
-              <a:rPr lang="en-US" sz="2600" dirty="0">
-                <a:solidFill>
-                  <a:schemeClr val="tx1"/>
-                </a:solidFill>
-                <a:latin typeface="Arial Unicode MS" panose="020B0604020202020204" pitchFamily="34" charset="-128"/>
-                <a:ea typeface="Arial Unicode MS" panose="020B0604020202020204" pitchFamily="34" charset="-128"/>
-                <a:cs typeface="Arial Unicode MS" panose="020B0604020202020204" pitchFamily="34" charset="-128"/>
-                <a:sym typeface="Iowan Old Style Roman"/>
-              </a:rPr>
-              <a:t>CREATE TABLE Rate </a:t>
-            </a:r>
-            <a:br>
-              <a:rPr lang="en-US" sz="2600" dirty="0">
-                <a:solidFill>
-                  <a:schemeClr val="tx1"/>
-                </a:solidFill>
-                <a:latin typeface="Arial Unicode MS" panose="020B0604020202020204" pitchFamily="34" charset="-128"/>
-                <a:ea typeface="Arial Unicode MS" panose="020B0604020202020204" pitchFamily="34" charset="-128"/>
-                <a:cs typeface="Arial Unicode MS" panose="020B0604020202020204" pitchFamily="34" charset="-128"/>
-                <a:sym typeface="Iowan Old Style Roman"/>
-              </a:rPr>
-            </a:br>
-            <a:r>
-              <a:rPr lang="en-US" sz="2600" dirty="0">
-                <a:solidFill>
-                  <a:schemeClr val="tx1"/>
-                </a:solidFill>
-                <a:latin typeface="Arial Unicode MS" panose="020B0604020202020204" pitchFamily="34" charset="-128"/>
-                <a:ea typeface="Arial Unicode MS" panose="020B0604020202020204" pitchFamily="34" charset="-128"/>
-                <a:cs typeface="Arial Unicode MS" panose="020B0604020202020204" pitchFamily="34" charset="-128"/>
-                <a:sym typeface="Iowan Old Style Roman"/>
-              </a:rPr>
-              <a:t>(</a:t>
-            </a:r>
-            <a:br>
-              <a:rPr lang="en-US" sz="2600" dirty="0">
-                <a:solidFill>
-                  <a:schemeClr val="tx1"/>
-                </a:solidFill>
-                <a:latin typeface="Arial Unicode MS" panose="020B0604020202020204" pitchFamily="34" charset="-128"/>
-                <a:ea typeface="Arial Unicode MS" panose="020B0604020202020204" pitchFamily="34" charset="-128"/>
-                <a:cs typeface="Arial Unicode MS" panose="020B0604020202020204" pitchFamily="34" charset="-128"/>
-                <a:sym typeface="Iowan Old Style Roman"/>
-              </a:rPr>
-            </a:br>
-            <a:r>
-              <a:rPr lang="en-US" sz="2600" dirty="0">
-                <a:solidFill>
-                  <a:schemeClr val="tx1"/>
-                </a:solidFill>
-                <a:latin typeface="Arial Unicode MS" panose="020B0604020202020204" pitchFamily="34" charset="-128"/>
-                <a:ea typeface="Arial Unicode MS" panose="020B0604020202020204" pitchFamily="34" charset="-128"/>
-                <a:cs typeface="Arial Unicode MS" panose="020B0604020202020204" pitchFamily="34" charset="-128"/>
-                <a:sym typeface="Iowan Old Style Roman"/>
-              </a:rPr>
-              <a:t>id INT,</a:t>
-            </a:r>
-          </a:p>
-          <a:p>
-            <a:pPr marL="38100" lvl="0">
-              <a:spcBef>
-                <a:spcPts val="700"/>
-              </a:spcBef>
-              <a:buSzPct val="50000"/>
-              <a:defRPr sz="1800">
-                <a:solidFill>
-                  <a:srgbClr val="000000"/>
-                </a:solidFill>
-                <a:uFillTx/>
-              </a:defRPr>
-            </a:pPr>
-            <a:r>
-              <a:rPr lang="en-US" sz="2600" dirty="0" err="1">
-                <a:solidFill>
-                  <a:schemeClr val="tx1"/>
-                </a:solidFill>
-                <a:latin typeface="Arial Unicode MS" panose="020B0604020202020204" pitchFamily="34" charset="-128"/>
-                <a:ea typeface="Arial Unicode MS" panose="020B0604020202020204" pitchFamily="34" charset="-128"/>
-                <a:cs typeface="Arial Unicode MS" panose="020B0604020202020204" pitchFamily="34" charset="-128"/>
-                <a:sym typeface="Iowan Old Style Roman"/>
-              </a:rPr>
-              <a:t>customerid</a:t>
-            </a:r>
-            <a:r>
-              <a:rPr lang="en-US" sz="2600" dirty="0">
-                <a:solidFill>
-                  <a:schemeClr val="tx1"/>
-                </a:solidFill>
-                <a:latin typeface="Arial Unicode MS" panose="020B0604020202020204" pitchFamily="34" charset="-128"/>
-                <a:ea typeface="Arial Unicode MS" panose="020B0604020202020204" pitchFamily="34" charset="-128"/>
-                <a:cs typeface="Arial Unicode MS" panose="020B0604020202020204" pitchFamily="34" charset="-128"/>
-                <a:sym typeface="Iowan Old Style Roman"/>
-              </a:rPr>
-              <a:t> INT </a:t>
-            </a:r>
-            <a:r>
-              <a:rPr lang="en-US" sz="2600" b="1" dirty="0">
-                <a:solidFill>
-                  <a:srgbClr val="57068C"/>
-                </a:solidFill>
-                <a:latin typeface="Arial Unicode MS" panose="020B0604020202020204" pitchFamily="34" charset="-128"/>
-                <a:ea typeface="Arial Unicode MS" panose="020B0604020202020204" pitchFamily="34" charset="-128"/>
-                <a:cs typeface="Arial Unicode MS" panose="020B0604020202020204" pitchFamily="34" charset="-128"/>
-                <a:sym typeface="Iowan Old Style Roman"/>
-              </a:rPr>
-              <a:t>NOT NULL</a:t>
-            </a:r>
-            <a:r>
-              <a:rPr lang="en-US" sz="2600" dirty="0">
-                <a:solidFill>
-                  <a:schemeClr val="tx1"/>
-                </a:solidFill>
-                <a:latin typeface="Arial Unicode MS" panose="020B0604020202020204" pitchFamily="34" charset="-128"/>
-                <a:ea typeface="Arial Unicode MS" panose="020B0604020202020204" pitchFamily="34" charset="-128"/>
-                <a:cs typeface="Arial Unicode MS" panose="020B0604020202020204" pitchFamily="34" charset="-128"/>
-                <a:sym typeface="Iowan Old Style Roman"/>
-              </a:rPr>
-              <a:t>,</a:t>
-            </a:r>
-            <a:br>
-              <a:rPr lang="en-US" sz="2600" dirty="0">
-                <a:solidFill>
-                  <a:schemeClr val="tx1"/>
-                </a:solidFill>
-                <a:latin typeface="Arial Unicode MS" panose="020B0604020202020204" pitchFamily="34" charset="-128"/>
-                <a:ea typeface="Arial Unicode MS" panose="020B0604020202020204" pitchFamily="34" charset="-128"/>
-                <a:cs typeface="Arial Unicode MS" panose="020B0604020202020204" pitchFamily="34" charset="-128"/>
-                <a:sym typeface="Iowan Old Style Roman"/>
-              </a:rPr>
-            </a:br>
-            <a:r>
-              <a:rPr lang="en-US" sz="2600" dirty="0">
-                <a:solidFill>
-                  <a:schemeClr val="tx1"/>
-                </a:solidFill>
-                <a:latin typeface="Arial Unicode MS" panose="020B0604020202020204" pitchFamily="34" charset="-128"/>
-                <a:ea typeface="Arial Unicode MS" panose="020B0604020202020204" pitchFamily="34" charset="-128"/>
-                <a:cs typeface="Arial Unicode MS" panose="020B0604020202020204" pitchFamily="34" charset="-128"/>
-                <a:sym typeface="Iowan Old Style Roman"/>
-              </a:rPr>
-              <a:t>price FLOAT,</a:t>
-            </a:r>
-            <a:br>
-              <a:rPr lang="en-US" sz="2600" dirty="0">
-                <a:solidFill>
-                  <a:schemeClr val="tx1"/>
-                </a:solidFill>
-                <a:latin typeface="Arial Unicode MS" panose="020B0604020202020204" pitchFamily="34" charset="-128"/>
-                <a:ea typeface="Arial Unicode MS" panose="020B0604020202020204" pitchFamily="34" charset="-128"/>
-                <a:cs typeface="Arial Unicode MS" panose="020B0604020202020204" pitchFamily="34" charset="-128"/>
-                <a:sym typeface="Iowan Old Style Roman"/>
-              </a:rPr>
-            </a:br>
-            <a:r>
-              <a:rPr lang="en-US" sz="2600" dirty="0" err="1">
-                <a:solidFill>
-                  <a:schemeClr val="tx1"/>
-                </a:solidFill>
-                <a:latin typeface="Arial Unicode MS" panose="020B0604020202020204" pitchFamily="34" charset="-128"/>
-                <a:ea typeface="Arial Unicode MS" panose="020B0604020202020204" pitchFamily="34" charset="-128"/>
-                <a:cs typeface="Arial Unicode MS" panose="020B0604020202020204" pitchFamily="34" charset="-128"/>
-                <a:sym typeface="Iowan Old Style Roman"/>
-              </a:rPr>
-              <a:t>startdate</a:t>
-            </a:r>
-            <a:r>
-              <a:rPr lang="en-US" sz="2600" dirty="0">
-                <a:solidFill>
-                  <a:schemeClr val="tx1"/>
-                </a:solidFill>
-                <a:latin typeface="Arial Unicode MS" panose="020B0604020202020204" pitchFamily="34" charset="-128"/>
-                <a:ea typeface="Arial Unicode MS" panose="020B0604020202020204" pitchFamily="34" charset="-128"/>
-                <a:cs typeface="Arial Unicode MS" panose="020B0604020202020204" pitchFamily="34" charset="-128"/>
-                <a:sym typeface="Iowan Old Style Roman"/>
-              </a:rPr>
-              <a:t> DATE,</a:t>
-            </a:r>
-          </a:p>
-          <a:p>
-            <a:pPr marL="38100" lvl="0">
-              <a:spcBef>
-                <a:spcPts val="700"/>
-              </a:spcBef>
-              <a:buSzPct val="50000"/>
-              <a:defRPr sz="1800">
-                <a:solidFill>
-                  <a:srgbClr val="000000"/>
-                </a:solidFill>
-                <a:uFillTx/>
-              </a:defRPr>
-            </a:pPr>
-            <a:r>
-              <a:rPr lang="en-US" sz="2600" dirty="0">
-                <a:solidFill>
-                  <a:schemeClr val="tx1"/>
-                </a:solidFill>
-                <a:latin typeface="Arial Unicode MS" panose="020B0604020202020204" pitchFamily="34" charset="-128"/>
-                <a:ea typeface="Arial Unicode MS" panose="020B0604020202020204" pitchFamily="34" charset="-128"/>
-                <a:cs typeface="Arial Unicode MS" panose="020B0604020202020204" pitchFamily="34" charset="-128"/>
-                <a:sym typeface="Iowan Old Style Roman"/>
-              </a:rPr>
-              <a:t>PRIMARY KEY(id),</a:t>
-            </a:r>
-          </a:p>
-          <a:p>
-            <a:pPr marL="38100" lvl="0">
-              <a:spcBef>
-                <a:spcPts val="700"/>
-              </a:spcBef>
-              <a:buSzPct val="50000"/>
-              <a:defRPr sz="1800">
-                <a:solidFill>
-                  <a:srgbClr val="000000"/>
-                </a:solidFill>
-                <a:uFillTx/>
-              </a:defRPr>
-            </a:pPr>
-            <a:r>
-              <a:rPr lang="en-US" sz="2600" dirty="0">
-                <a:solidFill>
-                  <a:schemeClr val="tx1"/>
-                </a:solidFill>
-                <a:latin typeface="Arial Unicode MS" panose="020B0604020202020204" pitchFamily="34" charset="-128"/>
-                <a:ea typeface="Arial Unicode MS" panose="020B0604020202020204" pitchFamily="34" charset="-128"/>
-                <a:cs typeface="Arial Unicode MS" panose="020B0604020202020204" pitchFamily="34" charset="-128"/>
-                <a:sym typeface="Iowan Old Style Roman"/>
-              </a:rPr>
-              <a:t>FOREIGN KEY (</a:t>
-            </a:r>
-            <a:r>
-              <a:rPr lang="en-US" sz="2600" dirty="0" err="1">
-                <a:solidFill>
-                  <a:schemeClr val="tx1"/>
-                </a:solidFill>
-                <a:latin typeface="Arial Unicode MS" panose="020B0604020202020204" pitchFamily="34" charset="-128"/>
-                <a:ea typeface="Arial Unicode MS" panose="020B0604020202020204" pitchFamily="34" charset="-128"/>
-                <a:cs typeface="Arial Unicode MS" panose="020B0604020202020204" pitchFamily="34" charset="-128"/>
-                <a:sym typeface="Iowan Old Style Roman"/>
-              </a:rPr>
-              <a:t>customerid</a:t>
-            </a:r>
-            <a:r>
-              <a:rPr lang="en-US" sz="2600" dirty="0">
-                <a:solidFill>
-                  <a:schemeClr val="tx1"/>
-                </a:solidFill>
-                <a:latin typeface="Arial Unicode MS" panose="020B0604020202020204" pitchFamily="34" charset="-128"/>
-                <a:ea typeface="Arial Unicode MS" panose="020B0604020202020204" pitchFamily="34" charset="-128"/>
-                <a:cs typeface="Arial Unicode MS" panose="020B0604020202020204" pitchFamily="34" charset="-128"/>
-                <a:sym typeface="Iowan Old Style Roman"/>
-              </a:rPr>
-              <a:t>) REFERENCES Customer(id)</a:t>
-            </a:r>
-            <a:br>
-              <a:rPr lang="en-US" sz="2600" dirty="0">
-                <a:solidFill>
-                  <a:schemeClr val="tx1"/>
-                </a:solidFill>
-                <a:latin typeface="Arial Unicode MS" panose="020B0604020202020204" pitchFamily="34" charset="-128"/>
-                <a:ea typeface="Arial Unicode MS" panose="020B0604020202020204" pitchFamily="34" charset="-128"/>
-                <a:cs typeface="Arial Unicode MS" panose="020B0604020202020204" pitchFamily="34" charset="-128"/>
-                <a:sym typeface="Iowan Old Style Roman"/>
-              </a:rPr>
-            </a:br>
-            <a:r>
-              <a:rPr lang="en-US" sz="2600" dirty="0">
-                <a:solidFill>
-                  <a:schemeClr val="tx1"/>
-                </a:solidFill>
-                <a:latin typeface="Arial Unicode MS" panose="020B0604020202020204" pitchFamily="34" charset="-128"/>
-                <a:ea typeface="Arial Unicode MS" panose="020B0604020202020204" pitchFamily="34" charset="-128"/>
-                <a:cs typeface="Arial Unicode MS" panose="020B0604020202020204" pitchFamily="34" charset="-128"/>
-                <a:sym typeface="Iowan Old Style Roman"/>
-              </a:rPr>
-              <a:t>);</a:t>
-            </a:r>
-            <a:endParaRPr lang="en-US" sz="2600" dirty="0">
-              <a:solidFill>
-                <a:schemeClr val="tx1"/>
-              </a:solidFill>
-              <a:uFill>
-                <a:solidFill/>
-              </a:uFill>
-              <a:latin typeface="Arial Unicode MS" panose="020B0604020202020204" pitchFamily="34" charset="-128"/>
-              <a:ea typeface="Arial Unicode MS" panose="020B0604020202020204" pitchFamily="34" charset="-128"/>
-              <a:cs typeface="Arial Unicode MS" panose="020B0604020202020204" pitchFamily="34" charset="-128"/>
-              <a:sym typeface="Iowan Old Style Roman"/>
-            </a:endParaRPr>
-          </a:p>
-        </p:txBody>
-      </p:sp>
-    </p:spTree>
-    <p:extLst>
-      <p:ext uri="{BB962C8B-B14F-4D97-AF65-F5344CB8AC3E}">
-        <p14:creationId xmlns:p14="http://schemas.microsoft.com/office/powerpoint/2010/main" val="255458506"/>
-      </p:ext>
-    </p:extLst>
-  </p:cSld>
-  <p:clrMapOvr>
-    <a:masterClrMapping/>
-  </p:clrMapOvr>
-  <p:transition spd="med"/>
-</p:sld>
-</file>
-
-<file path=ppt/slides/slide35.xml><?xml version="1.0" encoding="utf-8"?>
-<p:sld xmlns:a="http://schemas.openxmlformats.org/drawingml/2006/main" xmlns:r="http://schemas.openxmlformats.org/officeDocument/2006/relationships" xmlns:p="http://schemas.openxmlformats.org/presentationml/2006/main">
-  <p:cSld>
-    <p:spTree>
-      <p:nvGrpSpPr>
-        <p:cNvPr id="1" name=""/>
-        <p:cNvGrpSpPr/>
-        <p:nvPr/>
-      </p:nvGrpSpPr>
-      <p:grpSpPr>
-        <a:xfrm>
-          <a:off x="0" y="0"/>
-          <a:ext cx="0" cy="0"/>
-          <a:chOff x="0" y="0"/>
-          <a:chExt cx="0" cy="0"/>
-        </a:xfrm>
-      </p:grpSpPr>
-      <p:sp>
-        <p:nvSpPr>
-          <p:cNvPr id="191" name="Shape 191"/>
-          <p:cNvSpPr/>
-          <p:nvPr/>
-        </p:nvSpPr>
-        <p:spPr>
-          <a:xfrm>
-            <a:off x="386308" y="147496"/>
-            <a:ext cx="7757379" cy="553998"/>
-          </a:xfrm>
-          <a:prstGeom prst="rect">
-            <a:avLst/>
-          </a:prstGeom>
-          <a:ln w="12700">
-            <a:miter lim="400000"/>
-          </a:ln>
-          <a:extLst>
-            <a:ext uri="{C572A759-6A51-4108-AA02-DFA0A04FC94B}">
-              <ma14:wrappingTextBoxFlag xmlns="" xmlns:ma14="http://schemas.microsoft.com/office/mac/drawingml/2011/main" val="1"/>
-            </a:ext>
-          </a:extLst>
-        </p:spPr>
-        <p:txBody>
-          <a:bodyPr lIns="45719" rIns="45719">
-            <a:spAutoFit/>
-          </a:bodyPr>
-          <a:lstStyle>
-            <a:lvl1pPr>
-              <a:defRPr sz="3000" b="1">
-                <a:uFill>
-                  <a:solidFill>
-                    <a:srgbClr val="FFFFFF"/>
-                  </a:solidFill>
-                </a:uFill>
-              </a:defRPr>
-            </a:lvl1pPr>
-          </a:lstStyle>
-          <a:p>
-            <a:pPr lvl="0">
-              <a:defRPr sz="1800" b="0">
-                <a:solidFill>
-                  <a:srgbClr val="000000"/>
-                </a:solidFill>
-                <a:uFillTx/>
-              </a:defRPr>
-            </a:pPr>
-            <a:r>
-              <a:rPr lang="en-US" sz="3000" b="1" dirty="0">
-                <a:solidFill>
-                  <a:srgbClr val="57068C"/>
-                </a:solidFill>
-                <a:uFill>
-                  <a:solidFill>
-                    <a:srgbClr val="FFFFFF"/>
-                  </a:solidFill>
-                </a:uFill>
-                <a:latin typeface="Arial Unicode MS" panose="020B0604020202020204" pitchFamily="34" charset="-128"/>
-                <a:ea typeface="Arial Unicode MS" panose="020B0604020202020204" pitchFamily="34" charset="-128"/>
-                <a:cs typeface="Arial Unicode MS" panose="020B0604020202020204" pitchFamily="34" charset="-128"/>
-              </a:rPr>
-              <a:t>“Enforcing 1-1” in a relationship</a:t>
-            </a:r>
-            <a:endParaRPr sz="3000" b="1" dirty="0">
-              <a:solidFill>
-                <a:srgbClr val="57068C"/>
-              </a:solidFill>
-              <a:uFill>
-                <a:solidFill>
-                  <a:srgbClr val="FFFFFF"/>
-                </a:solidFill>
-              </a:uFill>
-              <a:latin typeface="Arial Unicode MS" panose="020B0604020202020204" pitchFamily="34" charset="-128"/>
-              <a:ea typeface="Arial Unicode MS" panose="020B0604020202020204" pitchFamily="34" charset="-128"/>
-              <a:cs typeface="Arial Unicode MS" panose="020B0604020202020204" pitchFamily="34" charset="-128"/>
-            </a:endParaRPr>
-          </a:p>
-        </p:txBody>
-      </p:sp>
-      <p:sp>
-        <p:nvSpPr>
-          <p:cNvPr id="192" name="Shape 192"/>
-          <p:cNvSpPr/>
-          <p:nvPr/>
-        </p:nvSpPr>
-        <p:spPr>
-          <a:xfrm>
-            <a:off x="0" y="781978"/>
-            <a:ext cx="8948057" cy="5986254"/>
-          </a:xfrm>
-          <a:prstGeom prst="rect">
-            <a:avLst/>
-          </a:prstGeom>
-          <a:ln w="12700">
-            <a:miter lim="400000"/>
-          </a:ln>
-          <a:extLst>
-            <a:ext uri="{C572A759-6A51-4108-AA02-DFA0A04FC94B}">
-              <ma14:wrappingTextBoxFlag xmlns="" xmlns:ma14="http://schemas.microsoft.com/office/mac/drawingml/2011/main" val="1"/>
-            </a:ext>
-          </a:extLst>
-        </p:spPr>
-        <p:txBody>
-          <a:bodyPr wrap="square" lIns="45719" rIns="45719">
-            <a:spAutoFit/>
-          </a:bodyPr>
-          <a:lstStyle/>
-          <a:p>
-            <a:pPr marL="38100" lvl="0">
-              <a:spcBef>
-                <a:spcPts val="700"/>
-              </a:spcBef>
-              <a:buSzPct val="50000"/>
-              <a:defRPr sz="1800">
-                <a:solidFill>
-                  <a:srgbClr val="000000"/>
-                </a:solidFill>
-                <a:uFillTx/>
-              </a:defRPr>
-            </a:pPr>
-            <a:r>
-              <a:rPr lang="en-US" sz="2600" dirty="0">
-                <a:solidFill>
-                  <a:schemeClr val="tx1"/>
-                </a:solidFill>
-                <a:latin typeface="Arial Unicode MS" panose="020B0604020202020204" pitchFamily="34" charset="-128"/>
-                <a:ea typeface="Arial Unicode MS" panose="020B0604020202020204" pitchFamily="34" charset="-128"/>
-                <a:cs typeface="Arial Unicode MS" panose="020B0604020202020204" pitchFamily="34" charset="-128"/>
-                <a:sym typeface="Iowan Old Style Roman"/>
-              </a:rPr>
-              <a:t>To specify that a relationship has a maximum cardinality of one, we specify that the foreign key is UNIQUE</a:t>
-            </a:r>
-          </a:p>
-          <a:p>
-            <a:pPr marL="38100" lvl="0">
-              <a:spcBef>
-                <a:spcPts val="700"/>
-              </a:spcBef>
-              <a:buSzPct val="50000"/>
-              <a:defRPr sz="1800">
-                <a:solidFill>
-                  <a:srgbClr val="000000"/>
-                </a:solidFill>
-                <a:uFillTx/>
-              </a:defRPr>
-            </a:pPr>
-            <a:r>
-              <a:rPr lang="en-US" i="1" dirty="0">
-                <a:solidFill>
-                  <a:schemeClr val="tx1"/>
-                </a:solidFill>
-                <a:latin typeface="Arial Unicode MS" panose="020B0604020202020204" pitchFamily="34" charset="-128"/>
-                <a:ea typeface="Arial Unicode MS" panose="020B0604020202020204" pitchFamily="34" charset="-128"/>
-                <a:cs typeface="Arial Unicode MS" panose="020B0604020202020204" pitchFamily="34" charset="-128"/>
-                <a:sym typeface="Iowan Old Style Roman"/>
-              </a:rPr>
-              <a:t>In this case, the rate needs to be associated with a customer, and a customer can be assigned with only one rate (due to the UNIQUE)</a:t>
-            </a:r>
-          </a:p>
-          <a:p>
-            <a:pPr marL="38100" lvl="0">
-              <a:spcBef>
-                <a:spcPts val="700"/>
-              </a:spcBef>
-              <a:buSzPct val="50000"/>
-              <a:defRPr sz="1800">
-                <a:solidFill>
-                  <a:srgbClr val="000000"/>
-                </a:solidFill>
-                <a:uFillTx/>
-              </a:defRPr>
-            </a:pPr>
-            <a:r>
-              <a:rPr lang="en-US" sz="2600" dirty="0">
-                <a:solidFill>
-                  <a:schemeClr val="tx1"/>
-                </a:solidFill>
-                <a:latin typeface="Arial Unicode MS" panose="020B0604020202020204" pitchFamily="34" charset="-128"/>
-                <a:ea typeface="Arial Unicode MS" panose="020B0604020202020204" pitchFamily="34" charset="-128"/>
-                <a:cs typeface="Arial Unicode MS" panose="020B0604020202020204" pitchFamily="34" charset="-128"/>
-                <a:sym typeface="Iowan Old Style Roman"/>
-              </a:rPr>
-              <a:t>CREATE TABLE Rate </a:t>
-            </a:r>
-            <a:br>
-              <a:rPr lang="en-US" sz="2600" dirty="0">
-                <a:solidFill>
-                  <a:schemeClr val="tx1"/>
-                </a:solidFill>
-                <a:latin typeface="Arial Unicode MS" panose="020B0604020202020204" pitchFamily="34" charset="-128"/>
-                <a:ea typeface="Arial Unicode MS" panose="020B0604020202020204" pitchFamily="34" charset="-128"/>
-                <a:cs typeface="Arial Unicode MS" panose="020B0604020202020204" pitchFamily="34" charset="-128"/>
-                <a:sym typeface="Iowan Old Style Roman"/>
-              </a:rPr>
-            </a:br>
-            <a:r>
-              <a:rPr lang="en-US" sz="2600" dirty="0">
-                <a:solidFill>
-                  <a:schemeClr val="tx1"/>
-                </a:solidFill>
-                <a:latin typeface="Arial Unicode MS" panose="020B0604020202020204" pitchFamily="34" charset="-128"/>
-                <a:ea typeface="Arial Unicode MS" panose="020B0604020202020204" pitchFamily="34" charset="-128"/>
-                <a:cs typeface="Arial Unicode MS" panose="020B0604020202020204" pitchFamily="34" charset="-128"/>
-                <a:sym typeface="Iowan Old Style Roman"/>
-              </a:rPr>
-              <a:t>(</a:t>
-            </a:r>
-            <a:br>
-              <a:rPr lang="en-US" sz="2600" dirty="0">
-                <a:solidFill>
-                  <a:schemeClr val="tx1"/>
-                </a:solidFill>
-                <a:latin typeface="Arial Unicode MS" panose="020B0604020202020204" pitchFamily="34" charset="-128"/>
-                <a:ea typeface="Arial Unicode MS" panose="020B0604020202020204" pitchFamily="34" charset="-128"/>
-                <a:cs typeface="Arial Unicode MS" panose="020B0604020202020204" pitchFamily="34" charset="-128"/>
-                <a:sym typeface="Iowan Old Style Roman"/>
-              </a:rPr>
-            </a:br>
-            <a:r>
-              <a:rPr lang="en-US" sz="2600" dirty="0">
-                <a:solidFill>
-                  <a:schemeClr val="tx1"/>
-                </a:solidFill>
-                <a:latin typeface="Arial Unicode MS" panose="020B0604020202020204" pitchFamily="34" charset="-128"/>
-                <a:ea typeface="Arial Unicode MS" panose="020B0604020202020204" pitchFamily="34" charset="-128"/>
-                <a:cs typeface="Arial Unicode MS" panose="020B0604020202020204" pitchFamily="34" charset="-128"/>
-                <a:sym typeface="Iowan Old Style Roman"/>
-              </a:rPr>
-              <a:t>id INT,</a:t>
-            </a:r>
-          </a:p>
-          <a:p>
-            <a:pPr marL="38100" lvl="0">
-              <a:spcBef>
-                <a:spcPts val="700"/>
-              </a:spcBef>
-              <a:buSzPct val="50000"/>
-              <a:defRPr sz="1800">
-                <a:solidFill>
-                  <a:srgbClr val="000000"/>
-                </a:solidFill>
-                <a:uFillTx/>
-              </a:defRPr>
-            </a:pPr>
-            <a:r>
-              <a:rPr lang="en-US" sz="2600" dirty="0" err="1">
-                <a:solidFill>
-                  <a:schemeClr val="tx1"/>
-                </a:solidFill>
-                <a:latin typeface="Arial Unicode MS" panose="020B0604020202020204" pitchFamily="34" charset="-128"/>
-                <a:ea typeface="Arial Unicode MS" panose="020B0604020202020204" pitchFamily="34" charset="-128"/>
-                <a:cs typeface="Arial Unicode MS" panose="020B0604020202020204" pitchFamily="34" charset="-128"/>
-                <a:sym typeface="Iowan Old Style Roman"/>
-              </a:rPr>
-              <a:t>customerid</a:t>
-            </a:r>
-            <a:r>
-              <a:rPr lang="en-US" sz="2600" dirty="0">
-                <a:solidFill>
-                  <a:schemeClr val="tx1"/>
-                </a:solidFill>
-                <a:latin typeface="Arial Unicode MS" panose="020B0604020202020204" pitchFamily="34" charset="-128"/>
-                <a:ea typeface="Arial Unicode MS" panose="020B0604020202020204" pitchFamily="34" charset="-128"/>
-                <a:cs typeface="Arial Unicode MS" panose="020B0604020202020204" pitchFamily="34" charset="-128"/>
-                <a:sym typeface="Iowan Old Style Roman"/>
-              </a:rPr>
-              <a:t> INT </a:t>
-            </a:r>
-            <a:r>
-              <a:rPr lang="en-US" sz="2600" b="1" dirty="0">
-                <a:solidFill>
-                  <a:srgbClr val="57068C"/>
-                </a:solidFill>
-                <a:latin typeface="Arial Unicode MS" panose="020B0604020202020204" pitchFamily="34" charset="-128"/>
-                <a:ea typeface="Arial Unicode MS" panose="020B0604020202020204" pitchFamily="34" charset="-128"/>
-                <a:cs typeface="Arial Unicode MS" panose="020B0604020202020204" pitchFamily="34" charset="-128"/>
-                <a:sym typeface="Iowan Old Style Roman"/>
-              </a:rPr>
-              <a:t>NOT NULL</a:t>
-            </a:r>
-            <a:r>
-              <a:rPr lang="en-US" sz="2600" dirty="0">
-                <a:solidFill>
-                  <a:schemeClr val="tx1"/>
-                </a:solidFill>
-                <a:latin typeface="Arial Unicode MS" panose="020B0604020202020204" pitchFamily="34" charset="-128"/>
-                <a:ea typeface="Arial Unicode MS" panose="020B0604020202020204" pitchFamily="34" charset="-128"/>
-                <a:cs typeface="Arial Unicode MS" panose="020B0604020202020204" pitchFamily="34" charset="-128"/>
-                <a:sym typeface="Iowan Old Style Roman"/>
-              </a:rPr>
-              <a:t>,</a:t>
-            </a:r>
-            <a:br>
-              <a:rPr lang="en-US" sz="2600" dirty="0">
-                <a:solidFill>
-                  <a:schemeClr val="tx1"/>
-                </a:solidFill>
-                <a:latin typeface="Arial Unicode MS" panose="020B0604020202020204" pitchFamily="34" charset="-128"/>
-                <a:ea typeface="Arial Unicode MS" panose="020B0604020202020204" pitchFamily="34" charset="-128"/>
-                <a:cs typeface="Arial Unicode MS" panose="020B0604020202020204" pitchFamily="34" charset="-128"/>
-                <a:sym typeface="Iowan Old Style Roman"/>
-              </a:rPr>
-            </a:br>
-            <a:r>
-              <a:rPr lang="en-US" sz="2600" dirty="0">
-                <a:solidFill>
-                  <a:schemeClr val="tx1"/>
-                </a:solidFill>
-                <a:latin typeface="Arial Unicode MS" panose="020B0604020202020204" pitchFamily="34" charset="-128"/>
-                <a:ea typeface="Arial Unicode MS" panose="020B0604020202020204" pitchFamily="34" charset="-128"/>
-                <a:cs typeface="Arial Unicode MS" panose="020B0604020202020204" pitchFamily="34" charset="-128"/>
-                <a:sym typeface="Iowan Old Style Roman"/>
-              </a:rPr>
-              <a:t>price FLOAT,</a:t>
-            </a:r>
-            <a:br>
-              <a:rPr lang="en-US" sz="2600" dirty="0">
-                <a:solidFill>
-                  <a:schemeClr val="tx1"/>
-                </a:solidFill>
-                <a:latin typeface="Arial Unicode MS" panose="020B0604020202020204" pitchFamily="34" charset="-128"/>
-                <a:ea typeface="Arial Unicode MS" panose="020B0604020202020204" pitchFamily="34" charset="-128"/>
-                <a:cs typeface="Arial Unicode MS" panose="020B0604020202020204" pitchFamily="34" charset="-128"/>
-                <a:sym typeface="Iowan Old Style Roman"/>
-              </a:rPr>
-            </a:br>
-            <a:r>
-              <a:rPr lang="en-US" sz="2600" dirty="0" err="1">
-                <a:solidFill>
-                  <a:schemeClr val="tx1"/>
-                </a:solidFill>
-                <a:latin typeface="Arial Unicode MS" panose="020B0604020202020204" pitchFamily="34" charset="-128"/>
-                <a:ea typeface="Arial Unicode MS" panose="020B0604020202020204" pitchFamily="34" charset="-128"/>
-                <a:cs typeface="Arial Unicode MS" panose="020B0604020202020204" pitchFamily="34" charset="-128"/>
-                <a:sym typeface="Iowan Old Style Roman"/>
-              </a:rPr>
-              <a:t>startdate</a:t>
-            </a:r>
-            <a:r>
-              <a:rPr lang="en-US" sz="2600" dirty="0">
-                <a:solidFill>
-                  <a:schemeClr val="tx1"/>
-                </a:solidFill>
-                <a:latin typeface="Arial Unicode MS" panose="020B0604020202020204" pitchFamily="34" charset="-128"/>
-                <a:ea typeface="Arial Unicode MS" panose="020B0604020202020204" pitchFamily="34" charset="-128"/>
-                <a:cs typeface="Arial Unicode MS" panose="020B0604020202020204" pitchFamily="34" charset="-128"/>
-                <a:sym typeface="Iowan Old Style Roman"/>
-              </a:rPr>
-              <a:t> DATE,</a:t>
-            </a:r>
-          </a:p>
-          <a:p>
-            <a:pPr marL="38100" lvl="0">
-              <a:spcBef>
-                <a:spcPts val="700"/>
-              </a:spcBef>
-              <a:buSzPct val="50000"/>
-              <a:defRPr sz="1800">
-                <a:solidFill>
-                  <a:srgbClr val="000000"/>
-                </a:solidFill>
-                <a:uFillTx/>
-              </a:defRPr>
-            </a:pPr>
-            <a:r>
-              <a:rPr lang="en-US" sz="2600" dirty="0">
-                <a:solidFill>
-                  <a:schemeClr val="tx1"/>
-                </a:solidFill>
-                <a:latin typeface="Arial Unicode MS" panose="020B0604020202020204" pitchFamily="34" charset="-128"/>
-                <a:ea typeface="Arial Unicode MS" panose="020B0604020202020204" pitchFamily="34" charset="-128"/>
-                <a:cs typeface="Arial Unicode MS" panose="020B0604020202020204" pitchFamily="34" charset="-128"/>
-                <a:sym typeface="Iowan Old Style Roman"/>
-              </a:rPr>
-              <a:t>PRIMARY KEY(id),</a:t>
-            </a:r>
-          </a:p>
-          <a:p>
-            <a:pPr marL="38100" lvl="0">
-              <a:spcBef>
-                <a:spcPts val="700"/>
-              </a:spcBef>
-              <a:buSzPct val="50000"/>
-              <a:defRPr sz="1800">
-                <a:solidFill>
-                  <a:srgbClr val="000000"/>
-                </a:solidFill>
-                <a:uFillTx/>
-              </a:defRPr>
-            </a:pPr>
-            <a:r>
-              <a:rPr lang="en-US" sz="2600" b="1" dirty="0">
-                <a:solidFill>
-                  <a:srgbClr val="57068C"/>
-                </a:solidFill>
-                <a:latin typeface="Arial Unicode MS" panose="020B0604020202020204" pitchFamily="34" charset="-128"/>
-                <a:ea typeface="Arial Unicode MS" panose="020B0604020202020204" pitchFamily="34" charset="-128"/>
-                <a:cs typeface="Arial Unicode MS" panose="020B0604020202020204" pitchFamily="34" charset="-128"/>
-                <a:sym typeface="Iowan Old Style Roman"/>
-              </a:rPr>
-              <a:t>UNIQUE</a:t>
-            </a:r>
-            <a:r>
-              <a:rPr lang="en-US" sz="2600" dirty="0">
-                <a:solidFill>
-                  <a:srgbClr val="FF0000"/>
-                </a:solidFill>
-                <a:latin typeface="Arial Unicode MS" panose="020B0604020202020204" pitchFamily="34" charset="-128"/>
-                <a:ea typeface="Arial Unicode MS" panose="020B0604020202020204" pitchFamily="34" charset="-128"/>
-                <a:cs typeface="Arial Unicode MS" panose="020B0604020202020204" pitchFamily="34" charset="-128"/>
-                <a:sym typeface="Iowan Old Style Roman"/>
-              </a:rPr>
-              <a:t> </a:t>
-            </a:r>
-            <a:r>
-              <a:rPr lang="en-US" sz="2600" dirty="0">
-                <a:solidFill>
-                  <a:schemeClr val="tx1"/>
-                </a:solidFill>
-                <a:latin typeface="Arial Unicode MS" panose="020B0604020202020204" pitchFamily="34" charset="-128"/>
-                <a:ea typeface="Arial Unicode MS" panose="020B0604020202020204" pitchFamily="34" charset="-128"/>
-                <a:cs typeface="Arial Unicode MS" panose="020B0604020202020204" pitchFamily="34" charset="-128"/>
-                <a:sym typeface="Iowan Old Style Roman"/>
-              </a:rPr>
-              <a:t>(</a:t>
-            </a:r>
-            <a:r>
-              <a:rPr lang="en-US" sz="2600" dirty="0" err="1">
-                <a:solidFill>
-                  <a:schemeClr val="tx1"/>
-                </a:solidFill>
-                <a:latin typeface="Arial Unicode MS" panose="020B0604020202020204" pitchFamily="34" charset="-128"/>
-                <a:ea typeface="Arial Unicode MS" panose="020B0604020202020204" pitchFamily="34" charset="-128"/>
-                <a:cs typeface="Arial Unicode MS" panose="020B0604020202020204" pitchFamily="34" charset="-128"/>
-                <a:sym typeface="Iowan Old Style Roman"/>
-              </a:rPr>
-              <a:t>customerid</a:t>
-            </a:r>
-            <a:r>
-              <a:rPr lang="en-US" sz="2600" dirty="0">
-                <a:solidFill>
-                  <a:schemeClr val="tx1"/>
-                </a:solidFill>
-                <a:latin typeface="Arial Unicode MS" panose="020B0604020202020204" pitchFamily="34" charset="-128"/>
-                <a:ea typeface="Arial Unicode MS" panose="020B0604020202020204" pitchFamily="34" charset="-128"/>
-                <a:cs typeface="Arial Unicode MS" panose="020B0604020202020204" pitchFamily="34" charset="-128"/>
-                <a:sym typeface="Iowan Old Style Roman"/>
-              </a:rPr>
-              <a:t>),</a:t>
-            </a:r>
-          </a:p>
-          <a:p>
-            <a:pPr marL="38100" lvl="0">
-              <a:spcBef>
-                <a:spcPts val="700"/>
-              </a:spcBef>
-              <a:buSzPct val="50000"/>
-              <a:defRPr sz="1800">
-                <a:solidFill>
-                  <a:srgbClr val="000000"/>
-                </a:solidFill>
-                <a:uFillTx/>
-              </a:defRPr>
-            </a:pPr>
-            <a:r>
-              <a:rPr lang="en-US" sz="2600" dirty="0">
-                <a:solidFill>
-                  <a:schemeClr val="tx1"/>
-                </a:solidFill>
-                <a:latin typeface="Arial Unicode MS" panose="020B0604020202020204" pitchFamily="34" charset="-128"/>
-                <a:ea typeface="Arial Unicode MS" panose="020B0604020202020204" pitchFamily="34" charset="-128"/>
-                <a:cs typeface="Arial Unicode MS" panose="020B0604020202020204" pitchFamily="34" charset="-128"/>
-                <a:sym typeface="Iowan Old Style Roman"/>
-              </a:rPr>
-              <a:t>FOREIGN KEY (</a:t>
-            </a:r>
-            <a:r>
-              <a:rPr lang="en-US" sz="2600" dirty="0" err="1">
-                <a:solidFill>
-                  <a:schemeClr val="tx1"/>
-                </a:solidFill>
-                <a:latin typeface="Arial Unicode MS" panose="020B0604020202020204" pitchFamily="34" charset="-128"/>
-                <a:ea typeface="Arial Unicode MS" panose="020B0604020202020204" pitchFamily="34" charset="-128"/>
-                <a:cs typeface="Arial Unicode MS" panose="020B0604020202020204" pitchFamily="34" charset="-128"/>
-                <a:sym typeface="Iowan Old Style Roman"/>
-              </a:rPr>
-              <a:t>customerid</a:t>
-            </a:r>
-            <a:r>
-              <a:rPr lang="en-US" sz="2600" dirty="0">
-                <a:solidFill>
-                  <a:schemeClr val="tx1"/>
-                </a:solidFill>
-                <a:latin typeface="Arial Unicode MS" panose="020B0604020202020204" pitchFamily="34" charset="-128"/>
-                <a:ea typeface="Arial Unicode MS" panose="020B0604020202020204" pitchFamily="34" charset="-128"/>
-                <a:cs typeface="Arial Unicode MS" panose="020B0604020202020204" pitchFamily="34" charset="-128"/>
-                <a:sym typeface="Iowan Old Style Roman"/>
-              </a:rPr>
-              <a:t>) REFERENCES Customer(id)</a:t>
-            </a:r>
-            <a:br>
-              <a:rPr lang="en-US" sz="2600" dirty="0">
-                <a:solidFill>
-                  <a:schemeClr val="tx1"/>
-                </a:solidFill>
-                <a:latin typeface="Arial Unicode MS" panose="020B0604020202020204" pitchFamily="34" charset="-128"/>
-                <a:ea typeface="Arial Unicode MS" panose="020B0604020202020204" pitchFamily="34" charset="-128"/>
-                <a:cs typeface="Arial Unicode MS" panose="020B0604020202020204" pitchFamily="34" charset="-128"/>
-                <a:sym typeface="Iowan Old Style Roman"/>
-              </a:rPr>
-            </a:br>
-            <a:r>
-              <a:rPr lang="en-US" sz="2600" dirty="0">
-                <a:solidFill>
-                  <a:schemeClr val="tx1"/>
-                </a:solidFill>
-                <a:latin typeface="Arial Unicode MS" panose="020B0604020202020204" pitchFamily="34" charset="-128"/>
-                <a:ea typeface="Arial Unicode MS" panose="020B0604020202020204" pitchFamily="34" charset="-128"/>
-                <a:cs typeface="Arial Unicode MS" panose="020B0604020202020204" pitchFamily="34" charset="-128"/>
-                <a:sym typeface="Iowan Old Style Roman"/>
-              </a:rPr>
-              <a:t>);</a:t>
-            </a:r>
-            <a:endParaRPr lang="en-US" sz="2600" dirty="0">
-              <a:solidFill>
-                <a:schemeClr val="tx1"/>
-              </a:solidFill>
-              <a:uFill>
-                <a:solidFill/>
-              </a:uFill>
-              <a:latin typeface="Arial Unicode MS" panose="020B0604020202020204" pitchFamily="34" charset="-128"/>
-              <a:ea typeface="Arial Unicode MS" panose="020B0604020202020204" pitchFamily="34" charset="-128"/>
-              <a:cs typeface="Arial Unicode MS" panose="020B0604020202020204" pitchFamily="34" charset="-128"/>
-              <a:sym typeface="Iowan Old Style Roman"/>
-            </a:endParaRPr>
-          </a:p>
-        </p:txBody>
-      </p:sp>
-    </p:spTree>
-    <p:extLst>
-      <p:ext uri="{BB962C8B-B14F-4D97-AF65-F5344CB8AC3E}">
-        <p14:creationId xmlns:p14="http://schemas.microsoft.com/office/powerpoint/2010/main" val="1420645600"/>
-      </p:ext>
-    </p:extLst>
-  </p:cSld>
-  <p:clrMapOvr>
-    <a:masterClrMapping/>
-  </p:clrMapOvr>
-  <p:transition spd="med"/>
-</p:sld>
-</file>
-
-<file path=ppt/slides/slide36.xml><?xml version="1.0" encoding="utf-8"?>
-<p:sld xmlns:a="http://schemas.openxmlformats.org/drawingml/2006/main" xmlns:r="http://schemas.openxmlformats.org/officeDocument/2006/relationships" xmlns:p="http://schemas.openxmlformats.org/presentationml/2006/main">
-  <p:cSld>
-    <p:spTree>
-      <p:nvGrpSpPr>
-        <p:cNvPr id="1" name=""/>
-        <p:cNvGrpSpPr/>
-        <p:nvPr/>
-      </p:nvGrpSpPr>
-      <p:grpSpPr>
-        <a:xfrm>
-          <a:off x="0" y="0"/>
-          <a:ext cx="0" cy="0"/>
-          <a:chOff x="0" y="0"/>
-          <a:chExt cx="0" cy="0"/>
-        </a:xfrm>
-      </p:grpSpPr>
-      <p:sp>
-        <p:nvSpPr>
-          <p:cNvPr id="191" name="Shape 191"/>
-          <p:cNvSpPr/>
-          <p:nvPr/>
-        </p:nvSpPr>
-        <p:spPr>
-          <a:xfrm>
-            <a:off x="386308" y="147496"/>
-            <a:ext cx="7757379" cy="553998"/>
-          </a:xfrm>
-          <a:prstGeom prst="rect">
-            <a:avLst/>
-          </a:prstGeom>
-          <a:ln w="12700">
-            <a:miter lim="400000"/>
-          </a:ln>
-          <a:extLst>
-            <a:ext uri="{C572A759-6A51-4108-AA02-DFA0A04FC94B}">
-              <ma14:wrappingTextBoxFlag xmlns="" xmlns:ma14="http://schemas.microsoft.com/office/mac/drawingml/2011/main" val="1"/>
-            </a:ext>
-          </a:extLst>
-        </p:spPr>
-        <p:txBody>
-          <a:bodyPr lIns="45719" rIns="45719">
-            <a:spAutoFit/>
-          </a:bodyPr>
-          <a:lstStyle>
-            <a:lvl1pPr>
-              <a:defRPr sz="3000" b="1">
-                <a:uFill>
-                  <a:solidFill>
-                    <a:srgbClr val="FFFFFF"/>
-                  </a:solidFill>
-                </a:uFill>
-              </a:defRPr>
-            </a:lvl1pPr>
-          </a:lstStyle>
-          <a:p>
-            <a:pPr lvl="0">
-              <a:defRPr sz="1800" b="0">
-                <a:solidFill>
-                  <a:srgbClr val="000000"/>
-                </a:solidFill>
-                <a:uFillTx/>
-              </a:defRPr>
-            </a:pPr>
-            <a:r>
-              <a:rPr lang="en-US" sz="3000" b="1" dirty="0">
-                <a:solidFill>
-                  <a:srgbClr val="57068C"/>
-                </a:solidFill>
-                <a:uFill>
-                  <a:solidFill>
-                    <a:srgbClr val="FFFFFF"/>
-                  </a:solidFill>
-                </a:uFill>
-                <a:latin typeface="Arial Unicode MS" panose="020B0604020202020204" pitchFamily="34" charset="-128"/>
-                <a:ea typeface="Arial Unicode MS" panose="020B0604020202020204" pitchFamily="34" charset="-128"/>
-                <a:cs typeface="Arial Unicode MS" panose="020B0604020202020204" pitchFamily="34" charset="-128"/>
-              </a:rPr>
-              <a:t>Facilitating the process i</a:t>
-            </a:r>
-            <a:r>
-              <a:rPr sz="3000" b="1" dirty="0">
-                <a:solidFill>
-                  <a:srgbClr val="57068C"/>
-                </a:solidFill>
-                <a:uFill>
-                  <a:solidFill>
-                    <a:srgbClr val="FFFFFF"/>
-                  </a:solidFill>
-                </a:uFill>
-                <a:latin typeface="Arial Unicode MS" panose="020B0604020202020204" pitchFamily="34" charset="-128"/>
-                <a:ea typeface="Arial Unicode MS" panose="020B0604020202020204" pitchFamily="34" charset="-128"/>
-                <a:cs typeface="Arial Unicode MS" panose="020B0604020202020204" pitchFamily="34" charset="-128"/>
-              </a:rPr>
-              <a:t>n practice</a:t>
-            </a:r>
-          </a:p>
-        </p:txBody>
-      </p:sp>
-      <p:sp>
-        <p:nvSpPr>
-          <p:cNvPr id="192" name="Shape 192"/>
-          <p:cNvSpPr/>
-          <p:nvPr/>
-        </p:nvSpPr>
-        <p:spPr>
-          <a:xfrm>
-            <a:off x="469899" y="2022157"/>
-            <a:ext cx="7590196" cy="3252172"/>
-          </a:xfrm>
-          <a:prstGeom prst="rect">
-            <a:avLst/>
-          </a:prstGeom>
-          <a:ln w="12700">
-            <a:miter lim="400000"/>
-          </a:ln>
-          <a:extLst>
-            <a:ext uri="{C572A759-6A51-4108-AA02-DFA0A04FC94B}">
-              <ma14:wrappingTextBoxFlag xmlns="" xmlns:ma14="http://schemas.microsoft.com/office/mac/drawingml/2011/main" val="1"/>
-            </a:ext>
-          </a:extLst>
-        </p:spPr>
-        <p:txBody>
-          <a:bodyPr lIns="45719" rIns="45719">
-            <a:spAutoFit/>
-          </a:bodyPr>
-          <a:lstStyle/>
-          <a:p>
-            <a:pPr marL="342900" lvl="0" indent="-304800">
-              <a:spcBef>
-                <a:spcPts val="700"/>
-              </a:spcBef>
-              <a:buSzPct val="50000"/>
-              <a:buBlip>
-                <a:blip r:embed="rId2"/>
-              </a:buBlip>
-              <a:defRPr sz="1800">
-                <a:solidFill>
-                  <a:srgbClr val="000000"/>
-                </a:solidFill>
-                <a:uFillTx/>
-              </a:defRPr>
-            </a:pPr>
-            <a:r>
-              <a:rPr sz="2600" dirty="0">
-                <a:solidFill>
-                  <a:schemeClr val="tx1"/>
-                </a:solidFill>
-                <a:uFill>
-                  <a:solidFill/>
-                </a:uFill>
-                <a:latin typeface="Arial Unicode MS" panose="020B0604020202020204" pitchFamily="34" charset="-128"/>
-                <a:ea typeface="Arial Unicode MS" panose="020B0604020202020204" pitchFamily="34" charset="-128"/>
-                <a:cs typeface="Arial Unicode MS" panose="020B0604020202020204" pitchFamily="34" charset="-128"/>
-                <a:sym typeface="Iowan Old Style Roman"/>
-              </a:rPr>
-              <a:t>MySQL Workbench </a:t>
-            </a:r>
-            <a:r>
-              <a:rPr lang="en-US" sz="2600" dirty="0">
-                <a:solidFill>
-                  <a:schemeClr val="tx1"/>
-                </a:solidFill>
-                <a:uFill>
-                  <a:solidFill/>
-                </a:uFill>
-                <a:latin typeface="Arial Unicode MS" panose="020B0604020202020204" pitchFamily="34" charset="-128"/>
-                <a:ea typeface="Arial Unicode MS" panose="020B0604020202020204" pitchFamily="34" charset="-128"/>
-                <a:cs typeface="Arial Unicode MS" panose="020B0604020202020204" pitchFamily="34" charset="-128"/>
-                <a:sym typeface="Iowan Old Style Roman"/>
-              </a:rPr>
-              <a:t>many of these steps </a:t>
-            </a:r>
-            <a:r>
-              <a:rPr sz="2600" dirty="0">
-                <a:solidFill>
-                  <a:schemeClr val="tx1"/>
-                </a:solidFill>
-                <a:uFill>
-                  <a:solidFill/>
-                </a:uFill>
-                <a:latin typeface="Arial Unicode MS" panose="020B0604020202020204" pitchFamily="34" charset="-128"/>
-                <a:ea typeface="Arial Unicode MS" panose="020B0604020202020204" pitchFamily="34" charset="-128"/>
-                <a:cs typeface="Arial Unicode MS" panose="020B0604020202020204" pitchFamily="34" charset="-128"/>
-                <a:sym typeface="Iowan Old Style Roman"/>
-              </a:rPr>
-              <a:t>for you:</a:t>
-            </a:r>
-          </a:p>
-          <a:p>
-            <a:pPr marL="685800" lvl="1" indent="-304800">
-              <a:spcBef>
-                <a:spcPts val="700"/>
-              </a:spcBef>
-              <a:buSzPct val="100000"/>
-              <a:buChar char="•"/>
-              <a:defRPr sz="1800">
-                <a:solidFill>
-                  <a:srgbClr val="000000"/>
-                </a:solidFill>
-                <a:uFillTx/>
-              </a:defRPr>
-            </a:pPr>
-            <a:r>
-              <a:rPr sz="2600" dirty="0">
-                <a:solidFill>
-                  <a:schemeClr val="tx1"/>
-                </a:solidFill>
-                <a:uFill>
-                  <a:solidFill/>
-                </a:uFill>
-                <a:latin typeface="Arial Unicode MS" panose="020B0604020202020204" pitchFamily="34" charset="-128"/>
-                <a:ea typeface="Arial Unicode MS" panose="020B0604020202020204" pitchFamily="34" charset="-128"/>
-                <a:cs typeface="Arial Unicode MS" panose="020B0604020202020204" pitchFamily="34" charset="-128"/>
-                <a:sym typeface="Iowan Old Style Roman"/>
-              </a:rPr>
-              <a:t>Create the ER diagram</a:t>
-            </a:r>
-          </a:p>
-          <a:p>
-            <a:pPr marL="685800" lvl="1" indent="-304800">
-              <a:spcBef>
-                <a:spcPts val="700"/>
-              </a:spcBef>
-              <a:buSzPct val="100000"/>
-              <a:buChar char="•"/>
-              <a:defRPr sz="1800">
-                <a:solidFill>
-                  <a:srgbClr val="000000"/>
-                </a:solidFill>
-                <a:uFillTx/>
-              </a:defRPr>
-            </a:pPr>
-            <a:r>
-              <a:rPr sz="2600" dirty="0">
-                <a:solidFill>
-                  <a:schemeClr val="tx1"/>
-                </a:solidFill>
-                <a:uFill>
-                  <a:solidFill/>
-                </a:uFill>
-                <a:latin typeface="Arial Unicode MS" panose="020B0604020202020204" pitchFamily="34" charset="-128"/>
-                <a:ea typeface="Arial Unicode MS" panose="020B0604020202020204" pitchFamily="34" charset="-128"/>
-                <a:cs typeface="Arial Unicode MS" panose="020B0604020202020204" pitchFamily="34" charset="-128"/>
-                <a:sym typeface="Iowan Old Style Roman"/>
-              </a:rPr>
-              <a:t>Go to Database -&gt; Forward E</a:t>
-            </a:r>
-            <a:r>
-              <a:rPr lang="en-US" sz="2600" dirty="0">
-                <a:solidFill>
-                  <a:schemeClr val="tx1"/>
-                </a:solidFill>
-                <a:uFill>
-                  <a:solidFill/>
-                </a:uFill>
-                <a:latin typeface="Arial Unicode MS" panose="020B0604020202020204" pitchFamily="34" charset="-128"/>
-                <a:ea typeface="Arial Unicode MS" panose="020B0604020202020204" pitchFamily="34" charset="-128"/>
-                <a:cs typeface="Arial Unicode MS" panose="020B0604020202020204" pitchFamily="34" charset="-128"/>
-                <a:sym typeface="Iowan Old Style Roman"/>
-              </a:rPr>
-              <a:t>n</a:t>
-            </a:r>
-            <a:r>
-              <a:rPr sz="2600" dirty="0">
-                <a:solidFill>
-                  <a:schemeClr val="tx1"/>
-                </a:solidFill>
-                <a:uFill>
-                  <a:solidFill/>
-                </a:uFill>
-                <a:latin typeface="Arial Unicode MS" panose="020B0604020202020204" pitchFamily="34" charset="-128"/>
-                <a:ea typeface="Arial Unicode MS" panose="020B0604020202020204" pitchFamily="34" charset="-128"/>
-                <a:cs typeface="Arial Unicode MS" panose="020B0604020202020204" pitchFamily="34" charset="-128"/>
-                <a:sym typeface="Iowan Old Style Roman"/>
-              </a:rPr>
-              <a:t>gineer -&gt; Follow the instructions</a:t>
-            </a:r>
-          </a:p>
-          <a:p>
-            <a:pPr marL="685800" lvl="1" indent="-304800">
-              <a:spcBef>
-                <a:spcPts val="700"/>
-              </a:spcBef>
-              <a:buSzPct val="100000"/>
-              <a:buChar char="•"/>
-              <a:defRPr sz="1800">
-                <a:solidFill>
-                  <a:srgbClr val="000000"/>
-                </a:solidFill>
-                <a:uFillTx/>
-              </a:defRPr>
-            </a:pPr>
-            <a:r>
-              <a:rPr sz="2600" dirty="0">
-                <a:solidFill>
-                  <a:schemeClr val="tx1"/>
-                </a:solidFill>
-                <a:uFill>
-                  <a:solidFill/>
-                </a:uFill>
-                <a:latin typeface="Arial Unicode MS" panose="020B0604020202020204" pitchFamily="34" charset="-128"/>
-                <a:ea typeface="Arial Unicode MS" panose="020B0604020202020204" pitchFamily="34" charset="-128"/>
-                <a:cs typeface="Arial Unicode MS" panose="020B0604020202020204" pitchFamily="34" charset="-128"/>
-                <a:sym typeface="Iowan Old Style Roman"/>
-              </a:rPr>
-              <a:t>Your database </a:t>
-            </a:r>
-            <a:r>
-              <a:rPr lang="en-US" sz="2600" dirty="0">
-                <a:solidFill>
-                  <a:schemeClr val="tx1"/>
-                </a:solidFill>
-                <a:uFill>
-                  <a:solidFill/>
-                </a:uFill>
-                <a:latin typeface="Arial Unicode MS" panose="020B0604020202020204" pitchFamily="34" charset="-128"/>
-                <a:ea typeface="Arial Unicode MS" panose="020B0604020202020204" pitchFamily="34" charset="-128"/>
-                <a:cs typeface="Arial Unicode MS" panose="020B0604020202020204" pitchFamily="34" charset="-128"/>
-                <a:sym typeface="Iowan Old Style Roman"/>
-              </a:rPr>
-              <a:t>schema </a:t>
-            </a:r>
-            <a:r>
-              <a:rPr sz="2600" dirty="0">
-                <a:solidFill>
-                  <a:schemeClr val="tx1"/>
-                </a:solidFill>
-                <a:uFill>
-                  <a:solidFill/>
-                </a:uFill>
-                <a:latin typeface="Arial Unicode MS" panose="020B0604020202020204" pitchFamily="34" charset="-128"/>
-                <a:ea typeface="Arial Unicode MS" panose="020B0604020202020204" pitchFamily="34" charset="-128"/>
-                <a:cs typeface="Arial Unicode MS" panose="020B0604020202020204" pitchFamily="34" charset="-128"/>
-                <a:sym typeface="Iowan Old Style Roman"/>
-              </a:rPr>
-              <a:t>is </a:t>
-            </a:r>
-            <a:r>
-              <a:rPr lang="en-US" sz="2600" dirty="0">
-                <a:solidFill>
-                  <a:schemeClr val="tx1"/>
-                </a:solidFill>
-                <a:uFill>
-                  <a:solidFill/>
-                </a:uFill>
-                <a:latin typeface="Arial Unicode MS" panose="020B0604020202020204" pitchFamily="34" charset="-128"/>
-                <a:ea typeface="Arial Unicode MS" panose="020B0604020202020204" pitchFamily="34" charset="-128"/>
-                <a:cs typeface="Arial Unicode MS" panose="020B0604020202020204" pitchFamily="34" charset="-128"/>
-                <a:sym typeface="Iowan Old Style Roman"/>
-              </a:rPr>
-              <a:t>(almost) </a:t>
-            </a:r>
-            <a:r>
-              <a:rPr sz="2600" dirty="0">
-                <a:solidFill>
-                  <a:schemeClr val="tx1"/>
-                </a:solidFill>
-                <a:uFill>
-                  <a:solidFill/>
-                </a:uFill>
-                <a:latin typeface="Arial Unicode MS" panose="020B0604020202020204" pitchFamily="34" charset="-128"/>
-                <a:ea typeface="Arial Unicode MS" panose="020B0604020202020204" pitchFamily="34" charset="-128"/>
-                <a:cs typeface="Arial Unicode MS" panose="020B0604020202020204" pitchFamily="34" charset="-128"/>
-                <a:sym typeface="Iowan Old Style Roman"/>
-              </a:rPr>
-              <a:t>ready!</a:t>
-            </a:r>
-            <a:endParaRPr lang="en-US" sz="2600" dirty="0">
-              <a:solidFill>
-                <a:schemeClr val="tx1"/>
-              </a:solidFill>
-              <a:latin typeface="Arial Unicode MS" panose="020B0604020202020204" pitchFamily="34" charset="-128"/>
-              <a:ea typeface="Arial Unicode MS" panose="020B0604020202020204" pitchFamily="34" charset="-128"/>
-              <a:cs typeface="Arial Unicode MS" panose="020B0604020202020204" pitchFamily="34" charset="-128"/>
-              <a:sym typeface="Iowan Old Style Roman"/>
-            </a:endParaRPr>
-          </a:p>
-          <a:p>
-            <a:pPr marL="685800" lvl="2" indent="-304800">
-              <a:spcBef>
-                <a:spcPts val="700"/>
-              </a:spcBef>
-              <a:buSzPct val="100000"/>
-              <a:buChar char="•"/>
-              <a:defRPr sz="1800">
-                <a:solidFill>
-                  <a:srgbClr val="000000"/>
-                </a:solidFill>
-                <a:uFillTx/>
-              </a:defRPr>
-            </a:pPr>
-            <a:r>
-              <a:rPr lang="en-US" sz="2600" b="1" i="1" dirty="0">
-                <a:solidFill>
-                  <a:schemeClr val="tx1"/>
-                </a:solidFill>
-                <a:uFill>
-                  <a:solidFill/>
-                </a:uFill>
-                <a:latin typeface="Arial Unicode MS" panose="020B0604020202020204" pitchFamily="34" charset="-128"/>
-                <a:ea typeface="Arial Unicode MS" panose="020B0604020202020204" pitchFamily="34" charset="-128"/>
-                <a:cs typeface="Arial Unicode MS" panose="020B0604020202020204" pitchFamily="34" charset="-128"/>
-                <a:sym typeface="Iowan Old Style Roman"/>
-              </a:rPr>
-              <a:t>Often</a:t>
-            </a:r>
-            <a:r>
-              <a:rPr lang="en-US" sz="2600" dirty="0">
-                <a:solidFill>
-                  <a:schemeClr val="tx1"/>
-                </a:solidFill>
-                <a:uFill>
-                  <a:solidFill/>
-                </a:uFill>
-                <a:latin typeface="Arial Unicode MS" panose="020B0604020202020204" pitchFamily="34" charset="-128"/>
-                <a:ea typeface="Arial Unicode MS" panose="020B0604020202020204" pitchFamily="34" charset="-128"/>
-                <a:cs typeface="Arial Unicode MS" panose="020B0604020202020204" pitchFamily="34" charset="-128"/>
-                <a:sym typeface="Iowan Old Style Roman"/>
-              </a:rPr>
-              <a:t>, you need  to fine-tune the output based on what we learned</a:t>
-            </a:r>
-          </a:p>
-        </p:txBody>
-      </p:sp>
-    </p:spTree>
-    <p:extLst>
-      <p:ext uri="{BB962C8B-B14F-4D97-AF65-F5344CB8AC3E}">
-        <p14:creationId xmlns:p14="http://schemas.microsoft.com/office/powerpoint/2010/main" val="3303992510"/>
-      </p:ext>
-    </p:extLst>
-  </p:cSld>
-  <p:clrMapOvr>
-    <a:masterClrMapping/>
-  </p:clrMapOvr>
-  <p:transition spd="med"/>
-</p:sld>
-</file>
-
-<file path=ppt/slides/slide37.xml><?xml version="1.0" encoding="utf-8"?>
-<p:sld xmlns:a="http://schemas.openxmlformats.org/drawingml/2006/main" xmlns:r="http://schemas.openxmlformats.org/officeDocument/2006/relationships" xmlns:p="http://schemas.openxmlformats.org/presentationml/2006/main">
-  <p:cSld>
-    <p:spTree>
-      <p:nvGrpSpPr>
-        <p:cNvPr id="1" name=""/>
-        <p:cNvGrpSpPr/>
-        <p:nvPr/>
-      </p:nvGrpSpPr>
-      <p:grpSpPr>
-        <a:xfrm>
-          <a:off x="0" y="0"/>
-          <a:ext cx="0" cy="0"/>
-          <a:chOff x="0" y="0"/>
-          <a:chExt cx="0" cy="0"/>
-        </a:xfrm>
-      </p:grpSpPr>
-      <p:sp>
-        <p:nvSpPr>
-          <p:cNvPr id="151" name="Shape 151"/>
-          <p:cNvSpPr/>
-          <p:nvPr/>
-        </p:nvSpPr>
-        <p:spPr>
-          <a:xfrm>
-            <a:off x="386308" y="147496"/>
-            <a:ext cx="7757379" cy="553998"/>
-          </a:xfrm>
-          <a:prstGeom prst="rect">
-            <a:avLst/>
-          </a:prstGeom>
-          <a:ln w="12700">
-            <a:miter lim="400000"/>
-          </a:ln>
-          <a:extLst>
-            <a:ext uri="{C572A759-6A51-4108-AA02-DFA0A04FC94B}">
-              <ma14:wrappingTextBoxFlag xmlns="" xmlns:ma14="http://schemas.microsoft.com/office/mac/drawingml/2011/main" val="1"/>
-            </a:ext>
-          </a:extLst>
-        </p:spPr>
-        <p:txBody>
-          <a:bodyPr lIns="45719" rIns="45719">
-            <a:spAutoFit/>
-          </a:bodyPr>
-          <a:lstStyle>
-            <a:lvl1pPr>
-              <a:defRPr sz="3000" b="1">
-                <a:uFill>
-                  <a:solidFill>
-                    <a:srgbClr val="FFFFFF"/>
-                  </a:solidFill>
-                </a:uFill>
-              </a:defRPr>
-            </a:lvl1pPr>
-          </a:lstStyle>
-          <a:p>
-            <a:pPr lvl="0">
-              <a:defRPr sz="1800" b="0">
-                <a:solidFill>
-                  <a:srgbClr val="000000"/>
-                </a:solidFill>
-                <a:uFillTx/>
-              </a:defRPr>
-            </a:pPr>
-            <a:r>
-              <a:rPr sz="3000" b="1" dirty="0">
-                <a:solidFill>
-                  <a:srgbClr val="57068C"/>
-                </a:solidFill>
-                <a:uFill>
-                  <a:solidFill>
-                    <a:srgbClr val="FFFFFF"/>
-                  </a:solidFill>
-                </a:uFill>
-                <a:latin typeface="Arial Unicode MS" panose="020B0604020202020204" pitchFamily="34" charset="-128"/>
-                <a:ea typeface="Arial Unicode MS" panose="020B0604020202020204" pitchFamily="34" charset="-128"/>
-                <a:cs typeface="Arial Unicode MS" panose="020B0604020202020204" pitchFamily="34" charset="-128"/>
-              </a:rPr>
-              <a:t>Summary of ER modeling</a:t>
-            </a:r>
-          </a:p>
-        </p:txBody>
-      </p:sp>
-      <p:sp>
-        <p:nvSpPr>
-          <p:cNvPr id="152" name="Shape 152"/>
-          <p:cNvSpPr/>
-          <p:nvPr/>
-        </p:nvSpPr>
-        <p:spPr>
-          <a:xfrm>
-            <a:off x="469900" y="1282700"/>
-            <a:ext cx="7590195" cy="4106252"/>
-          </a:xfrm>
-          <a:prstGeom prst="rect">
-            <a:avLst/>
-          </a:prstGeom>
-          <a:ln w="12700">
-            <a:miter lim="400000"/>
-          </a:ln>
-          <a:extLst>
-            <a:ext uri="{C572A759-6A51-4108-AA02-DFA0A04FC94B}">
-              <ma14:wrappingTextBoxFlag xmlns="" xmlns:ma14="http://schemas.microsoft.com/office/mac/drawingml/2011/main" val="1"/>
-            </a:ext>
-          </a:extLst>
-        </p:spPr>
-        <p:txBody>
-          <a:bodyPr lIns="45719" rIns="45719">
-            <a:spAutoFit/>
-          </a:bodyPr>
-          <a:lstStyle/>
-          <a:p>
-            <a:pPr marL="296007" lvl="0" indent="-257907">
-              <a:spcBef>
-                <a:spcPts val="700"/>
-              </a:spcBef>
-              <a:buSzPct val="50000"/>
-              <a:buBlip>
-                <a:blip r:embed="rId2"/>
-              </a:buBlip>
-              <a:defRPr sz="1800">
-                <a:solidFill>
-                  <a:srgbClr val="000000"/>
-                </a:solidFill>
-                <a:uFillTx/>
-              </a:defRPr>
-            </a:pPr>
-            <a:r>
-              <a:rPr sz="2200" dirty="0">
-                <a:solidFill>
-                  <a:schemeClr val="tx1"/>
-                </a:solidFill>
-                <a:uFill>
-                  <a:solidFill/>
-                </a:uFill>
-                <a:latin typeface="Arial Unicode MS" panose="020B0604020202020204" pitchFamily="34" charset="-128"/>
-                <a:ea typeface="Arial Unicode MS" panose="020B0604020202020204" pitchFamily="34" charset="-128"/>
-                <a:cs typeface="Arial Unicode MS" panose="020B0604020202020204" pitchFamily="34" charset="-128"/>
-                <a:sym typeface="Iowan Old Style Roman"/>
-              </a:rPr>
-              <a:t>ER model is popular for conceptual design</a:t>
-            </a:r>
-          </a:p>
-          <a:p>
-            <a:pPr marL="638907" lvl="1" indent="-257907">
-              <a:spcBef>
-                <a:spcPts val="700"/>
-              </a:spcBef>
-              <a:buSzPct val="100000"/>
-              <a:buChar char="•"/>
-              <a:defRPr sz="1800">
-                <a:solidFill>
-                  <a:srgbClr val="000000"/>
-                </a:solidFill>
-                <a:uFillTx/>
-              </a:defRPr>
-            </a:pPr>
-            <a:r>
-              <a:rPr sz="2200" dirty="0">
-                <a:solidFill>
-                  <a:schemeClr val="tx1"/>
-                </a:solidFill>
-                <a:uFill>
-                  <a:solidFill/>
-                </a:uFill>
-                <a:latin typeface="Arial Unicode MS" panose="020B0604020202020204" pitchFamily="34" charset="-128"/>
-                <a:ea typeface="Arial Unicode MS" panose="020B0604020202020204" pitchFamily="34" charset="-128"/>
-                <a:cs typeface="Arial Unicode MS" panose="020B0604020202020204" pitchFamily="34" charset="-128"/>
-                <a:sym typeface="Iowan Old Style Roman"/>
-              </a:rPr>
-              <a:t>Constructs are expressive, intuitive and graphical. </a:t>
-            </a:r>
-          </a:p>
-          <a:p>
-            <a:pPr marL="296007" lvl="0" indent="-257907">
-              <a:spcBef>
-                <a:spcPts val="700"/>
-              </a:spcBef>
-              <a:buSzPct val="50000"/>
-              <a:buBlip>
-                <a:blip r:embed="rId2"/>
-              </a:buBlip>
-              <a:defRPr sz="1800">
-                <a:solidFill>
-                  <a:srgbClr val="000000"/>
-                </a:solidFill>
-                <a:uFillTx/>
-              </a:defRPr>
-            </a:pPr>
-            <a:r>
-              <a:rPr sz="2200" dirty="0">
-                <a:solidFill>
-                  <a:schemeClr val="tx1"/>
-                </a:solidFill>
-                <a:uFill>
-                  <a:solidFill/>
-                </a:uFill>
-                <a:latin typeface="Arial Unicode MS" panose="020B0604020202020204" pitchFamily="34" charset="-128"/>
-                <a:ea typeface="Arial Unicode MS" panose="020B0604020202020204" pitchFamily="34" charset="-128"/>
-                <a:cs typeface="Arial Unicode MS" panose="020B0604020202020204" pitchFamily="34" charset="-128"/>
-                <a:sym typeface="Iowan Old Style Roman"/>
-              </a:rPr>
-              <a:t>Basic constructs: entity types, relationships (cardinalities), and attributes</a:t>
-            </a:r>
-          </a:p>
-          <a:p>
-            <a:pPr marL="296007" lvl="0" indent="-257907">
-              <a:spcBef>
-                <a:spcPts val="700"/>
-              </a:spcBef>
-              <a:buSzPct val="50000"/>
-              <a:buBlip>
-                <a:blip r:embed="rId2"/>
-              </a:buBlip>
-              <a:defRPr sz="1800">
-                <a:solidFill>
-                  <a:srgbClr val="000000"/>
-                </a:solidFill>
-                <a:uFillTx/>
-              </a:defRPr>
-            </a:pPr>
-            <a:r>
-              <a:rPr sz="2200" dirty="0">
-                <a:solidFill>
-                  <a:schemeClr val="tx1"/>
-                </a:solidFill>
-                <a:uFill>
-                  <a:solidFill/>
-                </a:uFill>
-                <a:latin typeface="Arial Unicode MS" panose="020B0604020202020204" pitchFamily="34" charset="-128"/>
-                <a:ea typeface="Arial Unicode MS" panose="020B0604020202020204" pitchFamily="34" charset="-128"/>
-                <a:cs typeface="Arial Unicode MS" panose="020B0604020202020204" pitchFamily="34" charset="-128"/>
-                <a:sym typeface="Iowan Old Style Roman"/>
-              </a:rPr>
-              <a:t>ER modeling is subjective!  </a:t>
-            </a:r>
-          </a:p>
-          <a:p>
-            <a:pPr marL="638907" lvl="1" indent="-257907">
-              <a:spcBef>
-                <a:spcPts val="700"/>
-              </a:spcBef>
-              <a:buSzPct val="100000"/>
-              <a:buChar char="•"/>
-              <a:defRPr sz="1800">
-                <a:solidFill>
-                  <a:srgbClr val="000000"/>
-                </a:solidFill>
-                <a:uFillTx/>
-              </a:defRPr>
-            </a:pPr>
-            <a:r>
-              <a:rPr sz="2200" dirty="0">
-                <a:solidFill>
-                  <a:schemeClr val="tx1"/>
-                </a:solidFill>
-                <a:uFill>
-                  <a:solidFill/>
-                </a:uFill>
-                <a:latin typeface="Arial Unicode MS" panose="020B0604020202020204" pitchFamily="34" charset="-128"/>
-                <a:ea typeface="Arial Unicode MS" panose="020B0604020202020204" pitchFamily="34" charset="-128"/>
-                <a:cs typeface="Arial Unicode MS" panose="020B0604020202020204" pitchFamily="34" charset="-128"/>
-                <a:sym typeface="Iowan Old Style Roman"/>
-              </a:rPr>
-              <a:t>There are often many ways to model a given scenario! </a:t>
-            </a:r>
-          </a:p>
-          <a:p>
-            <a:pPr marL="638907" lvl="1" indent="-257907">
-              <a:spcBef>
-                <a:spcPts val="700"/>
-              </a:spcBef>
-              <a:buSzPct val="100000"/>
-              <a:buChar char="•"/>
-              <a:defRPr sz="1800">
-                <a:solidFill>
-                  <a:srgbClr val="000000"/>
-                </a:solidFill>
-                <a:uFillTx/>
-              </a:defRPr>
-            </a:pPr>
-            <a:r>
-              <a:rPr sz="2200" dirty="0">
-                <a:solidFill>
-                  <a:schemeClr val="tx1"/>
-                </a:solidFill>
-                <a:uFill>
-                  <a:solidFill/>
-                </a:uFill>
-                <a:latin typeface="Arial Unicode MS" panose="020B0604020202020204" pitchFamily="34" charset="-128"/>
-                <a:ea typeface="Arial Unicode MS" panose="020B0604020202020204" pitchFamily="34" charset="-128"/>
-                <a:cs typeface="Arial Unicode MS" panose="020B0604020202020204" pitchFamily="34" charset="-128"/>
-                <a:sym typeface="Iowan Old Style Roman"/>
-              </a:rPr>
-              <a:t>Analyzing alternatives is key</a:t>
-            </a:r>
-          </a:p>
-          <a:p>
-            <a:pPr marL="296007" lvl="0" indent="-257907">
-              <a:spcBef>
-                <a:spcPts val="700"/>
-              </a:spcBef>
-              <a:buSzPct val="50000"/>
-              <a:buBlip>
-                <a:blip r:embed="rId2"/>
-              </a:buBlip>
-              <a:defRPr sz="1800">
-                <a:solidFill>
-                  <a:srgbClr val="000000"/>
-                </a:solidFill>
-                <a:uFillTx/>
-              </a:defRPr>
-            </a:pPr>
-            <a:r>
-              <a:rPr sz="2200" dirty="0">
-                <a:solidFill>
-                  <a:schemeClr val="tx1"/>
-                </a:solidFill>
-                <a:uFill>
-                  <a:solidFill/>
-                </a:uFill>
-                <a:latin typeface="Arial Unicode MS" panose="020B0604020202020204" pitchFamily="34" charset="-128"/>
-                <a:ea typeface="Arial Unicode MS" panose="020B0604020202020204" pitchFamily="34" charset="-128"/>
-                <a:cs typeface="Arial Unicode MS" panose="020B0604020202020204" pitchFamily="34" charset="-128"/>
-                <a:sym typeface="Iowan Old Style Roman"/>
-              </a:rPr>
-              <a:t>ER modeling is iterative!</a:t>
-            </a:r>
-          </a:p>
-          <a:p>
-            <a:pPr marL="638907" lvl="1" indent="-257907">
-              <a:spcBef>
-                <a:spcPts val="700"/>
-              </a:spcBef>
-              <a:buSzPct val="100000"/>
-              <a:buChar char="•"/>
-              <a:defRPr sz="1800">
-                <a:solidFill>
-                  <a:srgbClr val="000000"/>
-                </a:solidFill>
-                <a:uFillTx/>
-              </a:defRPr>
-            </a:pPr>
-            <a:r>
-              <a:rPr sz="2200" dirty="0">
-                <a:solidFill>
-                  <a:schemeClr val="tx1"/>
-                </a:solidFill>
-                <a:uFill>
-                  <a:solidFill/>
-                </a:uFill>
-                <a:latin typeface="Arial Unicode MS" panose="020B0604020202020204" pitchFamily="34" charset="-128"/>
-                <a:ea typeface="Arial Unicode MS" panose="020B0604020202020204" pitchFamily="34" charset="-128"/>
-                <a:cs typeface="Arial Unicode MS" panose="020B0604020202020204" pitchFamily="34" charset="-128"/>
-                <a:sym typeface="Iowan Old Style Roman"/>
-              </a:rPr>
-              <a:t>Resulting diagram should be analyzed and refined further. </a:t>
-            </a:r>
-          </a:p>
-        </p:txBody>
-      </p:sp>
-    </p:spTree>
-    <p:extLst>
-      <p:ext uri="{BB962C8B-B14F-4D97-AF65-F5344CB8AC3E}">
-        <p14:creationId xmlns:p14="http://schemas.microsoft.com/office/powerpoint/2010/main" val="599677968"/>
-      </p:ext>
-    </p:extLst>
-  </p:cSld>
-  <p:clrMapOvr>
-    <a:masterClrMapping/>
-  </p:clrMapOvr>
-  <p:transition spd="med"/>
-</p:sld>
-</file>
-
-<file path=ppt/slides/slide38.xml><?xml version="1.0" encoding="utf-8"?>
-<p:sld xmlns:a="http://schemas.openxmlformats.org/drawingml/2006/main" xmlns:r="http://schemas.openxmlformats.org/officeDocument/2006/relationships" xmlns:p="http://schemas.openxmlformats.org/presentationml/2006/main">
-  <p:cSld>
-    <p:spTree>
-      <p:nvGrpSpPr>
-        <p:cNvPr id="1" name=""/>
-        <p:cNvGrpSpPr/>
-        <p:nvPr/>
-      </p:nvGrpSpPr>
-      <p:grpSpPr>
-        <a:xfrm>
-          <a:off x="0" y="0"/>
-          <a:ext cx="0" cy="0"/>
-          <a:chOff x="0" y="0"/>
-          <a:chExt cx="0" cy="0"/>
-        </a:xfrm>
-      </p:grpSpPr>
-      <p:sp>
-        <p:nvSpPr>
-          <p:cNvPr id="147" name="Shape 147"/>
-          <p:cNvSpPr/>
-          <p:nvPr/>
-        </p:nvSpPr>
-        <p:spPr>
-          <a:xfrm>
-            <a:off x="386308" y="147496"/>
-            <a:ext cx="7757379" cy="1077218"/>
-          </a:xfrm>
-          <a:prstGeom prst="rect">
-            <a:avLst/>
-          </a:prstGeom>
-          <a:ln w="12700">
-            <a:miter lim="400000"/>
-          </a:ln>
-          <a:extLst>
-            <a:ext uri="{C572A759-6A51-4108-AA02-DFA0A04FC94B}">
-              <ma14:wrappingTextBoxFlag xmlns="" xmlns:ma14="http://schemas.microsoft.com/office/mac/drawingml/2011/main" val="1"/>
-            </a:ext>
-          </a:extLst>
-        </p:spPr>
-        <p:txBody>
-          <a:bodyPr lIns="45719" rIns="45719">
-            <a:spAutoFit/>
-          </a:bodyPr>
-          <a:lstStyle>
-            <a:lvl1pPr>
-              <a:defRPr sz="3000" b="1">
-                <a:uFill>
-                  <a:solidFill>
-                    <a:srgbClr val="FFFFFF"/>
-                  </a:solidFill>
-                </a:uFill>
-              </a:defRPr>
-            </a:lvl1pPr>
-          </a:lstStyle>
-          <a:p>
-            <a:pPr lvl="0">
-              <a:defRPr sz="1800" b="0">
-                <a:solidFill>
-                  <a:srgbClr val="000000"/>
-                </a:solidFill>
-                <a:uFillTx/>
-              </a:defRPr>
-            </a:pPr>
-            <a:r>
-              <a:rPr lang="en-US" sz="3200" dirty="0">
-                <a:solidFill>
-                  <a:srgbClr val="57068C"/>
-                </a:solidFill>
-                <a:latin typeface="Arial Unicode MS" panose="020B0604020202020204" pitchFamily="34" charset="-128"/>
-                <a:ea typeface="Arial Unicode MS" panose="020B0604020202020204" pitchFamily="34" charset="-128"/>
-                <a:cs typeface="Arial Unicode MS" panose="020B0604020202020204" pitchFamily="34" charset="-128"/>
-              </a:rPr>
-              <a:t>In-class exercise: (if we have time)</a:t>
-            </a:r>
-            <a:br>
-              <a:rPr lang="en-US" sz="3200" dirty="0">
-                <a:solidFill>
-                  <a:srgbClr val="57068C"/>
-                </a:solidFill>
-                <a:latin typeface="Arial Unicode MS" panose="020B0604020202020204" pitchFamily="34" charset="-128"/>
-                <a:ea typeface="Arial Unicode MS" panose="020B0604020202020204" pitchFamily="34" charset="-128"/>
-                <a:cs typeface="Arial Unicode MS" panose="020B0604020202020204" pitchFamily="34" charset="-128"/>
-              </a:rPr>
-            </a:br>
-            <a:r>
-              <a:rPr lang="en-US" sz="3200" dirty="0">
-                <a:solidFill>
-                  <a:srgbClr val="57068C"/>
-                </a:solidFill>
-                <a:latin typeface="Arial Unicode MS" panose="020B0604020202020204" pitchFamily="34" charset="-128"/>
-                <a:ea typeface="Arial Unicode MS" panose="020B0604020202020204" pitchFamily="34" charset="-128"/>
-                <a:cs typeface="Arial Unicode MS" panose="020B0604020202020204" pitchFamily="34" charset="-128"/>
-              </a:rPr>
-              <a:t>Create the following ERDs and tables</a:t>
-            </a:r>
-          </a:p>
-        </p:txBody>
-      </p:sp>
-      <p:sp>
-        <p:nvSpPr>
-          <p:cNvPr id="148" name="Shape 148"/>
-          <p:cNvSpPr/>
-          <p:nvPr/>
-        </p:nvSpPr>
-        <p:spPr>
-          <a:xfrm>
-            <a:off x="0" y="1538949"/>
-            <a:ext cx="8921183" cy="5242461"/>
-          </a:xfrm>
-          <a:prstGeom prst="rect">
-            <a:avLst/>
-          </a:prstGeom>
-          <a:ln w="12700">
-            <a:miter lim="400000"/>
-          </a:ln>
-          <a:extLst>
-            <a:ext uri="{C572A759-6A51-4108-AA02-DFA0A04FC94B}">
-              <ma14:wrappingTextBoxFlag xmlns="" xmlns:ma14="http://schemas.microsoft.com/office/mac/drawingml/2011/main" val="1"/>
-            </a:ext>
-          </a:extLst>
-        </p:spPr>
-        <p:txBody>
-          <a:bodyPr lIns="45719" rIns="45719">
-            <a:spAutoFit/>
-          </a:bodyPr>
-          <a:lstStyle/>
-          <a:p>
-            <a:pPr marL="225669" lvl="0" indent="-187569">
-              <a:spcBef>
-                <a:spcPts val="700"/>
-              </a:spcBef>
-              <a:buSzPct val="50000"/>
-              <a:buBlip>
-                <a:blip r:embed="rId2"/>
-              </a:buBlip>
-              <a:defRPr sz="1800">
-                <a:solidFill>
-                  <a:srgbClr val="000000"/>
-                </a:solidFill>
-                <a:uFillTx/>
-              </a:defRPr>
-            </a:pPr>
-            <a:r>
-              <a:rPr sz="1600" dirty="0" err="1">
-                <a:solidFill>
-                  <a:schemeClr val="tx1"/>
-                </a:solidFill>
-                <a:uFill>
-                  <a:solidFill/>
-                </a:uFill>
-                <a:latin typeface="Arial Unicode MS" panose="020B0604020202020204" pitchFamily="34" charset="-128"/>
-                <a:ea typeface="Arial Unicode MS" panose="020B0604020202020204" pitchFamily="34" charset="-128"/>
-                <a:cs typeface="Arial Unicode MS" panose="020B0604020202020204" pitchFamily="34" charset="-128"/>
-                <a:sym typeface="Iowan Old Style Roman"/>
-              </a:rPr>
-              <a:t>NoFuture</a:t>
-            </a:r>
-            <a:r>
-              <a:rPr sz="1600" dirty="0">
-                <a:solidFill>
-                  <a:schemeClr val="tx1"/>
-                </a:solidFill>
-                <a:uFill>
-                  <a:solidFill/>
-                </a:uFill>
-                <a:latin typeface="Arial Unicode MS" panose="020B0604020202020204" pitchFamily="34" charset="-128"/>
-                <a:ea typeface="Arial Unicode MS" panose="020B0604020202020204" pitchFamily="34" charset="-128"/>
-                <a:cs typeface="Arial Unicode MS" panose="020B0604020202020204" pitchFamily="34" charset="-128"/>
-                <a:sym typeface="Iowan Old Style Roman"/>
-              </a:rPr>
-              <a:t> Records has decided to store information about musicians who perform on its albums (as well as other company data) in a database. </a:t>
-            </a:r>
-          </a:p>
-          <a:p>
-            <a:pPr marL="568569" lvl="1" indent="-187569">
-              <a:spcBef>
-                <a:spcPts val="700"/>
-              </a:spcBef>
-              <a:buSzPct val="100000"/>
-              <a:buChar char="•"/>
-              <a:defRPr sz="1800">
-                <a:solidFill>
-                  <a:srgbClr val="000000"/>
-                </a:solidFill>
-                <a:uFillTx/>
-              </a:defRPr>
-            </a:pPr>
-            <a:r>
-              <a:rPr sz="1600" dirty="0">
-                <a:solidFill>
-                  <a:schemeClr val="tx1"/>
-                </a:solidFill>
-                <a:uFill>
-                  <a:solidFill/>
-                </a:uFill>
-                <a:latin typeface="Arial Unicode MS" panose="020B0604020202020204" pitchFamily="34" charset="-128"/>
-                <a:ea typeface="Arial Unicode MS" panose="020B0604020202020204" pitchFamily="34" charset="-128"/>
-                <a:cs typeface="Arial Unicode MS" panose="020B0604020202020204" pitchFamily="34" charset="-128"/>
-                <a:sym typeface="Iowan Old Style Roman"/>
-              </a:rPr>
-              <a:t>Each musician that records at </a:t>
-            </a:r>
-            <a:r>
-              <a:rPr sz="1600" dirty="0" err="1">
-                <a:solidFill>
-                  <a:schemeClr val="tx1"/>
-                </a:solidFill>
-                <a:uFill>
-                  <a:solidFill/>
-                </a:uFill>
-                <a:latin typeface="Arial Unicode MS" panose="020B0604020202020204" pitchFamily="34" charset="-128"/>
-                <a:ea typeface="Arial Unicode MS" panose="020B0604020202020204" pitchFamily="34" charset="-128"/>
-                <a:cs typeface="Arial Unicode MS" panose="020B0604020202020204" pitchFamily="34" charset="-128"/>
-                <a:sym typeface="Iowan Old Style Roman"/>
-              </a:rPr>
-              <a:t>NoFuture</a:t>
-            </a:r>
-            <a:r>
-              <a:rPr sz="1600" dirty="0">
-                <a:solidFill>
-                  <a:schemeClr val="tx1"/>
-                </a:solidFill>
-                <a:uFill>
-                  <a:solidFill/>
-                </a:uFill>
-                <a:latin typeface="Arial Unicode MS" panose="020B0604020202020204" pitchFamily="34" charset="-128"/>
-                <a:ea typeface="Arial Unicode MS" panose="020B0604020202020204" pitchFamily="34" charset="-128"/>
-                <a:cs typeface="Arial Unicode MS" panose="020B0604020202020204" pitchFamily="34" charset="-128"/>
-                <a:sym typeface="Iowan Old Style Roman"/>
-              </a:rPr>
-              <a:t> has an SSN, a name, an address, and a phone number. Poorly paid musicians often share the same address, and no address has more than one phone.</a:t>
-            </a:r>
-          </a:p>
-          <a:p>
-            <a:pPr marL="568569" lvl="1" indent="-187569">
-              <a:spcBef>
-                <a:spcPts val="700"/>
-              </a:spcBef>
-              <a:buSzPct val="100000"/>
-              <a:buChar char="•"/>
-              <a:defRPr sz="1800">
-                <a:solidFill>
-                  <a:srgbClr val="000000"/>
-                </a:solidFill>
-                <a:uFillTx/>
-              </a:defRPr>
-            </a:pPr>
-            <a:r>
-              <a:rPr sz="1600" dirty="0">
-                <a:solidFill>
-                  <a:schemeClr val="tx1"/>
-                </a:solidFill>
-                <a:uFill>
-                  <a:solidFill/>
-                </a:uFill>
-                <a:latin typeface="Arial Unicode MS" panose="020B0604020202020204" pitchFamily="34" charset="-128"/>
-                <a:ea typeface="Arial Unicode MS" panose="020B0604020202020204" pitchFamily="34" charset="-128"/>
-                <a:cs typeface="Arial Unicode MS" panose="020B0604020202020204" pitchFamily="34" charset="-128"/>
-                <a:sym typeface="Iowan Old Style Roman"/>
-              </a:rPr>
-              <a:t>Each instrument used in songs recorded at </a:t>
-            </a:r>
-            <a:r>
-              <a:rPr sz="1600" dirty="0" err="1">
-                <a:solidFill>
-                  <a:schemeClr val="tx1"/>
-                </a:solidFill>
-                <a:uFill>
-                  <a:solidFill/>
-                </a:uFill>
-                <a:latin typeface="Arial Unicode MS" panose="020B0604020202020204" pitchFamily="34" charset="-128"/>
-                <a:ea typeface="Arial Unicode MS" panose="020B0604020202020204" pitchFamily="34" charset="-128"/>
-                <a:cs typeface="Arial Unicode MS" panose="020B0604020202020204" pitchFamily="34" charset="-128"/>
-                <a:sym typeface="Iowan Old Style Roman"/>
-              </a:rPr>
-              <a:t>NoFuture</a:t>
-            </a:r>
-            <a:r>
-              <a:rPr sz="1600" dirty="0">
-                <a:solidFill>
-                  <a:schemeClr val="tx1"/>
-                </a:solidFill>
-                <a:uFill>
-                  <a:solidFill/>
-                </a:uFill>
-                <a:latin typeface="Arial Unicode MS" panose="020B0604020202020204" pitchFamily="34" charset="-128"/>
-                <a:ea typeface="Arial Unicode MS" panose="020B0604020202020204" pitchFamily="34" charset="-128"/>
-                <a:cs typeface="Arial Unicode MS" panose="020B0604020202020204" pitchFamily="34" charset="-128"/>
-                <a:sym typeface="Iowan Old Style Roman"/>
-              </a:rPr>
-              <a:t> has a unique identification number, a name (e.g., guitar, synthesizer, ﬂute) and a musical key (e.g., C, B-ﬂat, E-ﬂat).</a:t>
-            </a:r>
-          </a:p>
-          <a:p>
-            <a:pPr marL="568569" lvl="1" indent="-187569">
-              <a:spcBef>
-                <a:spcPts val="700"/>
-              </a:spcBef>
-              <a:buSzPct val="100000"/>
-              <a:buChar char="•"/>
-              <a:defRPr sz="1800">
-                <a:solidFill>
-                  <a:srgbClr val="000000"/>
-                </a:solidFill>
-                <a:uFillTx/>
-              </a:defRPr>
-            </a:pPr>
-            <a:r>
-              <a:rPr sz="1600" dirty="0">
-                <a:solidFill>
-                  <a:schemeClr val="tx1"/>
-                </a:solidFill>
-                <a:uFill>
-                  <a:solidFill/>
-                </a:uFill>
-                <a:latin typeface="Arial Unicode MS" panose="020B0604020202020204" pitchFamily="34" charset="-128"/>
-                <a:ea typeface="Arial Unicode MS" panose="020B0604020202020204" pitchFamily="34" charset="-128"/>
-                <a:cs typeface="Arial Unicode MS" panose="020B0604020202020204" pitchFamily="34" charset="-128"/>
-                <a:sym typeface="Iowan Old Style Roman"/>
-              </a:rPr>
-              <a:t>Each album recorded on the </a:t>
-            </a:r>
-            <a:r>
-              <a:rPr sz="1600" dirty="0" err="1">
-                <a:solidFill>
-                  <a:schemeClr val="tx1"/>
-                </a:solidFill>
-                <a:uFill>
-                  <a:solidFill/>
-                </a:uFill>
-                <a:latin typeface="Arial Unicode MS" panose="020B0604020202020204" pitchFamily="34" charset="-128"/>
-                <a:ea typeface="Arial Unicode MS" panose="020B0604020202020204" pitchFamily="34" charset="-128"/>
-                <a:cs typeface="Arial Unicode MS" panose="020B0604020202020204" pitchFamily="34" charset="-128"/>
-                <a:sym typeface="Iowan Old Style Roman"/>
-              </a:rPr>
-              <a:t>NoFuture</a:t>
-            </a:r>
-            <a:r>
-              <a:rPr sz="1600" dirty="0">
-                <a:solidFill>
-                  <a:schemeClr val="tx1"/>
-                </a:solidFill>
-                <a:uFill>
-                  <a:solidFill/>
-                </a:uFill>
-                <a:latin typeface="Arial Unicode MS" panose="020B0604020202020204" pitchFamily="34" charset="-128"/>
-                <a:ea typeface="Arial Unicode MS" panose="020B0604020202020204" pitchFamily="34" charset="-128"/>
-                <a:cs typeface="Arial Unicode MS" panose="020B0604020202020204" pitchFamily="34" charset="-128"/>
-                <a:sym typeface="Iowan Old Style Roman"/>
-              </a:rPr>
-              <a:t> label has a unique identification  number, a title, a copyright date, a format, and an album identifier.</a:t>
-            </a:r>
-          </a:p>
-          <a:p>
-            <a:pPr marL="568569" lvl="1" indent="-187569">
-              <a:spcBef>
-                <a:spcPts val="700"/>
-              </a:spcBef>
-              <a:buSzPct val="100000"/>
-              <a:buChar char="•"/>
-              <a:defRPr sz="1800">
-                <a:solidFill>
-                  <a:srgbClr val="000000"/>
-                </a:solidFill>
-                <a:uFillTx/>
-              </a:defRPr>
-            </a:pPr>
-            <a:r>
-              <a:rPr sz="1600" dirty="0">
-                <a:solidFill>
-                  <a:schemeClr val="tx1"/>
-                </a:solidFill>
-                <a:uFill>
-                  <a:solidFill/>
-                </a:uFill>
-                <a:latin typeface="Arial Unicode MS" panose="020B0604020202020204" pitchFamily="34" charset="-128"/>
-                <a:ea typeface="Arial Unicode MS" panose="020B0604020202020204" pitchFamily="34" charset="-128"/>
-                <a:cs typeface="Arial Unicode MS" panose="020B0604020202020204" pitchFamily="34" charset="-128"/>
-                <a:sym typeface="Iowan Old Style Roman"/>
-              </a:rPr>
-              <a:t>Each song recorded at </a:t>
-            </a:r>
-            <a:r>
-              <a:rPr sz="1600" dirty="0" err="1">
-                <a:solidFill>
-                  <a:schemeClr val="tx1"/>
-                </a:solidFill>
-                <a:uFill>
-                  <a:solidFill/>
-                </a:uFill>
-                <a:latin typeface="Arial Unicode MS" panose="020B0604020202020204" pitchFamily="34" charset="-128"/>
-                <a:ea typeface="Arial Unicode MS" panose="020B0604020202020204" pitchFamily="34" charset="-128"/>
-                <a:cs typeface="Arial Unicode MS" panose="020B0604020202020204" pitchFamily="34" charset="-128"/>
-                <a:sym typeface="Iowan Old Style Roman"/>
-              </a:rPr>
-              <a:t>NoFuture</a:t>
-            </a:r>
-            <a:r>
-              <a:rPr sz="1600" dirty="0">
-                <a:solidFill>
-                  <a:schemeClr val="tx1"/>
-                </a:solidFill>
-                <a:uFill>
-                  <a:solidFill/>
-                </a:uFill>
-                <a:latin typeface="Arial Unicode MS" panose="020B0604020202020204" pitchFamily="34" charset="-128"/>
-                <a:ea typeface="Arial Unicode MS" panose="020B0604020202020204" pitchFamily="34" charset="-128"/>
-                <a:cs typeface="Arial Unicode MS" panose="020B0604020202020204" pitchFamily="34" charset="-128"/>
-                <a:sym typeface="Iowan Old Style Roman"/>
-              </a:rPr>
-              <a:t> has a title and an author.</a:t>
-            </a:r>
-          </a:p>
-          <a:p>
-            <a:pPr marL="568569" lvl="1" indent="-187569">
-              <a:spcBef>
-                <a:spcPts val="700"/>
-              </a:spcBef>
-              <a:buSzPct val="100000"/>
-              <a:buChar char="•"/>
-              <a:defRPr sz="1800">
-                <a:solidFill>
-                  <a:srgbClr val="000000"/>
-                </a:solidFill>
-                <a:uFillTx/>
-              </a:defRPr>
-            </a:pPr>
-            <a:r>
-              <a:rPr sz="1600" dirty="0">
-                <a:solidFill>
-                  <a:schemeClr val="tx1"/>
-                </a:solidFill>
-                <a:uFill>
-                  <a:solidFill/>
-                </a:uFill>
-                <a:latin typeface="Arial Unicode MS" panose="020B0604020202020204" pitchFamily="34" charset="-128"/>
-                <a:ea typeface="Arial Unicode MS" panose="020B0604020202020204" pitchFamily="34" charset="-128"/>
-                <a:cs typeface="Arial Unicode MS" panose="020B0604020202020204" pitchFamily="34" charset="-128"/>
-                <a:sym typeface="Iowan Old Style Roman"/>
-              </a:rPr>
-              <a:t>Each musician may play several instruments, and a given instrument may be played by several musicians.</a:t>
-            </a:r>
-          </a:p>
-          <a:p>
-            <a:pPr marL="568569" lvl="1" indent="-187569">
-              <a:spcBef>
-                <a:spcPts val="700"/>
-              </a:spcBef>
-              <a:buSzPct val="100000"/>
-              <a:buChar char="•"/>
-              <a:defRPr sz="1800">
-                <a:solidFill>
-                  <a:srgbClr val="000000"/>
-                </a:solidFill>
-                <a:uFillTx/>
-              </a:defRPr>
-            </a:pPr>
-            <a:r>
-              <a:rPr sz="1600" dirty="0">
-                <a:solidFill>
-                  <a:schemeClr val="tx1"/>
-                </a:solidFill>
-                <a:uFill>
-                  <a:solidFill/>
-                </a:uFill>
-                <a:latin typeface="Arial Unicode MS" panose="020B0604020202020204" pitchFamily="34" charset="-128"/>
-                <a:ea typeface="Arial Unicode MS" panose="020B0604020202020204" pitchFamily="34" charset="-128"/>
-                <a:cs typeface="Arial Unicode MS" panose="020B0604020202020204" pitchFamily="34" charset="-128"/>
-                <a:sym typeface="Iowan Old Style Roman"/>
-              </a:rPr>
-              <a:t>Each album has a number of songs on it, but no song may appear on more than one album.</a:t>
-            </a:r>
-          </a:p>
-          <a:p>
-            <a:pPr marL="568569" lvl="1" indent="-187569">
-              <a:spcBef>
-                <a:spcPts val="700"/>
-              </a:spcBef>
-              <a:buSzPct val="100000"/>
-              <a:buChar char="•"/>
-              <a:defRPr sz="1800">
-                <a:solidFill>
-                  <a:srgbClr val="000000"/>
-                </a:solidFill>
-                <a:uFillTx/>
-              </a:defRPr>
-            </a:pPr>
-            <a:r>
-              <a:rPr sz="1600" dirty="0">
-                <a:solidFill>
-                  <a:schemeClr val="tx1"/>
-                </a:solidFill>
-                <a:uFill>
-                  <a:solidFill/>
-                </a:uFill>
-                <a:latin typeface="Arial Unicode MS" panose="020B0604020202020204" pitchFamily="34" charset="-128"/>
-                <a:ea typeface="Arial Unicode MS" panose="020B0604020202020204" pitchFamily="34" charset="-128"/>
-                <a:cs typeface="Arial Unicode MS" panose="020B0604020202020204" pitchFamily="34" charset="-128"/>
-                <a:sym typeface="Iowan Old Style Roman"/>
-              </a:rPr>
-              <a:t>Each song is performed by one or more musicians, and a musician may perform a number of songs.</a:t>
-            </a:r>
-          </a:p>
-          <a:p>
-            <a:pPr marL="568569" lvl="1" indent="-187569">
-              <a:spcBef>
-                <a:spcPts val="700"/>
-              </a:spcBef>
-              <a:buSzPct val="100000"/>
-              <a:buChar char="•"/>
-              <a:defRPr sz="1800">
-                <a:solidFill>
-                  <a:srgbClr val="000000"/>
-                </a:solidFill>
-                <a:uFillTx/>
-              </a:defRPr>
-            </a:pPr>
-            <a:r>
-              <a:rPr sz="1600" dirty="0">
-                <a:solidFill>
-                  <a:schemeClr val="tx1"/>
-                </a:solidFill>
-                <a:uFill>
-                  <a:solidFill/>
-                </a:uFill>
-                <a:latin typeface="Arial Unicode MS" panose="020B0604020202020204" pitchFamily="34" charset="-128"/>
-                <a:ea typeface="Arial Unicode MS" panose="020B0604020202020204" pitchFamily="34" charset="-128"/>
-                <a:cs typeface="Arial Unicode MS" panose="020B0604020202020204" pitchFamily="34" charset="-128"/>
-                <a:sym typeface="Iowan Old Style Roman"/>
-              </a:rPr>
-              <a:t>Each album has exactly one musician who acts as its producer. A musician may produce several albums.</a:t>
-            </a:r>
-          </a:p>
-        </p:txBody>
-      </p:sp>
-    </p:spTree>
-    <p:extLst>
-      <p:ext uri="{BB962C8B-B14F-4D97-AF65-F5344CB8AC3E}">
-        <p14:creationId xmlns:p14="http://schemas.microsoft.com/office/powerpoint/2010/main" val="3214541500"/>
       </p:ext>
     </p:extLst>
   </p:cSld>
@@ -19551,7 +15801,7 @@
                 <a:cs typeface="Arial Unicode MS" panose="020B0604020202020204" pitchFamily="34" charset="-128"/>
                 <a:sym typeface="Iowan Old Style Roman"/>
               </a:rPr>
-              <a:t>Each meter corresponds to an account, with each account having </a:t>
+              <a:t>Each meter corresponds to a </a:t>
             </a:r>
             <a:r>
               <a:rPr lang="en-US" dirty="0">
@@ -19563,7 +15813,7 @@
                 <a:cs typeface="Arial Unicode MS" panose="020B0604020202020204" pitchFamily="34" charset="-128"/>
                 <a:sym typeface="Iowan Old Style Roman"/>
               </a:rPr>
-              <a:t>an owner; the same owner can have multiple accounts. </a:t>
+              <a:t>customer who is the owner of the meter. The same customer can have multiple meters. </a:t>
             </a:r>
             <a:r>
               <a:rPr lang="en-US" dirty="0">
@@ -20461,13 +16711,13 @@
             </a:r>
           </a:p>
           <a:p>
-            <a:pPr marL="495300" lvl="3" indent="-457200">
+            <a:pPr marL="495300" lvl="7" indent="-457200">
               <a:spcBef>
                 <a:spcPts val="700"/>
               </a:spcBef>
               <a:buSzPct val="50000"/>
-              <a:buFont typeface="Wingdings" panose="05000000000000000000" pitchFamily="2" charset="2"/>
-              <a:buChar char="q"/>
+              <a:buFont typeface="Arial" panose="020B0604020202020204" pitchFamily="34" charset="0"/>
+              <a:buChar char="•"/>
               <a:defRPr sz="1800">
                 <a:solidFill>
                   <a:srgbClr val="000000"/>
@@ -20489,13 +16739,13 @@
             </a:r>
           </a:p>
           <a:p>
-            <a:pPr marL="495300" lvl="3" indent="-457200">
+            <a:pPr marL="495300" lvl="7" indent="-457200">
               <a:spcBef>
                 <a:spcPts val="700"/>
               </a:spcBef>
               <a:buSzPct val="50000"/>
-              <a:buFont typeface="Wingdings" panose="05000000000000000000" pitchFamily="2" charset="2"/>
-              <a:buChar char="q"/>
+              <a:buFont typeface="Arial" panose="020B0604020202020204" pitchFamily="34" charset="0"/>
+              <a:buChar char="•"/>
               <a:defRPr sz="1800">
                 <a:solidFill>
                   <a:srgbClr val="000000"/>
@@ -20517,13 +16767,13 @@
             </a:r>
           </a:p>
           <a:p>
-            <a:pPr marL="495300" lvl="3" indent="-457200">
+            <a:pPr marL="495300" lvl="7" indent="-457200">
               <a:spcBef>
                 <a:spcPts val="700"/>
               </a:spcBef>
               <a:buSzPct val="50000"/>
-              <a:buFont typeface="Wingdings" panose="05000000000000000000" pitchFamily="2" charset="2"/>
-              <a:buChar char="q"/>
+              <a:buFont typeface="Arial" panose="020B0604020202020204" pitchFamily="34" charset="0"/>
+              <a:buChar char="•"/>
               <a:defRPr sz="1800">
                 <a:solidFill>
                   <a:srgbClr val="000000"/>
@@ -20554,13 +16804,13 @@
             </a:endParaRPr>
           </a:p>
           <a:p>
-            <a:pPr marL="495300" lvl="3" indent="-457200">
+            <a:pPr marL="495300" lvl="7" indent="-457200">
               <a:spcBef>
                 <a:spcPts val="700"/>
               </a:spcBef>
               <a:buSzPct val="50000"/>
-              <a:buFont typeface="Wingdings" panose="05000000000000000000" pitchFamily="2" charset="2"/>
-              <a:buChar char="q"/>
+              <a:buFont typeface="Arial" panose="020B0604020202020204" pitchFamily="34" charset="0"/>
+              <a:buChar char="•"/>
               <a:defRPr sz="1800">
                 <a:solidFill>
                   <a:srgbClr val="000000"/>
@@ -20619,6 +16869,170 @@
       </p:grpSpPr>
       <p:sp>
         <p:nvSpPr>
+          <p:cNvPr id="2" name="Rectangle 1">
+            <a:extLst>
+              <a:ext uri="{FF2B5EF4-FFF2-40B4-BE49-F238E27FC236}">
+                <a16:creationId xmlns:a16="http://schemas.microsoft.com/office/drawing/2014/main" id="{D8C7B7F9-A2C8-4672-825F-5FBD07C18D6E}"/>
+              </a:ext>
+            </a:extLst>
+          </p:cNvPr>
+          <p:cNvSpPr/>
+          <p:nvPr/>
+        </p:nvSpPr>
+        <p:spPr>
+          <a:xfrm>
+            <a:off x="437321" y="1294558"/>
+            <a:ext cx="8034793" cy="4883388"/>
+          </a:xfrm>
+          <a:prstGeom prst="rect">
+            <a:avLst/>
+          </a:prstGeom>
+        </p:spPr>
+        <p:txBody>
+          <a:bodyPr wrap="square">
+            <a:spAutoFit/>
+          </a:bodyPr>
+          <a:lstStyle/>
+          <a:p>
+            <a:pPr marL="627184" lvl="1" indent="-246184">
+              <a:spcBef>
+                <a:spcPts val="700"/>
+              </a:spcBef>
+              <a:buSzPct val="100000"/>
+              <a:buChar char="•"/>
+              <a:defRPr sz="1800">
+                <a:solidFill>
+                  <a:srgbClr val="000000"/>
+                </a:solidFill>
+                <a:uFillTx/>
+              </a:defRPr>
+            </a:pPr>
+            <a:r>
+              <a:rPr lang="en-US" dirty="0">
+                <a:solidFill>
+                  <a:schemeClr val="tx1"/>
+                </a:solidFill>
+                <a:latin typeface="Arial Unicode MS" panose="020B0604020202020204" pitchFamily="34" charset="-128"/>
+                <a:ea typeface="Arial Unicode MS" panose="020B0604020202020204" pitchFamily="34" charset="-128"/>
+                <a:cs typeface="Arial Unicode MS" panose="020B0604020202020204" pitchFamily="34" charset="-128"/>
+                <a:sym typeface="Iowan Old Style Roman"/>
+              </a:rPr>
+              <a:t>A customer has a name and a billing address. Each customer has a type (residential or commercial), an applicable rate, and a collection of meters for which the customer is billed.</a:t>
+            </a:r>
+          </a:p>
+          <a:p>
+            <a:pPr marL="627184" lvl="1" indent="-246184">
+              <a:spcBef>
+                <a:spcPts val="700"/>
+              </a:spcBef>
+              <a:buSzPct val="100000"/>
+              <a:buFontTx/>
+              <a:buChar char="•"/>
+              <a:defRPr sz="1800">
+                <a:solidFill>
+                  <a:srgbClr val="000000"/>
+                </a:solidFill>
+                <a:uFillTx/>
+              </a:defRPr>
+            </a:pPr>
+            <a:r>
+              <a:rPr lang="en-US" dirty="0">
+                <a:solidFill>
+                  <a:schemeClr val="tx1"/>
+                </a:solidFill>
+                <a:latin typeface="Arial Unicode MS" panose="020B0604020202020204" pitchFamily="34" charset="-128"/>
+                <a:ea typeface="Arial Unicode MS" panose="020B0604020202020204" pitchFamily="34" charset="-128"/>
+                <a:cs typeface="Arial Unicode MS" panose="020B0604020202020204" pitchFamily="34" charset="-128"/>
+                <a:sym typeface="Iowan Old Style Roman"/>
+              </a:rPr>
+              <a:t>The rate has a consumption threshold. Below the threshold the customer pays a fixed price. Above the threshold the customer pays based on a variable rate per cubic foot of consumption above the threshold.</a:t>
+            </a:r>
+          </a:p>
+          <a:p>
+            <a:pPr marL="627184" lvl="1" indent="-246184">
+              <a:spcBef>
+                <a:spcPts val="700"/>
+              </a:spcBef>
+              <a:buSzPct val="100000"/>
+              <a:buChar char="•"/>
+              <a:defRPr sz="1800">
+                <a:solidFill>
+                  <a:srgbClr val="000000"/>
+                </a:solidFill>
+                <a:uFillTx/>
+              </a:defRPr>
+            </a:pPr>
+            <a:r>
+              <a:rPr lang="en-US" dirty="0">
+                <a:solidFill>
+                  <a:schemeClr val="tx1"/>
+                </a:solidFill>
+                <a:latin typeface="Arial Unicode MS" panose="020B0604020202020204" pitchFamily="34" charset="-128"/>
+                <a:ea typeface="Arial Unicode MS" panose="020B0604020202020204" pitchFamily="34" charset="-128"/>
+                <a:cs typeface="Arial Unicode MS" panose="020B0604020202020204" pitchFamily="34" charset="-128"/>
+                <a:sym typeface="Iowan Old Style Roman"/>
+              </a:rPr>
+              <a:t>Each meter corresponds to a customer who is the owner of the meter. The same customer can have multiple meters. Each meter has a number, an address, size, and model.</a:t>
+            </a:r>
+          </a:p>
+          <a:p>
+            <a:pPr marL="627184" lvl="1" indent="-246184">
+              <a:spcBef>
+                <a:spcPts val="700"/>
+              </a:spcBef>
+              <a:buSzPct val="100000"/>
+              <a:buChar char="•"/>
+              <a:defRPr sz="1800">
+                <a:solidFill>
+                  <a:srgbClr val="000000"/>
+                </a:solidFill>
+                <a:uFillTx/>
+              </a:defRPr>
+            </a:pPr>
+            <a:r>
+              <a:rPr lang="en-US" dirty="0">
+                <a:solidFill>
+                  <a:schemeClr val="tx1"/>
+                </a:solidFill>
+                <a:latin typeface="Arial Unicode MS" panose="020B0604020202020204" pitchFamily="34" charset="-128"/>
+                <a:ea typeface="Arial Unicode MS" panose="020B0604020202020204" pitchFamily="34" charset="-128"/>
+                <a:cs typeface="Arial Unicode MS" panose="020B0604020202020204" pitchFamily="34" charset="-128"/>
+                <a:sym typeface="Iowan Old Style Roman"/>
+              </a:rPr>
+              <a:t>Each meter is measured periodically by an employee, who marks the consumption level and the date of the reading.</a:t>
+            </a:r>
+          </a:p>
+          <a:p>
+            <a:pPr marL="627184" lvl="1" indent="-246184">
+              <a:spcBef>
+                <a:spcPts val="700"/>
+              </a:spcBef>
+              <a:buSzPct val="100000"/>
+              <a:buChar char="•"/>
+              <a:defRPr sz="1800">
+                <a:solidFill>
+                  <a:srgbClr val="000000"/>
+                </a:solidFill>
+                <a:uFillTx/>
+              </a:defRPr>
+            </a:pPr>
+            <a:r>
+              <a:rPr lang="en-US" dirty="0">
+                <a:solidFill>
+                  <a:schemeClr val="tx1"/>
+                </a:solidFill>
+                <a:latin typeface="Arial Unicode MS" panose="020B0604020202020204" pitchFamily="34" charset="-128"/>
+                <a:ea typeface="Arial Unicode MS" panose="020B0604020202020204" pitchFamily="34" charset="-128"/>
+                <a:cs typeface="Arial Unicode MS" panose="020B0604020202020204" pitchFamily="34" charset="-128"/>
+                <a:sym typeface="Iowan Old Style Roman"/>
+              </a:rPr>
+              <a:t>Periodically, the customer gets a bill based on the most recent meter reading. Sometimes the bill includes multiple readings (only the most recent counts), and sometimes is based on estimates (i.e., not based on a reading) </a:t>
+            </a:r>
+          </a:p>
+        </p:txBody>
+      </p:sp>
+      <p:sp>
+        <p:nvSpPr>
           <p:cNvPr id="78" name="Shape 78"/>
           <p:cNvSpPr/>
           <p:nvPr/>
@@ -20679,172 +17093,6 @@
                 <a:cs typeface="Arial Unicode MS" panose="020B0604020202020204" pitchFamily="34" charset="-128"/>
               </a:rPr>
               <a:t>Water utility DB: Entities &amp; attributes</a:t>
-            </a:r>
-          </a:p>
-        </p:txBody>
-      </p:sp>
-      <p:sp>
-        <p:nvSpPr>
-          <p:cNvPr id="79" name="Shape 79"/>
-          <p:cNvSpPr/>
-          <p:nvPr/>
-        </p:nvSpPr>
-        <p:spPr>
-          <a:xfrm>
-            <a:off x="469900" y="1282700"/>
-            <a:ext cx="7590195" cy="4883388"/>
-          </a:xfrm>
-          <a:prstGeom prst="rect">
-            <a:avLst/>
-          </a:prstGeom>
-          <a:ln w="12700">
-            <a:miter lim="400000"/>
-          </a:ln>
-          <a:extLst>
-            <a:ext uri="{C572A759-6A51-4108-AA02-DFA0A04FC94B}">
-              <ma14:wrappingTextBoxFlag xmlns="" xmlns:ma14="http://schemas.microsoft.com/office/mac/drawingml/2011/main" val="1"/>
-            </a:ext>
-          </a:extLst>
-        </p:spPr>
-        <p:txBody>
-          <a:bodyPr lIns="45719" rIns="45719">
-            <a:spAutoFit/>
-          </a:bodyPr>
-          <a:lstStyle/>
-          <a:p>
-            <a:pPr marL="627184" lvl="1" indent="-246184">
-              <a:spcBef>
-                <a:spcPts val="700"/>
-              </a:spcBef>
-              <a:buSzPct val="100000"/>
-              <a:buChar char="•"/>
-              <a:defRPr sz="1800">
-                <a:solidFill>
-                  <a:srgbClr val="000000"/>
-                </a:solidFill>
-                <a:uFillTx/>
-              </a:defRPr>
-            </a:pPr>
-            <a:r>
-              <a:rPr lang="en-US" dirty="0">
-                <a:solidFill>
-                  <a:schemeClr val="tx1"/>
-                </a:solidFill>
-                <a:latin typeface="Arial Unicode MS" panose="020B0604020202020204" pitchFamily="34" charset="-128"/>
-                <a:ea typeface="Arial Unicode MS" panose="020B0604020202020204" pitchFamily="34" charset="-128"/>
-                <a:cs typeface="Arial Unicode MS" panose="020B0604020202020204" pitchFamily="34" charset="-128"/>
-                <a:sym typeface="Iowan Old Style Roman"/>
-              </a:rPr>
-              <a:t>A customer has a name and a billing address. Each customer has a type (residential or commercial), an applicable rate, and a collection of meters for which the customer is billed.</a:t>
-            </a:r>
-          </a:p>
-          <a:p>
-            <a:pPr marL="627184" lvl="1" indent="-246184">
-              <a:spcBef>
-                <a:spcPts val="700"/>
-              </a:spcBef>
-              <a:buSzPct val="100000"/>
-              <a:buFontTx/>
-              <a:buChar char="•"/>
-              <a:defRPr sz="1800">
-                <a:solidFill>
-                  <a:srgbClr val="000000"/>
-                </a:solidFill>
-                <a:uFillTx/>
-              </a:defRPr>
-            </a:pPr>
-            <a:r>
-              <a:rPr lang="en-US" dirty="0">
-                <a:solidFill>
-                  <a:schemeClr val="tx1"/>
-                </a:solidFill>
-                <a:latin typeface="Arial Unicode MS" panose="020B0604020202020204" pitchFamily="34" charset="-128"/>
-                <a:ea typeface="Arial Unicode MS" panose="020B0604020202020204" pitchFamily="34" charset="-128"/>
-                <a:cs typeface="Arial Unicode MS" panose="020B0604020202020204" pitchFamily="34" charset="-128"/>
-                <a:sym typeface="Iowan Old Style Roman"/>
-              </a:rPr>
-              <a:t>The rate has a consumption threshold. Below the threshold the customer pays a fixed price. Above the threshold the customer pays based on a variable rate per cubic foot of consumption above the threshold.</a:t>
-            </a:r>
-          </a:p>
-          <a:p>
-            <a:pPr marL="627184" lvl="1" indent="-246184">
-              <a:spcBef>
-                <a:spcPts val="700"/>
-              </a:spcBef>
-              <a:buSzPct val="100000"/>
-              <a:buChar char="•"/>
-              <a:defRPr sz="1800">
-                <a:solidFill>
-                  <a:srgbClr val="000000"/>
-                </a:solidFill>
-                <a:uFillTx/>
-              </a:defRPr>
-            </a:pPr>
-            <a:r>
-              <a:rPr lang="en-US" dirty="0">
-                <a:solidFill>
-                  <a:schemeClr val="tx1"/>
-                </a:solidFill>
-                <a:latin typeface="Arial Unicode MS" panose="020B0604020202020204" pitchFamily="34" charset="-128"/>
-                <a:ea typeface="Arial Unicode MS" panose="020B0604020202020204" pitchFamily="34" charset="-128"/>
-                <a:cs typeface="Arial Unicode MS" panose="020B0604020202020204" pitchFamily="34" charset="-128"/>
-                <a:sym typeface="Iowan Old Style Roman"/>
-              </a:rPr>
-              <a:t>Each meter corresponds to an account, with each account having an owner; the same owner can have multiple accounts. Each meter has a number, an address, size, and model.</a:t>
-            </a:r>
-          </a:p>
-          <a:p>
-            <a:pPr marL="627184" lvl="1" indent="-246184">
-              <a:spcBef>
-                <a:spcPts val="700"/>
-              </a:spcBef>
-              <a:buSzPct val="100000"/>
-              <a:buChar char="•"/>
-              <a:defRPr sz="1800">
-                <a:solidFill>
-                  <a:srgbClr val="000000"/>
-                </a:solidFill>
-                <a:uFillTx/>
-              </a:defRPr>
-            </a:pPr>
-            <a:r>
-              <a:rPr lang="en-US" dirty="0">
-                <a:solidFill>
-                  <a:schemeClr val="tx1"/>
-                </a:solidFill>
-                <a:latin typeface="Arial Unicode MS" panose="020B0604020202020204" pitchFamily="34" charset="-128"/>
-                <a:ea typeface="Arial Unicode MS" panose="020B0604020202020204" pitchFamily="34" charset="-128"/>
-                <a:cs typeface="Arial Unicode MS" panose="020B0604020202020204" pitchFamily="34" charset="-128"/>
-                <a:sym typeface="Iowan Old Style Roman"/>
-              </a:rPr>
-              <a:t>Each meter is measured periodically by an employee, who marks the consumption level and the date of the reading.</a:t>
-            </a:r>
-          </a:p>
-          <a:p>
-            <a:pPr marL="627184" lvl="1" indent="-246184">
-              <a:spcBef>
-                <a:spcPts val="700"/>
-              </a:spcBef>
-              <a:buSzPct val="100000"/>
-              <a:buChar char="•"/>
-              <a:defRPr sz="1800">
-                <a:solidFill>
-                  <a:srgbClr val="000000"/>
-                </a:solidFill>
-                <a:uFillTx/>
-              </a:defRPr>
-            </a:pPr>
-            <a:r>
-              <a:rPr lang="en-US" dirty="0">
-                <a:solidFill>
-                  <a:schemeClr val="tx1"/>
-                </a:solidFill>
-                <a:latin typeface="Arial Unicode MS" panose="020B0604020202020204" pitchFamily="34" charset="-128"/>
-                <a:ea typeface="Arial Unicode MS" panose="020B0604020202020204" pitchFamily="34" charset="-128"/>
-                <a:cs typeface="Arial Unicode MS" panose="020B0604020202020204" pitchFamily="34" charset="-128"/>
-                <a:sym typeface="Iowan Old Style Roman"/>
-              </a:rPr>
-              <a:t>Periodically, the customer gets a bill based on the most recent meter reading. Sometimes the bill includes multiple readings (only the most recent counts), and sometimes is based on estimates (i.e., not based on a reading) </a:t>
             </a:r>
           </a:p>
         </p:txBody>
@@ -20949,7 +17197,7 @@
         </p:nvSpPr>
         <p:spPr>
           <a:xfrm>
-            <a:off x="1524000" y="2279072"/>
+            <a:off x="1555171" y="2284885"/>
             <a:ext cx="561109" cy="263237"/>
           </a:xfrm>
           <a:custGeom>
@@ -21041,8 +17289,8 @@
         </p:nvSpPr>
         <p:spPr>
           <a:xfrm>
-            <a:off x="1030308" y="5216236"/>
-            <a:ext cx="1678255" cy="417764"/>
+            <a:off x="4283325" y="4914750"/>
+            <a:ext cx="651393" cy="417764"/>
           </a:xfrm>
           <a:custGeom>
             <a:avLst/>
@@ -21317,8 +17565,8 @@
         </p:nvSpPr>
         <p:spPr>
           <a:xfrm>
-            <a:off x="4384963" y="4973782"/>
-            <a:ext cx="505691" cy="318654"/>
+            <a:off x="4973360" y="4596096"/>
+            <a:ext cx="914581" cy="318654"/>
           </a:xfrm>
           <a:custGeom>
             <a:avLst/>
@@ -21850,29 +18098,32 @@
       </p:sp>
       <p:pic>
         <p:nvPicPr>
-          <p:cNvPr id="93" name="Screen Shot 2014-02-19 at 3.32.37 PM.png"/>
-          <p:cNvPicPr/>
+          <p:cNvPr id="2" name="Picture 1">
+            <a:extLst>
+              <a:ext uri="{FF2B5EF4-FFF2-40B4-BE49-F238E27FC236}">
+                <a16:creationId xmlns:a16="http://schemas.microsoft.com/office/drawing/2014/main" id="{775442D2-4E53-441A-ACB1-193967C1C8F0}"/>
+              </a:ext>
+            </a:extLst>
+          </p:cNvPr>
+          <p:cNvPicPr>
+            <a:picLocks noChangeAspect="1"/>
+          </p:cNvPicPr>
           <p:nvPr/>
         </p:nvPicPr>
         <p:blipFill>
-          <a:blip r:embed="rId2">
-            <a:extLst/>
-          </a:blip>
+          <a:blip r:embed="rId2"/>
           <a:stretch>
             <a:fillRect/>
           </a:stretch>
         </p:blipFill>
         <p:spPr>
           <a:xfrm>
-            <a:off x="589787" y="1303647"/>
-            <a:ext cx="7757380" cy="4909356"/>
+            <a:off x="620201" y="896694"/>
+            <a:ext cx="7416939" cy="5770489"/>
           </a:xfrm>
           <a:prstGeom prst="rect">
             <a:avLst/>
           </a:prstGeom>
-          <a:ln w="12700">
-            <a:miter lim="400000"/>
-          </a:ln>
         </p:spPr>
       </p:pic>
     </p:spTree>
